--- a/02-inheritance_overriding/programming2_inheritance_overriding.pptx
+++ b/02-inheritance_overriding/programming2_inheritance_overriding.pptx
@@ -707,7 +707,7 @@
           <a:p>
             <a:fld id="{21D4D8AB-82A5-452A-8852-52C8026DDD64}" type="datetimeFigureOut">
               <a:rPr lang="en-US" smtClean="0"/>
-              <a:t>1/5/2023</a:t>
+              <a:t>2/1/2023</a:t>
             </a:fld>
             <a:endParaRPr lang="en-US"/>
           </a:p>
@@ -3987,7 +3987,7 @@
           <a:p>
             <a:fld id="{1CD1815E-B49F-43FE-B280-CDF6682C3964}" type="datetimeFigureOut">
               <a:rPr lang="nl-BE" smtClean="0"/>
-              <a:t>5/01/2023</a:t>
+              <a:t>1/02/2023</a:t>
             </a:fld>
             <a:endParaRPr lang="nl-BE"/>
           </a:p>
@@ -4187,7 +4187,7 @@
           <a:p>
             <a:fld id="{1CD1815E-B49F-43FE-B280-CDF6682C3964}" type="datetimeFigureOut">
               <a:rPr lang="nl-BE" smtClean="0"/>
-              <a:t>5/01/2023</a:t>
+              <a:t>1/02/2023</a:t>
             </a:fld>
             <a:endParaRPr lang="nl-BE"/>
           </a:p>
@@ -4397,7 +4397,7 @@
           <a:p>
             <a:fld id="{1CD1815E-B49F-43FE-B280-CDF6682C3964}" type="datetimeFigureOut">
               <a:rPr lang="nl-BE" smtClean="0"/>
-              <a:t>5/01/2023</a:t>
+              <a:t>1/02/2023</a:t>
             </a:fld>
             <a:endParaRPr lang="nl-BE"/>
           </a:p>
@@ -4539,7 +4539,7 @@
           <a:p>
             <a:fld id="{1CD1815E-B49F-43FE-B280-CDF6682C3964}" type="datetimeFigureOut">
               <a:rPr lang="nl-BE" smtClean="0"/>
-              <a:t>5/01/2023</a:t>
+              <a:t>1/02/2023</a:t>
             </a:fld>
             <a:endParaRPr lang="nl-BE"/>
           </a:p>
@@ -4739,7 +4739,7 @@
           <a:p>
             <a:fld id="{1CD1815E-B49F-43FE-B280-CDF6682C3964}" type="datetimeFigureOut">
               <a:rPr lang="nl-BE" smtClean="0"/>
-              <a:t>5/01/2023</a:t>
+              <a:t>1/02/2023</a:t>
             </a:fld>
             <a:endParaRPr lang="nl-BE"/>
           </a:p>
@@ -5015,7 +5015,7 @@
           <a:p>
             <a:fld id="{1CD1815E-B49F-43FE-B280-CDF6682C3964}" type="datetimeFigureOut">
               <a:rPr lang="nl-BE" smtClean="0"/>
-              <a:t>5/01/2023</a:t>
+              <a:t>1/02/2023</a:t>
             </a:fld>
             <a:endParaRPr lang="nl-BE"/>
           </a:p>
@@ -5283,7 +5283,7 @@
           <a:p>
             <a:fld id="{1CD1815E-B49F-43FE-B280-CDF6682C3964}" type="datetimeFigureOut">
               <a:rPr lang="nl-BE" smtClean="0"/>
-              <a:t>5/01/2023</a:t>
+              <a:t>1/02/2023</a:t>
             </a:fld>
             <a:endParaRPr lang="nl-BE"/>
           </a:p>
@@ -5698,7 +5698,7 @@
           <a:p>
             <a:fld id="{1CD1815E-B49F-43FE-B280-CDF6682C3964}" type="datetimeFigureOut">
               <a:rPr lang="nl-BE" smtClean="0"/>
-              <a:t>5/01/2023</a:t>
+              <a:t>1/02/2023</a:t>
             </a:fld>
             <a:endParaRPr lang="nl-BE"/>
           </a:p>
@@ -5840,7 +5840,7 @@
           <a:p>
             <a:fld id="{1CD1815E-B49F-43FE-B280-CDF6682C3964}" type="datetimeFigureOut">
               <a:rPr lang="nl-BE" smtClean="0"/>
-              <a:t>5/01/2023</a:t>
+              <a:t>1/02/2023</a:t>
             </a:fld>
             <a:endParaRPr lang="nl-BE"/>
           </a:p>
@@ -5953,7 +5953,7 @@
           <a:p>
             <a:fld id="{1CD1815E-B49F-43FE-B280-CDF6682C3964}" type="datetimeFigureOut">
               <a:rPr lang="nl-BE" smtClean="0"/>
-              <a:t>5/01/2023</a:t>
+              <a:t>1/02/2023</a:t>
             </a:fld>
             <a:endParaRPr lang="nl-BE"/>
           </a:p>
@@ -6266,7 +6266,7 @@
           <a:p>
             <a:fld id="{1CD1815E-B49F-43FE-B280-CDF6682C3964}" type="datetimeFigureOut">
               <a:rPr lang="nl-BE" smtClean="0"/>
-              <a:t>5/01/2023</a:t>
+              <a:t>1/02/2023</a:t>
             </a:fld>
             <a:endParaRPr lang="nl-BE"/>
           </a:p>
@@ -6509,7 +6509,7 @@
           <a:p>
             <a:fld id="{1CD1815E-B49F-43FE-B280-CDF6682C3964}" type="datetimeFigureOut">
               <a:rPr lang="nl-BE" smtClean="0"/>
-              <a:t>5/01/2023</a:t>
+              <a:t>1/02/2023</a:t>
             </a:fld>
             <a:endParaRPr lang="nl-BE"/>
           </a:p>
@@ -7650,7 +7650,7 @@
           </a:ln>
           <a:extLst>
             <a:ext uri="{C572A759-6A51-4108-AA02-DFA0A04FC94B}">
-              <ma14:wrappingTextBoxFlag xmlns:ma14="http://schemas.microsoft.com/office/mac/drawingml/2011/main" xmlns="" val="1"/>
+              <ma14:wrappingTextBoxFlag xmlns="" xmlns:ma14="http://schemas.microsoft.com/office/mac/drawingml/2011/main" val="1"/>
             </a:ext>
           </a:extLst>
         </p:spPr>
@@ -10383,7 +10383,7 @@
           </a:ln>
           <a:extLst>
             <a:ext uri="{C572A759-6A51-4108-AA02-DFA0A04FC94B}">
-              <ma14:wrappingTextBoxFlag xmlns:ma14="http://schemas.microsoft.com/office/mac/drawingml/2011/main" xmlns="" val="1"/>
+              <ma14:wrappingTextBoxFlag xmlns="" xmlns:ma14="http://schemas.microsoft.com/office/mac/drawingml/2011/main" val="1"/>
             </a:ext>
           </a:extLst>
         </p:spPr>
@@ -10723,7 +10723,7 @@
           </a:ln>
           <a:extLst>
             <a:ext uri="{C572A759-6A51-4108-AA02-DFA0A04FC94B}">
-              <ma14:wrappingTextBoxFlag xmlns:ma14="http://schemas.microsoft.com/office/mac/drawingml/2011/main" xmlns="" val="1"/>
+              <ma14:wrappingTextBoxFlag xmlns="" xmlns:ma14="http://schemas.microsoft.com/office/mac/drawingml/2011/main" val="1"/>
             </a:ext>
           </a:extLst>
         </p:spPr>
@@ -11386,7 +11386,7 @@
           </a:ln>
           <a:extLst>
             <a:ext uri="{C572A759-6A51-4108-AA02-DFA0A04FC94B}">
-              <ma14:wrappingTextBoxFlag xmlns:ma14="http://schemas.microsoft.com/office/mac/drawingml/2011/main" xmlns="" val="1"/>
+              <ma14:wrappingTextBoxFlag xmlns="" xmlns:ma14="http://schemas.microsoft.com/office/mac/drawingml/2011/main" val="1"/>
             </a:ext>
           </a:extLst>
         </p:spPr>
@@ -11726,7 +11726,7 @@
           </a:ln>
           <a:extLst>
             <a:ext uri="{C572A759-6A51-4108-AA02-DFA0A04FC94B}">
-              <ma14:wrappingTextBoxFlag xmlns:ma14="http://schemas.microsoft.com/office/mac/drawingml/2011/main" xmlns="" val="1"/>
+              <ma14:wrappingTextBoxFlag xmlns="" xmlns:ma14="http://schemas.microsoft.com/office/mac/drawingml/2011/main" val="1"/>
             </a:ext>
           </a:extLst>
         </p:spPr>
@@ -12371,7 +12371,7 @@
           </a:ln>
           <a:extLst>
             <a:ext uri="{C572A759-6A51-4108-AA02-DFA0A04FC94B}">
-              <ma14:wrappingTextBoxFlag xmlns:ma14="http://schemas.microsoft.com/office/mac/drawingml/2011/main" xmlns="" val="1"/>
+              <ma14:wrappingTextBoxFlag xmlns="" xmlns:ma14="http://schemas.microsoft.com/office/mac/drawingml/2011/main" val="1"/>
             </a:ext>
           </a:extLst>
         </p:spPr>
@@ -13514,7 +13514,7 @@
           </a:ln>
           <a:extLst>
             <a:ext uri="{C572A759-6A51-4108-AA02-DFA0A04FC94B}">
-              <ma14:wrappingTextBoxFlag xmlns="" xmlns:ma14="http://schemas.microsoft.com/office/mac/drawingml/2011/main" val="1"/>
+              <ma14:wrappingTextBoxFlag xmlns:ma14="http://schemas.microsoft.com/office/mac/drawingml/2011/main" xmlns="" val="1"/>
             </a:ext>
           </a:extLst>
         </p:spPr>
@@ -13854,7 +13854,7 @@
           </a:ln>
           <a:extLst>
             <a:ext uri="{C572A759-6A51-4108-AA02-DFA0A04FC94B}">
-              <ma14:wrappingTextBoxFlag xmlns="" xmlns:ma14="http://schemas.microsoft.com/office/mac/drawingml/2011/main" val="1"/>
+              <ma14:wrappingTextBoxFlag xmlns:ma14="http://schemas.microsoft.com/office/mac/drawingml/2011/main" xmlns="" val="1"/>
             </a:ext>
           </a:extLst>
         </p:spPr>
@@ -14517,7 +14517,7 @@
           </a:ln>
           <a:extLst>
             <a:ext uri="{C572A759-6A51-4108-AA02-DFA0A04FC94B}">
-              <ma14:wrappingTextBoxFlag xmlns="" xmlns:ma14="http://schemas.microsoft.com/office/mac/drawingml/2011/main" val="1"/>
+              <ma14:wrappingTextBoxFlag xmlns:ma14="http://schemas.microsoft.com/office/mac/drawingml/2011/main" xmlns="" val="1"/>
             </a:ext>
           </a:extLst>
         </p:spPr>
@@ -14857,7 +14857,7 @@
           </a:ln>
           <a:extLst>
             <a:ext uri="{C572A759-6A51-4108-AA02-DFA0A04FC94B}">
-              <ma14:wrappingTextBoxFlag xmlns="" xmlns:ma14="http://schemas.microsoft.com/office/mac/drawingml/2011/main" val="1"/>
+              <ma14:wrappingTextBoxFlag xmlns:ma14="http://schemas.microsoft.com/office/mac/drawingml/2011/main" xmlns="" val="1"/>
             </a:ext>
           </a:extLst>
         </p:spPr>
@@ -15502,7 +15502,7 @@
           </a:ln>
           <a:extLst>
             <a:ext uri="{C572A759-6A51-4108-AA02-DFA0A04FC94B}">
-              <ma14:wrappingTextBoxFlag xmlns="" xmlns:ma14="http://schemas.microsoft.com/office/mac/drawingml/2011/main" val="1"/>
+              <ma14:wrappingTextBoxFlag xmlns:ma14="http://schemas.microsoft.com/office/mac/drawingml/2011/main" xmlns="" val="1"/>
             </a:ext>
           </a:extLst>
         </p:spPr>
@@ -15838,7 +15838,7 @@
           </a:ln>
           <a:extLst>
             <a:ext uri="{C572A759-6A51-4108-AA02-DFA0A04FC94B}">
-              <ma14:wrappingTextBoxFlag xmlns:ma14="http://schemas.microsoft.com/office/mac/drawingml/2011/main" xmlns="" val="1"/>
+              <ma14:wrappingTextBoxFlag xmlns="" xmlns:ma14="http://schemas.microsoft.com/office/mac/drawingml/2011/main" val="1"/>
             </a:ext>
           </a:extLst>
         </p:spPr>
@@ -16158,7 +16158,7 @@
           </a:ln>
           <a:extLst>
             <a:ext uri="{C572A759-6A51-4108-AA02-DFA0A04FC94B}">
-              <ma14:wrappingTextBoxFlag xmlns:ma14="http://schemas.microsoft.com/office/mac/drawingml/2011/main" xmlns="" val="1"/>
+              <ma14:wrappingTextBoxFlag xmlns="" xmlns:ma14="http://schemas.microsoft.com/office/mac/drawingml/2011/main" val="1"/>
             </a:ext>
           </a:extLst>
         </p:spPr>
@@ -17808,7 +17808,7 @@
           </a:ln>
           <a:extLst>
             <a:ext uri="{C572A759-6A51-4108-AA02-DFA0A04FC94B}">
-              <ma14:wrappingTextBoxFlag xmlns:ma14="http://schemas.microsoft.com/office/mac/drawingml/2011/main" xmlns="" val="1"/>
+              <ma14:wrappingTextBoxFlag xmlns="" xmlns:ma14="http://schemas.microsoft.com/office/mac/drawingml/2011/main" val="1"/>
             </a:ext>
           </a:extLst>
         </p:spPr>
@@ -18310,7 +18310,7 @@
           </a:ln>
           <a:extLst>
             <a:ext uri="{C572A759-6A51-4108-AA02-DFA0A04FC94B}">
-              <ma14:wrappingTextBoxFlag xmlns:ma14="http://schemas.microsoft.com/office/mac/drawingml/2011/main" xmlns="" val="1"/>
+              <ma14:wrappingTextBoxFlag xmlns="" xmlns:ma14="http://schemas.microsoft.com/office/mac/drawingml/2011/main" val="1"/>
             </a:ext>
           </a:extLst>
         </p:spPr>
@@ -18650,7 +18650,7 @@
           </a:ln>
           <a:extLst>
             <a:ext uri="{C572A759-6A51-4108-AA02-DFA0A04FC94B}">
-              <ma14:wrappingTextBoxFlag xmlns:ma14="http://schemas.microsoft.com/office/mac/drawingml/2011/main" xmlns="" val="1"/>
+              <ma14:wrappingTextBoxFlag xmlns="" xmlns:ma14="http://schemas.microsoft.com/office/mac/drawingml/2011/main" val="1"/>
             </a:ext>
           </a:extLst>
         </p:spPr>
@@ -19793,7 +19793,7 @@
           </a:ln>
           <a:extLst>
             <a:ext uri="{C572A759-6A51-4108-AA02-DFA0A04FC94B}">
-              <ma14:wrappingTextBoxFlag xmlns:ma14="http://schemas.microsoft.com/office/mac/drawingml/2011/main" xmlns="" val="1"/>
+              <ma14:wrappingTextBoxFlag xmlns="" xmlns:ma14="http://schemas.microsoft.com/office/mac/drawingml/2011/main" val="1"/>
             </a:ext>
           </a:extLst>
         </p:spPr>
@@ -20501,7 +20501,7 @@
           </a:ln>
           <a:extLst>
             <a:ext uri="{C572A759-6A51-4108-AA02-DFA0A04FC94B}">
-              <ma14:wrappingTextBoxFlag xmlns:ma14="http://schemas.microsoft.com/office/mac/drawingml/2011/main" xmlns="" val="1"/>
+              <ma14:wrappingTextBoxFlag xmlns="" xmlns:ma14="http://schemas.microsoft.com/office/mac/drawingml/2011/main" val="1"/>
             </a:ext>
           </a:extLst>
         </p:spPr>
@@ -20841,7 +20841,7 @@
           </a:ln>
           <a:extLst>
             <a:ext uri="{C572A759-6A51-4108-AA02-DFA0A04FC94B}">
-              <ma14:wrappingTextBoxFlag xmlns:ma14="http://schemas.microsoft.com/office/mac/drawingml/2011/main" xmlns="" val="1"/>
+              <ma14:wrappingTextBoxFlag xmlns="" xmlns:ma14="http://schemas.microsoft.com/office/mac/drawingml/2011/main" val="1"/>
             </a:ext>
           </a:extLst>
         </p:spPr>
@@ -21996,7 +21996,7 @@
           </a:ln>
           <a:extLst>
             <a:ext uri="{C572A759-6A51-4108-AA02-DFA0A04FC94B}">
-              <ma14:wrappingTextBoxFlag xmlns:ma14="http://schemas.microsoft.com/office/mac/drawingml/2011/main" xmlns="" val="1"/>
+              <ma14:wrappingTextBoxFlag xmlns="" xmlns:ma14="http://schemas.microsoft.com/office/mac/drawingml/2011/main" val="1"/>
             </a:ext>
           </a:extLst>
         </p:spPr>
@@ -22704,7 +22704,7 @@
           </a:ln>
           <a:extLst>
             <a:ext uri="{C572A759-6A51-4108-AA02-DFA0A04FC94B}">
-              <ma14:wrappingTextBoxFlag xmlns:ma14="http://schemas.microsoft.com/office/mac/drawingml/2011/main" xmlns="" val="1"/>
+              <ma14:wrappingTextBoxFlag xmlns="" xmlns:ma14="http://schemas.microsoft.com/office/mac/drawingml/2011/main" val="1"/>
             </a:ext>
           </a:extLst>
         </p:spPr>
@@ -23044,7 +23044,7 @@
           </a:ln>
           <a:extLst>
             <a:ext uri="{C572A759-6A51-4108-AA02-DFA0A04FC94B}">
-              <ma14:wrappingTextBoxFlag xmlns:ma14="http://schemas.microsoft.com/office/mac/drawingml/2011/main" xmlns="" val="1"/>
+              <ma14:wrappingTextBoxFlag xmlns="" xmlns:ma14="http://schemas.microsoft.com/office/mac/drawingml/2011/main" val="1"/>
             </a:ext>
           </a:extLst>
         </p:spPr>
@@ -23464,7 +23464,7 @@
           </a:ln>
           <a:extLst>
             <a:ext uri="{C572A759-6A51-4108-AA02-DFA0A04FC94B}">
-              <ma14:wrappingTextBoxFlag xmlns:ma14="http://schemas.microsoft.com/office/mac/drawingml/2011/main" xmlns="" val="1"/>
+              <ma14:wrappingTextBoxFlag xmlns="" xmlns:ma14="http://schemas.microsoft.com/office/mac/drawingml/2011/main" val="1"/>
             </a:ext>
           </a:extLst>
         </p:spPr>
@@ -25968,8 +25968,8 @@
         </p:nvSpPr>
         <p:spPr>
           <a:xfrm>
-            <a:off x="838200" y="1867742"/>
-            <a:ext cx="4347258" cy="3671792"/>
+            <a:off x="2096660" y="1402144"/>
+            <a:ext cx="7576150" cy="4070350"/>
           </a:xfrm>
           <a:prstGeom prst="rect">
             <a:avLst/>
@@ -25982,7 +25982,7 @@
         </p:spPr>
         <p:txBody>
           <a:bodyPr>
-            <a:normAutofit/>
+            <a:normAutofit fontScale="92500" lnSpcReduction="10000"/>
           </a:bodyPr>
           <a:lstStyle>
             <a:lvl1pPr marL="228600" indent="-228600" algn="l" defTabSz="914400" rtl="0" eaLnBrk="1" latinLnBrk="0" hangingPunct="1">
@@ -26153,10 +26153,82 @@
               <a:buFont typeface="Arial" panose="020B0604020202020204" pitchFamily="34" charset="0"/>
               <a:buNone/>
             </a:pPr>
+            <a:r>
+              <a:rPr lang="en-US" sz="1600" b="1" dirty="0">
+                <a:solidFill>
+                  <a:srgbClr val="0070C0"/>
+                </a:solidFill>
+                <a:latin typeface="Consolas" panose="020B0609020204030204" pitchFamily="49" charset="0"/>
+              </a:rPr>
+              <a:t>class</a:t>
+            </a:r>
+            <a:r>
+              <a:rPr lang="en-US" sz="1600" dirty="0">
+                <a:latin typeface="Consolas" panose="020B0609020204030204" pitchFamily="49" charset="0"/>
+              </a:rPr>
+              <a:t> ParentClass1:</a:t>
+            </a:r>
+          </a:p>
+          <a:p>
+            <a:pPr marL="0" indent="0">
+              <a:buFont typeface="Arial" panose="020B0604020202020204" pitchFamily="34" charset="0"/>
+              <a:buNone/>
+            </a:pPr>
+            <a:r>
+              <a:rPr lang="en-US" sz="1600" dirty="0">
+                <a:latin typeface="Consolas" panose="020B0609020204030204" pitchFamily="49" charset="0"/>
+              </a:rPr>
+              <a:t>    </a:t>
+            </a:r>
+            <a:r>
+              <a:rPr lang="en-US" sz="1600" b="1" dirty="0">
+                <a:solidFill>
+                  <a:srgbClr val="0070C0"/>
+                </a:solidFill>
+                <a:latin typeface="Consolas" panose="020B0609020204030204" pitchFamily="49" charset="0"/>
+              </a:rPr>
+              <a:t>def</a:t>
+            </a:r>
+            <a:r>
+              <a:rPr lang="en-US" sz="1600" dirty="0">
+                <a:latin typeface="Consolas" panose="020B0609020204030204" pitchFamily="49" charset="0"/>
+              </a:rPr>
+              <a:t> method1(self):</a:t>
+            </a:r>
+          </a:p>
+          <a:p>
+            <a:pPr marL="0" indent="0">
+              <a:buFont typeface="Arial" panose="020B0604020202020204" pitchFamily="34" charset="0"/>
+              <a:buNone/>
+            </a:pPr>
+            <a:r>
+              <a:rPr lang="en-US" sz="1600" dirty="0">
+                <a:latin typeface="Consolas" panose="020B0609020204030204" pitchFamily="49" charset="0"/>
+              </a:rPr>
+              <a:t>        print(</a:t>
+            </a:r>
+            <a:r>
+              <a:rPr lang="en-US" sz="1600" dirty="0">
+                <a:solidFill>
+                  <a:schemeClr val="accent2"/>
+                </a:solidFill>
+                <a:latin typeface="Consolas" panose="020B0609020204030204" pitchFamily="49" charset="0"/>
+              </a:rPr>
+              <a:t>"Method 1 from Parent Class 1"</a:t>
+            </a:r>
+            <a:r>
+              <a:rPr lang="en-US" sz="1600" dirty="0">
+                <a:latin typeface="Consolas" panose="020B0609020204030204" pitchFamily="49" charset="0"/>
+              </a:rPr>
+              <a:t>)</a:t>
+            </a:r>
+          </a:p>
+          <a:p>
+            <a:pPr marL="0" indent="0">
+              <a:buFont typeface="Arial" panose="020B0604020202020204" pitchFamily="34" charset="0"/>
+              <a:buNone/>
+            </a:pPr>
             <a:endParaRPr lang="en-US" sz="1600" dirty="0">
-              <a:solidFill>
-                <a:srgbClr val="0000CD"/>
-              </a:solidFill>
               <a:latin typeface="Consolas" panose="020B0609020204030204" pitchFamily="49" charset="0"/>
             </a:endParaRPr>
           </a:p>
@@ -26166,22 +26238,19 @@
               <a:buNone/>
             </a:pPr>
             <a:r>
+              <a:rPr lang="en-US" sz="1600" b="1" dirty="0">
+                <a:solidFill>
+                  <a:srgbClr val="0070C0"/>
+                </a:solidFill>
+                <a:latin typeface="Consolas" panose="020B0609020204030204" pitchFamily="49" charset="0"/>
+              </a:rPr>
+              <a:t>class</a:t>
+            </a:r>
+            <a:r>
               <a:rPr lang="en-US" sz="1600" dirty="0">
-                <a:solidFill>
-                  <a:srgbClr val="0000CD"/>
-                </a:solidFill>
-                <a:latin typeface="Consolas" panose="020B0609020204030204" pitchFamily="49" charset="0"/>
-              </a:rPr>
-              <a:t>class</a:t>
-            </a:r>
-            <a:r>
-              <a:rPr lang="en-US" sz="1600" dirty="0">
-                <a:solidFill>
-                  <a:srgbClr val="000000"/>
-                </a:solidFill>
-                <a:latin typeface="Consolas" panose="020B0609020204030204" pitchFamily="49" charset="0"/>
-              </a:rPr>
-              <a:t> Car:</a:t>
+                <a:latin typeface="Consolas" panose="020B0609020204030204" pitchFamily="49" charset="0"/>
+              </a:rPr>
+              <a:t> ParentClass2:</a:t>
             </a:r>
           </a:p>
           <a:p>
@@ -26191,66 +26260,24 @@
             </a:pPr>
             <a:r>
               <a:rPr lang="en-US" sz="1600" dirty="0">
-                <a:solidFill>
-                  <a:srgbClr val="000000"/>
-                </a:solidFill>
                 <a:latin typeface="Consolas" panose="020B0609020204030204" pitchFamily="49" charset="0"/>
               </a:rPr>
               <a:t>    </a:t>
             </a:r>
             <a:r>
+              <a:rPr lang="en-US" sz="1600" b="1" dirty="0">
+                <a:solidFill>
+                  <a:srgbClr val="0070C0"/>
+                </a:solidFill>
+                <a:latin typeface="Consolas" panose="020B0609020204030204" pitchFamily="49" charset="0"/>
+              </a:rPr>
+              <a:t>def</a:t>
+            </a:r>
+            <a:r>
               <a:rPr lang="en-US" sz="1600" dirty="0">
-                <a:solidFill>
-                  <a:srgbClr val="0000CD"/>
-                </a:solidFill>
-                <a:latin typeface="Consolas" panose="020B0609020204030204" pitchFamily="49" charset="0"/>
-              </a:rPr>
-              <a:t>def</a:t>
-            </a:r>
-            <a:r>
-              <a:rPr lang="en-US" sz="1600" dirty="0">
-                <a:solidFill>
-                  <a:srgbClr val="000000"/>
-                </a:solidFill>
-                <a:latin typeface="Consolas" panose="020B0609020204030204" pitchFamily="49" charset="0"/>
-              </a:rPr>
-              <a:t> go</a:t>
-            </a:r>
-            <a:r>
-              <a:rPr lang="en-US" sz="1600" dirty="0">
-                <a:solidFill>
-                  <a:schemeClr val="accent1"/>
-                </a:solidFill>
-                <a:latin typeface="Consolas" panose="020B0609020204030204" pitchFamily="49" charset="0"/>
-              </a:rPr>
-              <a:t>(</a:t>
-            </a:r>
-            <a:r>
-              <a:rPr lang="en-US" sz="1600" dirty="0">
-                <a:solidFill>
-                  <a:srgbClr val="000000"/>
-                </a:solidFill>
-                <a:latin typeface="Consolas" panose="020B0609020204030204" pitchFamily="49" charset="0"/>
-              </a:rPr>
-              <a:t>self</a:t>
-            </a:r>
-            <a:r>
-              <a:rPr lang="en-US" sz="1600" dirty="0">
-                <a:solidFill>
-                  <a:schemeClr val="accent1"/>
-                </a:solidFill>
-                <a:latin typeface="Consolas" panose="020B0609020204030204" pitchFamily="49" charset="0"/>
-              </a:rPr>
-              <a:t>)</a:t>
-            </a:r>
-            <a:r>
-              <a:rPr lang="en-US" sz="1600" dirty="0">
-                <a:solidFill>
-                  <a:srgbClr val="000000"/>
-                </a:solidFill>
-                <a:latin typeface="Consolas" panose="020B0609020204030204" pitchFamily="49" charset="0"/>
-              </a:rPr>
-              <a:t>:</a:t>
+                <a:latin typeface="Consolas" panose="020B0609020204030204" pitchFamily="49" charset="0"/>
+              </a:rPr>
+              <a:t> method1(self):</a:t>
             </a:r>
           </a:p>
           <a:p>
@@ -26260,54 +26287,21 @@
             </a:pPr>
             <a:r>
               <a:rPr lang="en-US" sz="1600" dirty="0">
-                <a:solidFill>
-                  <a:srgbClr val="000000"/>
-                </a:solidFill>
-                <a:latin typeface="Consolas" panose="020B0609020204030204" pitchFamily="49" charset="0"/>
-              </a:rPr>
-              <a:t>        print</a:t>
+                <a:latin typeface="Consolas" panose="020B0609020204030204" pitchFamily="49" charset="0"/>
+              </a:rPr>
+              <a:t>        print(</a:t>
             </a:r>
             <a:r>
               <a:rPr lang="en-US" sz="1600" dirty="0">
                 <a:solidFill>
-                  <a:schemeClr val="accent1"/>
-                </a:solidFill>
-                <a:latin typeface="Consolas" panose="020B0609020204030204" pitchFamily="49" charset="0"/>
-              </a:rPr>
-              <a:t>(</a:t>
+                  <a:schemeClr val="accent2"/>
+                </a:solidFill>
+                <a:latin typeface="Consolas" panose="020B0609020204030204" pitchFamily="49" charset="0"/>
+              </a:rPr>
+              <a:t>"Method 1 from Parent Class 2"</a:t>
             </a:r>
             <a:r>
               <a:rPr lang="en-US" sz="1600" dirty="0">
-                <a:solidFill>
-                  <a:srgbClr val="000000"/>
-                </a:solidFill>
-                <a:latin typeface="Consolas" panose="020B0609020204030204" pitchFamily="49" charset="0"/>
-              </a:rPr>
-              <a:t>'</a:t>
-            </a:r>
-            <a:r>
-              <a:rPr lang="en-US" sz="1600" dirty="0">
-                <a:solidFill>
-                  <a:schemeClr val="accent2"/>
-                </a:solidFill>
-                <a:latin typeface="Consolas" panose="020B0609020204030204" pitchFamily="49" charset="0"/>
-              </a:rPr>
-              <a:t>Going</a:t>
-            </a:r>
-            <a:r>
-              <a:rPr lang="en-US" sz="1600" dirty="0">
-                <a:solidFill>
-                  <a:srgbClr val="000000"/>
-                </a:solidFill>
-                <a:latin typeface="Consolas" panose="020B0609020204030204" pitchFamily="49" charset="0"/>
-              </a:rPr>
-              <a:t>’</a:t>
-            </a:r>
-            <a:r>
-              <a:rPr lang="en-US" sz="1600" dirty="0">
-                <a:solidFill>
-                  <a:schemeClr val="accent1"/>
-                </a:solidFill>
                 <a:latin typeface="Consolas" panose="020B0609020204030204" pitchFamily="49" charset="0"/>
               </a:rPr>
               <a:t>)</a:t>
@@ -26318,10 +26312,7 @@
               <a:buFont typeface="Arial" panose="020B0604020202020204" pitchFamily="34" charset="0"/>
               <a:buNone/>
             </a:pPr>
-            <a:endParaRPr lang="en-US" sz="1600" i="1" dirty="0">
-              <a:solidFill>
-                <a:srgbClr val="000000"/>
-              </a:solidFill>
+            <a:endParaRPr lang="en-US" sz="1600" dirty="0">
               <a:latin typeface="Consolas" panose="020B0609020204030204" pitchFamily="49" charset="0"/>
             </a:endParaRPr>
           </a:p>
@@ -26331,19 +26322,31 @@
               <a:buNone/>
             </a:pPr>
             <a:r>
+              <a:rPr lang="en-US" sz="1600" b="1" dirty="0">
+                <a:solidFill>
+                  <a:srgbClr val="0070C0"/>
+                </a:solidFill>
+                <a:latin typeface="Consolas" panose="020B0609020204030204" pitchFamily="49" charset="0"/>
+              </a:rPr>
+              <a:t>class</a:t>
+            </a:r>
+            <a:r>
               <a:rPr lang="en-US" sz="1600" dirty="0">
-                <a:solidFill>
-                  <a:srgbClr val="0000CD"/>
-                </a:solidFill>
-                <a:latin typeface="Consolas" panose="020B0609020204030204" pitchFamily="49" charset="0"/>
-              </a:rPr>
-              <a:t>class</a:t>
+                <a:latin typeface="Consolas" panose="020B0609020204030204" pitchFamily="49" charset="0"/>
+              </a:rPr>
+              <a:t> </a:t>
+            </a:r>
+            <a:r>
+              <a:rPr lang="en-US" sz="1600" dirty="0" err="1">
+                <a:latin typeface="Consolas" panose="020B0609020204030204" pitchFamily="49" charset="0"/>
+              </a:rPr>
+              <a:t>ChildClass</a:t>
             </a:r>
             <a:r>
               <a:rPr lang="en-US" sz="1600" dirty="0">
                 <a:latin typeface="Consolas" panose="020B0609020204030204" pitchFamily="49" charset="0"/>
               </a:rPr>
-              <a:t> Flyable:</a:t>
+              <a:t>(ParentClass1, ParentClass2):</a:t>
             </a:r>
           </a:p>
           <a:p>
@@ -26358,49 +26361,13 @@
               <a:t>    </a:t>
             </a:r>
             <a:r>
-              <a:rPr lang="en-US" sz="1600" dirty="0">
-                <a:solidFill>
-                  <a:srgbClr val="0000CD"/>
-                </a:solidFill>
-                <a:latin typeface="Consolas" panose="020B0609020204030204" pitchFamily="49" charset="0"/>
-              </a:rPr>
-              <a:t>def</a:t>
-            </a:r>
-            <a:r>
-              <a:rPr lang="en-US" sz="1600" dirty="0">
-                <a:latin typeface="Consolas" panose="020B0609020204030204" pitchFamily="49" charset="0"/>
-              </a:rPr>
-              <a:t> fly</a:t>
-            </a:r>
-            <a:r>
-              <a:rPr lang="en-US" sz="1600" dirty="0">
-                <a:solidFill>
-                  <a:schemeClr val="accent1"/>
-                </a:solidFill>
-                <a:latin typeface="Consolas" panose="020B0609020204030204" pitchFamily="49" charset="0"/>
-              </a:rPr>
-              <a:t>(</a:t>
-            </a:r>
-            <a:r>
-              <a:rPr lang="en-US" sz="1600" dirty="0">
-                <a:latin typeface="Consolas" panose="020B0609020204030204" pitchFamily="49" charset="0"/>
-              </a:rPr>
-              <a:t>self</a:t>
-            </a:r>
-            <a:r>
-              <a:rPr lang="en-US" sz="1600" dirty="0">
-                <a:solidFill>
-                  <a:schemeClr val="accent1"/>
-                </a:solidFill>
-                <a:latin typeface="Consolas" panose="020B0609020204030204" pitchFamily="49" charset="0"/>
-              </a:rPr>
-              <a:t>)</a:t>
-            </a:r>
-            <a:r>
-              <a:rPr lang="en-US" sz="1600" dirty="0">
-                <a:latin typeface="Consolas" panose="020B0609020204030204" pitchFamily="49" charset="0"/>
-              </a:rPr>
-              <a:t>:</a:t>
+              <a:rPr lang="en-US" sz="1600" b="1" dirty="0">
+                <a:solidFill>
+                  <a:srgbClr val="0070C0"/>
+                </a:solidFill>
+                <a:latin typeface="Consolas" panose="020B0609020204030204" pitchFamily="49" charset="0"/>
+              </a:rPr>
+              <a:t>pass</a:t>
             </a:r>
           </a:p>
           <a:p>
@@ -26408,601 +26375,54 @@
               <a:buFont typeface="Arial" panose="020B0604020202020204" pitchFamily="34" charset="0"/>
               <a:buNone/>
             </a:pPr>
-            <a:r>
-              <a:rPr lang="en-US" sz="1600" dirty="0">
-                <a:latin typeface="Consolas" panose="020B0609020204030204" pitchFamily="49" charset="0"/>
-              </a:rPr>
-              <a:t>        print</a:t>
-            </a:r>
-            <a:r>
-              <a:rPr lang="en-US" sz="1600" dirty="0">
-                <a:solidFill>
-                  <a:schemeClr val="accent1"/>
-                </a:solidFill>
-                <a:latin typeface="Consolas" panose="020B0609020204030204" pitchFamily="49" charset="0"/>
-              </a:rPr>
-              <a:t>(</a:t>
-            </a:r>
-            <a:r>
-              <a:rPr lang="en-US" sz="1600" dirty="0">
-                <a:latin typeface="Consolas" panose="020B0609020204030204" pitchFamily="49" charset="0"/>
-              </a:rPr>
-              <a:t>'</a:t>
-            </a:r>
-            <a:r>
-              <a:rPr lang="en-US" sz="1600" dirty="0">
-                <a:solidFill>
-                  <a:schemeClr val="accent2"/>
-                </a:solidFill>
-                <a:latin typeface="Consolas" panose="020B0609020204030204" pitchFamily="49" charset="0"/>
-              </a:rPr>
-              <a:t>Flying</a:t>
-            </a:r>
-            <a:r>
-              <a:rPr lang="en-US" sz="1600" dirty="0">
-                <a:latin typeface="Consolas" panose="020B0609020204030204" pitchFamily="49" charset="0"/>
-              </a:rPr>
-              <a:t>'</a:t>
-            </a:r>
-            <a:r>
-              <a:rPr lang="en-US" sz="1600" dirty="0">
-                <a:solidFill>
-                  <a:schemeClr val="accent1"/>
-                </a:solidFill>
-                <a:latin typeface="Consolas" panose="020B0609020204030204" pitchFamily="49" charset="0"/>
-              </a:rPr>
-              <a:t>)</a:t>
-            </a:r>
-          </a:p>
-        </p:txBody>
-      </p:sp>
-      <p:sp>
-        <p:nvSpPr>
-          <p:cNvPr id="7" name="Text Placeholder 2">
-            <a:extLst>
-              <a:ext uri="{FF2B5EF4-FFF2-40B4-BE49-F238E27FC236}">
-                <a16:creationId xmlns:a16="http://schemas.microsoft.com/office/drawing/2014/main" id="{462495D6-490E-4384-A950-1C6B7D7AA28D}"/>
-              </a:ext>
-            </a:extLst>
-          </p:cNvPr>
-          <p:cNvSpPr txBox="1">
-            <a:spLocks/>
-          </p:cNvSpPr>
-          <p:nvPr/>
-        </p:nvSpPr>
-        <p:spPr>
-          <a:xfrm>
-            <a:off x="5497975" y="1863524"/>
-            <a:ext cx="4013471" cy="3709395"/>
-          </a:xfrm>
-          <a:prstGeom prst="rect">
-            <a:avLst/>
-          </a:prstGeom>
-          <a:ln w="12700">
-            <a:solidFill>
-              <a:schemeClr val="tx1"/>
-            </a:solidFill>
-            <a:miter lim="400000"/>
-          </a:ln>
-          <a:extLst>
-            <a:ext uri="{C572A759-6A51-4108-AA02-DFA0A04FC94B}">
-              <ma14:wrappingTextBoxFlag xmlns="" xmlns:ma14="http://schemas.microsoft.com/office/mac/drawingml/2011/main" val="1"/>
-            </a:ext>
-          </a:extLst>
-        </p:spPr>
-        <p:txBody>
-          <a:bodyPr lIns="45719" rIns="45719">
-            <a:normAutofit/>
-          </a:bodyPr>
-          <a:lstStyle>
-            <a:lvl1pPr marL="352425" marR="0" indent="-352425" algn="l" defTabSz="914400" rtl="0" latinLnBrk="0">
-              <a:lnSpc>
-                <a:spcPct val="90000"/>
-              </a:lnSpc>
-              <a:spcBef>
-                <a:spcPts val="1000"/>
-              </a:spcBef>
-              <a:spcAft>
-                <a:spcPts val="0"/>
-              </a:spcAft>
-              <a:buClr>
-                <a:srgbClr val="E00049"/>
-              </a:buClr>
-              <a:buSzPct val="100000"/>
-              <a:buFont typeface="Arial"/>
-              <a:buChar char="•"/>
-              <a:tabLst/>
-              <a:defRPr sz="2800" b="0" i="0" u="none" strike="noStrike" cap="none" spc="0" baseline="0">
-                <a:ln>
-                  <a:noFill/>
-                </a:ln>
-                <a:solidFill>
-                  <a:srgbClr val="002757"/>
-                </a:solidFill>
-                <a:uFillTx/>
-                <a:latin typeface="Tahoma"/>
-                <a:ea typeface="Tahoma"/>
-                <a:cs typeface="Tahoma"/>
-                <a:sym typeface="Tahoma"/>
-              </a:defRPr>
-            </a:lvl1pPr>
-            <a:lvl2pPr marL="857250" marR="0" indent="-400050" algn="l" defTabSz="914400" rtl="0" latinLnBrk="0">
-              <a:lnSpc>
-                <a:spcPct val="90000"/>
-              </a:lnSpc>
-              <a:spcBef>
-                <a:spcPts val="1000"/>
-              </a:spcBef>
-              <a:spcAft>
-                <a:spcPts val="0"/>
-              </a:spcAft>
-              <a:buClr>
-                <a:srgbClr val="E00049"/>
-              </a:buClr>
-              <a:buSzPct val="100000"/>
-              <a:buFont typeface="Arial"/>
-              <a:buChar char="▪"/>
-              <a:tabLst/>
-              <a:defRPr sz="2800" b="0" i="0" u="none" strike="noStrike" cap="none" spc="0" baseline="0">
-                <a:ln>
-                  <a:noFill/>
-                </a:ln>
-                <a:solidFill>
-                  <a:srgbClr val="002757"/>
-                </a:solidFill>
-                <a:uFillTx/>
-                <a:latin typeface="Tahoma"/>
-                <a:ea typeface="Tahoma"/>
-                <a:cs typeface="Tahoma"/>
-                <a:sym typeface="Tahoma"/>
-              </a:defRPr>
-            </a:lvl2pPr>
-            <a:lvl3pPr marL="1234439" marR="0" indent="-320039" algn="l" defTabSz="914400" rtl="0" latinLnBrk="0">
-              <a:lnSpc>
-                <a:spcPct val="90000"/>
-              </a:lnSpc>
-              <a:spcBef>
-                <a:spcPts val="1000"/>
-              </a:spcBef>
-              <a:spcAft>
-                <a:spcPts val="0"/>
-              </a:spcAft>
-              <a:buClr>
-                <a:srgbClr val="E00049"/>
-              </a:buClr>
-              <a:buSzPct val="100000"/>
-              <a:buFont typeface="Arial"/>
-              <a:buChar char="•"/>
-              <a:tabLst/>
-              <a:defRPr sz="2800" b="0" i="0" u="none" strike="noStrike" cap="none" spc="0" baseline="0">
-                <a:ln>
-                  <a:noFill/>
-                </a:ln>
-                <a:solidFill>
-                  <a:srgbClr val="002757"/>
-                </a:solidFill>
-                <a:uFillTx/>
-                <a:latin typeface="Tahoma"/>
-                <a:ea typeface="Tahoma"/>
-                <a:cs typeface="Tahoma"/>
-                <a:sym typeface="Tahoma"/>
-              </a:defRPr>
-            </a:lvl3pPr>
-            <a:lvl4pPr marL="1727200" marR="0" indent="-355600" algn="l" defTabSz="914400" rtl="0" latinLnBrk="0">
-              <a:lnSpc>
-                <a:spcPct val="90000"/>
-              </a:lnSpc>
-              <a:spcBef>
-                <a:spcPts val="1000"/>
-              </a:spcBef>
-              <a:spcAft>
-                <a:spcPts val="0"/>
-              </a:spcAft>
-              <a:buClr>
-                <a:srgbClr val="E00049"/>
-              </a:buClr>
-              <a:buSzPct val="100000"/>
-              <a:buFont typeface="Arial"/>
-              <a:buChar char="•"/>
-              <a:tabLst/>
-              <a:defRPr sz="2800" b="0" i="0" u="none" strike="noStrike" cap="none" spc="0" baseline="0">
-                <a:ln>
-                  <a:noFill/>
-                </a:ln>
-                <a:solidFill>
-                  <a:srgbClr val="002757"/>
-                </a:solidFill>
-                <a:uFillTx/>
-                <a:latin typeface="Tahoma"/>
-                <a:ea typeface="Tahoma"/>
-                <a:cs typeface="Tahoma"/>
-                <a:sym typeface="Tahoma"/>
-              </a:defRPr>
-            </a:lvl4pPr>
-            <a:lvl5pPr marL="2184400" marR="0" indent="-355600" algn="l" defTabSz="914400" rtl="0" latinLnBrk="0">
-              <a:lnSpc>
-                <a:spcPct val="90000"/>
-              </a:lnSpc>
-              <a:spcBef>
-                <a:spcPts val="1000"/>
-              </a:spcBef>
-              <a:spcAft>
-                <a:spcPts val="0"/>
-              </a:spcAft>
-              <a:buClr>
-                <a:srgbClr val="E00049"/>
-              </a:buClr>
-              <a:buSzPct val="100000"/>
-              <a:buFont typeface="Arial"/>
-              <a:buChar char="•"/>
-              <a:tabLst/>
-              <a:defRPr sz="2800" b="0" i="0" u="none" strike="noStrike" cap="none" spc="0" baseline="0">
-                <a:ln>
-                  <a:noFill/>
-                </a:ln>
-                <a:solidFill>
-                  <a:srgbClr val="002757"/>
-                </a:solidFill>
-                <a:uFillTx/>
-                <a:latin typeface="Tahoma"/>
-                <a:ea typeface="Tahoma"/>
-                <a:cs typeface="Tahoma"/>
-                <a:sym typeface="Tahoma"/>
-              </a:defRPr>
-            </a:lvl5pPr>
-            <a:lvl6pPr marL="2641600" marR="0" indent="-355600" algn="l" defTabSz="914400" rtl="0" latinLnBrk="0">
-              <a:lnSpc>
-                <a:spcPct val="90000"/>
-              </a:lnSpc>
-              <a:spcBef>
-                <a:spcPts val="1000"/>
-              </a:spcBef>
-              <a:spcAft>
-                <a:spcPts val="0"/>
-              </a:spcAft>
-              <a:buClrTx/>
-              <a:buSzPct val="100000"/>
-              <a:buFont typeface="Arial"/>
-              <a:buChar char="•"/>
-              <a:tabLst/>
-              <a:defRPr sz="2800" b="0" i="0" u="none" strike="noStrike" cap="none" spc="0" baseline="0">
-                <a:ln>
-                  <a:noFill/>
-                </a:ln>
-                <a:solidFill>
-                  <a:srgbClr val="000000"/>
-                </a:solidFill>
-                <a:uFillTx/>
-                <a:latin typeface="Tahoma"/>
-                <a:ea typeface="Tahoma"/>
-                <a:cs typeface="Tahoma"/>
-                <a:sym typeface="Tahoma"/>
-              </a:defRPr>
-            </a:lvl6pPr>
-            <a:lvl7pPr marL="3098800" marR="0" indent="-355600" algn="l" defTabSz="914400" rtl="0" latinLnBrk="0">
-              <a:lnSpc>
-                <a:spcPct val="90000"/>
-              </a:lnSpc>
-              <a:spcBef>
-                <a:spcPts val="1000"/>
-              </a:spcBef>
-              <a:spcAft>
-                <a:spcPts val="0"/>
-              </a:spcAft>
-              <a:buClrTx/>
-              <a:buSzPct val="100000"/>
-              <a:buFont typeface="Arial"/>
-              <a:buChar char="•"/>
-              <a:tabLst/>
-              <a:defRPr sz="2800" b="0" i="0" u="none" strike="noStrike" cap="none" spc="0" baseline="0">
-                <a:ln>
-                  <a:noFill/>
-                </a:ln>
-                <a:solidFill>
-                  <a:srgbClr val="000000"/>
-                </a:solidFill>
-                <a:uFillTx/>
-                <a:latin typeface="Tahoma"/>
-                <a:ea typeface="Tahoma"/>
-                <a:cs typeface="Tahoma"/>
-                <a:sym typeface="Tahoma"/>
-              </a:defRPr>
-            </a:lvl7pPr>
-            <a:lvl8pPr marL="3556000" marR="0" indent="-355600" algn="l" defTabSz="914400" rtl="0" latinLnBrk="0">
-              <a:lnSpc>
-                <a:spcPct val="90000"/>
-              </a:lnSpc>
-              <a:spcBef>
-                <a:spcPts val="1000"/>
-              </a:spcBef>
-              <a:spcAft>
-                <a:spcPts val="0"/>
-              </a:spcAft>
-              <a:buClrTx/>
-              <a:buSzPct val="100000"/>
-              <a:buFont typeface="Arial"/>
-              <a:buChar char="•"/>
-              <a:tabLst/>
-              <a:defRPr sz="2800" b="0" i="0" u="none" strike="noStrike" cap="none" spc="0" baseline="0">
-                <a:ln>
-                  <a:noFill/>
-                </a:ln>
-                <a:solidFill>
-                  <a:srgbClr val="000000"/>
-                </a:solidFill>
-                <a:uFillTx/>
-                <a:latin typeface="Tahoma"/>
-                <a:ea typeface="Tahoma"/>
-                <a:cs typeface="Tahoma"/>
-                <a:sym typeface="Tahoma"/>
-              </a:defRPr>
-            </a:lvl8pPr>
-            <a:lvl9pPr marL="4013200" marR="0" indent="-355600" algn="l" defTabSz="914400" rtl="0" latinLnBrk="0">
-              <a:lnSpc>
-                <a:spcPct val="90000"/>
-              </a:lnSpc>
-              <a:spcBef>
-                <a:spcPts val="1000"/>
-              </a:spcBef>
-              <a:spcAft>
-                <a:spcPts val="0"/>
-              </a:spcAft>
-              <a:buClrTx/>
-              <a:buSzPct val="100000"/>
-              <a:buFont typeface="Arial"/>
-              <a:buChar char="•"/>
-              <a:tabLst/>
-              <a:defRPr sz="2800" b="0" i="0" u="none" strike="noStrike" cap="none" spc="0" baseline="0">
-                <a:ln>
-                  <a:noFill/>
-                </a:ln>
-                <a:solidFill>
-                  <a:srgbClr val="000000"/>
-                </a:solidFill>
-                <a:uFillTx/>
-                <a:latin typeface="Tahoma"/>
-                <a:ea typeface="Tahoma"/>
-                <a:cs typeface="Tahoma"/>
-                <a:sym typeface="Tahoma"/>
-              </a:defRPr>
-            </a:lvl9pPr>
-          </a:lstStyle>
-          <a:p>
-            <a:pPr marL="0" indent="0" hangingPunct="1">
-              <a:buFont typeface="Arial"/>
+            <a:endParaRPr lang="en-US" sz="1600" dirty="0">
+              <a:latin typeface="Consolas" panose="020B0609020204030204" pitchFamily="49" charset="0"/>
+            </a:endParaRPr>
+          </a:p>
+          <a:p>
+            <a:pPr marL="0" indent="0">
+              <a:buFont typeface="Arial" panose="020B0604020202020204" pitchFamily="34" charset="0"/>
               <a:buNone/>
             </a:pPr>
-            <a:endParaRPr lang="en-US" sz="1600" b="0" i="0" dirty="0">
-              <a:solidFill>
-                <a:srgbClr val="0000CD"/>
-              </a:solidFill>
-              <a:effectLst/>
-              <a:latin typeface="Consolas" panose="020B0609020204030204" pitchFamily="49" charset="0"/>
-            </a:endParaRPr>
-          </a:p>
-          <a:p>
-            <a:pPr marL="0" indent="0" hangingPunct="1">
-              <a:buFont typeface="Arial"/>
+            <a:r>
+              <a:rPr lang="en-US" sz="1600" dirty="0">
+                <a:latin typeface="Consolas" panose="020B0609020204030204" pitchFamily="49" charset="0"/>
+              </a:rPr>
+              <a:t>child = </a:t>
+            </a:r>
+            <a:r>
+              <a:rPr lang="en-US" sz="1600" dirty="0" err="1">
+                <a:latin typeface="Consolas" panose="020B0609020204030204" pitchFamily="49" charset="0"/>
+              </a:rPr>
+              <a:t>ChildClass</a:t>
+            </a:r>
+            <a:r>
+              <a:rPr lang="en-US" sz="1600" dirty="0">
+                <a:latin typeface="Consolas" panose="020B0609020204030204" pitchFamily="49" charset="0"/>
+              </a:rPr>
+              <a:t>()</a:t>
+            </a:r>
+          </a:p>
+          <a:p>
+            <a:pPr marL="0" indent="0">
+              <a:buFont typeface="Arial" panose="020B0604020202020204" pitchFamily="34" charset="0"/>
               <a:buNone/>
             </a:pPr>
             <a:r>
               <a:rPr lang="en-US" sz="1600" dirty="0">
-                <a:solidFill>
-                  <a:srgbClr val="0000CD"/>
-                </a:solidFill>
-                <a:latin typeface="Consolas" panose="020B0609020204030204" pitchFamily="49" charset="0"/>
-                <a:ea typeface="+mn-ea"/>
-                <a:cs typeface="+mn-cs"/>
-              </a:rPr>
-              <a:t>class</a:t>
-            </a:r>
-            <a:r>
-              <a:rPr lang="en-US" sz="1600" b="0" i="0" dirty="0">
-                <a:solidFill>
-                  <a:schemeClr val="tx1"/>
-                </a:solidFill>
-                <a:effectLst/>
-                <a:latin typeface="Consolas" panose="020B0609020204030204" pitchFamily="49" charset="0"/>
-              </a:rPr>
-              <a:t> </a:t>
-            </a:r>
-            <a:r>
-              <a:rPr lang="en-US" sz="1600" b="0" i="0" dirty="0" err="1">
-                <a:solidFill>
-                  <a:schemeClr val="tx1"/>
-                </a:solidFill>
-                <a:effectLst/>
-                <a:latin typeface="Consolas" panose="020B0609020204030204" pitchFamily="49" charset="0"/>
-              </a:rPr>
-              <a:t>FlyingCar</a:t>
-            </a:r>
-            <a:r>
-              <a:rPr lang="en-US" sz="1600" b="0" i="0" dirty="0">
-                <a:solidFill>
-                  <a:schemeClr val="accent1"/>
-                </a:solidFill>
-                <a:effectLst/>
-                <a:latin typeface="Consolas" panose="020B0609020204030204" pitchFamily="49" charset="0"/>
-              </a:rPr>
-              <a:t>(</a:t>
-            </a:r>
-            <a:r>
-              <a:rPr lang="en-US" sz="1600" b="0" i="0" dirty="0">
-                <a:solidFill>
-                  <a:schemeClr val="tx1"/>
-                </a:solidFill>
-                <a:effectLst/>
-                <a:latin typeface="Consolas" panose="020B0609020204030204" pitchFamily="49" charset="0"/>
-              </a:rPr>
-              <a:t>Flyable, Car</a:t>
-            </a:r>
-            <a:r>
-              <a:rPr lang="en-US" sz="1600" b="0" i="0" dirty="0">
-                <a:solidFill>
-                  <a:schemeClr val="accent1"/>
-                </a:solidFill>
-                <a:effectLst/>
-                <a:latin typeface="Consolas" panose="020B0609020204030204" pitchFamily="49" charset="0"/>
-              </a:rPr>
-              <a:t>)</a:t>
-            </a:r>
-            <a:r>
-              <a:rPr lang="en-US" sz="1600" b="0" i="0" dirty="0">
-                <a:solidFill>
-                  <a:schemeClr val="tx1"/>
-                </a:solidFill>
-                <a:effectLst/>
-                <a:latin typeface="Consolas" panose="020B0609020204030204" pitchFamily="49" charset="0"/>
-              </a:rPr>
-              <a:t>:</a:t>
-            </a:r>
-          </a:p>
-          <a:p>
-            <a:pPr marL="0" indent="0" hangingPunct="1">
-              <a:buFont typeface="Arial"/>
-              <a:buNone/>
-            </a:pPr>
-            <a:r>
-              <a:rPr lang="en-US" sz="1600" b="0" i="0" dirty="0">
-                <a:solidFill>
-                  <a:schemeClr val="tx1"/>
-                </a:solidFill>
-                <a:effectLst/>
-                <a:latin typeface="Consolas" panose="020B0609020204030204" pitchFamily="49" charset="0"/>
-              </a:rPr>
-              <a:t>    </a:t>
+                <a:latin typeface="Consolas" panose="020B0609020204030204" pitchFamily="49" charset="0"/>
+              </a:rPr>
+              <a:t>child.method1()  </a:t>
             </a:r>
             <a:r>
               <a:rPr lang="en-US" sz="1600" dirty="0">
                 <a:solidFill>
-                  <a:srgbClr val="0000CD"/>
-                </a:solidFill>
-                <a:latin typeface="Consolas" panose="020B0609020204030204" pitchFamily="49" charset="0"/>
-                <a:ea typeface="+mn-ea"/>
-                <a:cs typeface="+mn-cs"/>
-              </a:rPr>
-              <a:t>pass</a:t>
-            </a:r>
-          </a:p>
-          <a:p>
-            <a:pPr marL="0" indent="0" hangingPunct="1">
-              <a:buFont typeface="Arial"/>
-              <a:buNone/>
-            </a:pPr>
-            <a:endParaRPr lang="en-US" sz="1600" b="0" i="0" dirty="0">
-              <a:solidFill>
-                <a:schemeClr val="tx1"/>
-              </a:solidFill>
-              <a:effectLst/>
-              <a:latin typeface="Consolas" panose="020B0609020204030204" pitchFamily="49" charset="0"/>
-            </a:endParaRPr>
-          </a:p>
-          <a:p>
-            <a:pPr marL="0" indent="0" hangingPunct="1">
-              <a:buFont typeface="Arial"/>
-              <a:buNone/>
-            </a:pPr>
-            <a:endParaRPr lang="en-US" sz="1600" b="0" i="0" dirty="0">
-              <a:solidFill>
-                <a:schemeClr val="tx1"/>
-              </a:solidFill>
-              <a:effectLst/>
-              <a:latin typeface="Consolas" panose="020B0609020204030204" pitchFamily="49" charset="0"/>
-            </a:endParaRPr>
-          </a:p>
-          <a:p>
-            <a:pPr marL="0" indent="0" hangingPunct="1">
-              <a:buFont typeface="Arial"/>
-              <a:buNone/>
-            </a:pPr>
-            <a:r>
-              <a:rPr lang="en-US" sz="1600" b="0" i="0" dirty="0">
-                <a:solidFill>
-                  <a:schemeClr val="tx1"/>
-                </a:solidFill>
-                <a:effectLst/>
-                <a:latin typeface="Consolas" panose="020B0609020204030204" pitchFamily="49" charset="0"/>
-              </a:rPr>
-              <a:t>fc = </a:t>
-            </a:r>
-            <a:r>
-              <a:rPr lang="en-US" sz="1600" b="0" i="0" dirty="0" err="1">
-                <a:solidFill>
-                  <a:schemeClr val="tx1"/>
-                </a:solidFill>
-                <a:effectLst/>
-                <a:latin typeface="Consolas" panose="020B0609020204030204" pitchFamily="49" charset="0"/>
-              </a:rPr>
-              <a:t>FlyingCar</a:t>
-            </a:r>
-            <a:r>
-              <a:rPr lang="en-US" sz="1600" b="0" i="0" dirty="0">
-                <a:solidFill>
-                  <a:schemeClr val="accent1"/>
-                </a:solidFill>
-                <a:effectLst/>
-                <a:latin typeface="Consolas" panose="020B0609020204030204" pitchFamily="49" charset="0"/>
-              </a:rPr>
-              <a:t>()</a:t>
-            </a:r>
-          </a:p>
-          <a:p>
-            <a:pPr marL="0" indent="0" hangingPunct="1">
-              <a:buFont typeface="Arial"/>
-              <a:buNone/>
-            </a:pPr>
-            <a:r>
-              <a:rPr lang="en-US" sz="1600" b="0" i="0" dirty="0" err="1">
-                <a:solidFill>
-                  <a:schemeClr val="tx1"/>
-                </a:solidFill>
-                <a:effectLst/>
-                <a:latin typeface="Consolas" panose="020B0609020204030204" pitchFamily="49" charset="0"/>
-              </a:rPr>
-              <a:t>fc.go</a:t>
-            </a:r>
-            <a:r>
-              <a:rPr lang="en-US" sz="1600" b="0" i="0" dirty="0">
-                <a:solidFill>
-                  <a:schemeClr val="accent1"/>
-                </a:solidFill>
-                <a:effectLst/>
-                <a:latin typeface="Consolas" panose="020B0609020204030204" pitchFamily="49" charset="0"/>
-              </a:rPr>
-              <a:t>()</a:t>
-            </a:r>
-          </a:p>
-          <a:p>
-            <a:pPr marL="0" indent="0" hangingPunct="1">
-              <a:buFont typeface="Arial"/>
-              <a:buNone/>
-            </a:pPr>
-            <a:r>
-              <a:rPr lang="en-US" sz="1600" b="0" i="0" dirty="0" err="1">
-                <a:solidFill>
-                  <a:schemeClr val="tx1"/>
-                </a:solidFill>
-                <a:effectLst/>
-                <a:latin typeface="Consolas" panose="020B0609020204030204" pitchFamily="49" charset="0"/>
-              </a:rPr>
-              <a:t>fc.fly</a:t>
-            </a:r>
-            <a:r>
-              <a:rPr lang="en-US" sz="1600" b="0" i="0" dirty="0">
-                <a:solidFill>
-                  <a:schemeClr val="accent1"/>
-                </a:solidFill>
-                <a:effectLst/>
-                <a:latin typeface="Consolas" panose="020B0609020204030204" pitchFamily="49" charset="0"/>
-              </a:rPr>
-              <a:t>()</a:t>
-            </a:r>
-            <a:endParaRPr lang="en-US" sz="1600" dirty="0">
-              <a:solidFill>
-                <a:schemeClr val="accent1"/>
-              </a:solidFill>
-              <a:latin typeface="Consolas" panose="020B0609020204030204" pitchFamily="49" charset="0"/>
-            </a:endParaRPr>
+                  <a:schemeClr val="accent6"/>
+                </a:solidFill>
+                <a:latin typeface="Consolas" panose="020B0609020204030204" pitchFamily="49" charset="0"/>
+              </a:rPr>
+              <a:t># Output: Method 1 from Parent Class 1</a:t>
+            </a:r>
           </a:p>
         </p:txBody>
       </p:sp>
@@ -27022,8 +26442,8 @@
         </p:nvSpPr>
         <p:spPr>
           <a:xfrm>
-            <a:off x="5497975" y="5773616"/>
-            <a:ext cx="4013471" cy="822077"/>
+            <a:off x="2096660" y="5670798"/>
+            <a:ext cx="7576150" cy="822077"/>
           </a:xfrm>
           <a:prstGeom prst="rect">
             <a:avLst/>
@@ -27036,13 +26456,13 @@
           </a:ln>
           <a:extLst>
             <a:ext uri="{C572A759-6A51-4108-AA02-DFA0A04FC94B}">
-              <ma14:wrappingTextBoxFlag xmlns="" xmlns:ma14="http://schemas.microsoft.com/office/mac/drawingml/2011/main" val="1"/>
+              <ma14:wrappingTextBoxFlag xmlns:ma14="http://schemas.microsoft.com/office/mac/drawingml/2011/main" xmlns="" val="1"/>
             </a:ext>
           </a:extLst>
         </p:spPr>
         <p:txBody>
           <a:bodyPr lIns="45719" rIns="45719">
-            <a:normAutofit fontScale="85000" lnSpcReduction="20000"/>
+            <a:normAutofit/>
           </a:bodyPr>
           <a:lstStyle>
             <a:lvl1pPr marL="352425" marR="0" indent="-352425" algn="l" defTabSz="914400" rtl="0" latinLnBrk="0">
@@ -27338,7 +26758,7 @@
             </a:pPr>
             <a:r>
               <a:rPr lang="en-US" sz="1600" dirty="0"/>
-              <a:t>Going</a:t>
+              <a:t>Method 1 from Parent Class 1</a:t>
             </a:r>
           </a:p>
           <a:p>
@@ -27346,10 +26766,6 @@
               <a:buFont typeface="Arial"/>
               <a:buNone/>
             </a:pPr>
-            <a:r>
-              <a:rPr lang="en-US" sz="1600" dirty="0"/>
-              <a:t>Flying</a:t>
-            </a:r>
             <a:endParaRPr lang="en-US" sz="1600" i="1" dirty="0"/>
           </a:p>
         </p:txBody>
@@ -29274,7 +28690,7 @@
               <a:buNone/>
             </a:pPr>
             <a:r>
-              <a:rPr lang="en-US" sz="1600">
+              <a:rPr lang="en-US" sz="1600" dirty="0">
                 <a:solidFill>
                   <a:srgbClr val="0000CD"/>
                 </a:solidFill>
@@ -29283,7 +28699,7 @@
               <a:t>class</a:t>
             </a:r>
             <a:r>
-              <a:rPr lang="en-US" sz="1600">
+              <a:rPr lang="en-US" sz="1600" dirty="0">
                 <a:solidFill>
                   <a:srgbClr val="000000"/>
                 </a:solidFill>
@@ -29298,7 +28714,7 @@
               <a:buNone/>
             </a:pPr>
             <a:r>
-              <a:rPr lang="en-US" sz="1600">
+              <a:rPr lang="en-US" sz="1600" dirty="0">
                 <a:solidFill>
                   <a:srgbClr val="008000"/>
                 </a:solidFill>
@@ -29307,10 +28723,10 @@
               <a:t>  #Constructor</a:t>
             </a:r>
             <a:br>
-              <a:rPr lang="en-US" sz="1600"/>
+              <a:rPr lang="en-US" sz="1600" dirty="0"/>
             </a:br>
             <a:r>
-              <a:rPr lang="en-US" sz="1600">
+              <a:rPr lang="en-US" sz="1600" dirty="0">
                 <a:solidFill>
                   <a:srgbClr val="000000"/>
                 </a:solidFill>
@@ -29319,7 +28735,7 @@
               <a:t>  </a:t>
             </a:r>
             <a:r>
-              <a:rPr lang="en-US" sz="1600">
+              <a:rPr lang="en-US" sz="1600" dirty="0">
                 <a:solidFill>
                   <a:srgbClr val="0000CD"/>
                 </a:solidFill>
@@ -29328,43 +28744,106 @@
               <a:t>def</a:t>
             </a:r>
             <a:r>
-              <a:rPr lang="en-US" sz="1600">
-                <a:solidFill>
-                  <a:srgbClr val="000000"/>
-                </a:solidFill>
-                <a:latin typeface="Consolas" panose="020B0609020204030204" pitchFamily="49" charset="0"/>
-              </a:rPr>
-              <a:t> __init__(self, name, age):</a:t>
+              <a:rPr lang="en-US" sz="1600" dirty="0">
+                <a:solidFill>
+                  <a:srgbClr val="000000"/>
+                </a:solidFill>
+                <a:latin typeface="Consolas" panose="020B0609020204030204" pitchFamily="49" charset="0"/>
+              </a:rPr>
+              <a:t> __</a:t>
+            </a:r>
+            <a:r>
+              <a:rPr lang="en-US" sz="1600" dirty="0" err="1">
+                <a:solidFill>
+                  <a:srgbClr val="000000"/>
+                </a:solidFill>
+                <a:latin typeface="Consolas" panose="020B0609020204030204" pitchFamily="49" charset="0"/>
+              </a:rPr>
+              <a:t>init</a:t>
+            </a:r>
+            <a:r>
+              <a:rPr lang="en-US" sz="1600" dirty="0">
+                <a:solidFill>
+                  <a:srgbClr val="000000"/>
+                </a:solidFill>
+                <a:latin typeface="Consolas" panose="020B0609020204030204" pitchFamily="49" charset="0"/>
+              </a:rPr>
+              <a:t>__(self, name, age):</a:t>
             </a:r>
             <a:br>
-              <a:rPr lang="en-US" sz="1600"/>
+              <a:rPr lang="en-US" sz="1600" dirty="0"/>
             </a:br>
             <a:r>
-              <a:rPr lang="en-US" sz="1600">
-                <a:solidFill>
-                  <a:srgbClr val="000000"/>
-                </a:solidFill>
-                <a:latin typeface="Consolas" panose="020B0609020204030204" pitchFamily="49" charset="0"/>
-              </a:rPr>
-              <a:t>    self.name = name</a:t>
+              <a:rPr lang="en-US" sz="1600" dirty="0">
+                <a:solidFill>
+                  <a:srgbClr val="000000"/>
+                </a:solidFill>
+                <a:latin typeface="Consolas" panose="020B0609020204030204" pitchFamily="49" charset="0"/>
+              </a:rPr>
+              <a:t>    </a:t>
+            </a:r>
+            <a:r>
+              <a:rPr lang="en-US" sz="1600" dirty="0">
+                <a:solidFill>
+                  <a:srgbClr val="0070C0"/>
+                </a:solidFill>
+                <a:latin typeface="Consolas" panose="020B0609020204030204" pitchFamily="49" charset="0"/>
+              </a:rPr>
+              <a:t>self</a:t>
+            </a:r>
+            <a:r>
+              <a:rPr lang="en-US" sz="1600" dirty="0">
+                <a:solidFill>
+                  <a:srgbClr val="000000"/>
+                </a:solidFill>
+                <a:latin typeface="Consolas" panose="020B0609020204030204" pitchFamily="49" charset="0"/>
+              </a:rPr>
+              <a:t>.name = name</a:t>
             </a:r>
             <a:br>
-              <a:rPr lang="en-US" sz="1600"/>
+              <a:rPr lang="en-US" sz="1600" dirty="0"/>
             </a:br>
             <a:r>
-              <a:rPr lang="en-US" sz="1600">
-                <a:solidFill>
-                  <a:srgbClr val="000000"/>
-                </a:solidFill>
-                <a:latin typeface="Consolas" panose="020B0609020204030204" pitchFamily="49" charset="0"/>
-              </a:rPr>
-              <a:t>    self.age = age</a:t>
+              <a:rPr lang="en-US" sz="1600" dirty="0">
+                <a:solidFill>
+                  <a:srgbClr val="000000"/>
+                </a:solidFill>
+                <a:latin typeface="Consolas" panose="020B0609020204030204" pitchFamily="49" charset="0"/>
+              </a:rPr>
+              <a:t>    </a:t>
+            </a:r>
+            <a:r>
+              <a:rPr lang="en-US" sz="1600" dirty="0" err="1">
+                <a:solidFill>
+                  <a:srgbClr val="0070C0"/>
+                </a:solidFill>
+                <a:latin typeface="Consolas" panose="020B0609020204030204" pitchFamily="49" charset="0"/>
+              </a:rPr>
+              <a:t>self</a:t>
+            </a:r>
+            <a:r>
+              <a:rPr lang="en-US" sz="1600" dirty="0" err="1">
+                <a:solidFill>
+                  <a:srgbClr val="000000"/>
+                </a:solidFill>
+                <a:latin typeface="Consolas" panose="020B0609020204030204" pitchFamily="49" charset="0"/>
+              </a:rPr>
+              <a:t>.age</a:t>
+            </a:r>
+            <a:r>
+              <a:rPr lang="en-US" sz="1600" dirty="0">
+                <a:solidFill>
+                  <a:srgbClr val="000000"/>
+                </a:solidFill>
+                <a:latin typeface="Consolas" panose="020B0609020204030204" pitchFamily="49" charset="0"/>
+              </a:rPr>
+              <a:t> = age</a:t>
             </a:r>
             <a:br>
-              <a:rPr lang="en-US" sz="1600"/>
+              <a:rPr lang="en-US" sz="1600" dirty="0"/>
             </a:br>
             <a:r>
-              <a:rPr lang="en-US" sz="1600"/>
+              <a:rPr lang="en-US" sz="1600" dirty="0"/>
               <a:t>   </a:t>
             </a:r>
           </a:p>
@@ -29374,7 +28853,7 @@
               <a:buNone/>
             </a:pPr>
             <a:r>
-              <a:rPr lang="en-US" sz="1600">
+              <a:rPr lang="en-US" sz="1600" dirty="0">
                 <a:solidFill>
                   <a:srgbClr val="008000"/>
                 </a:solidFill>
@@ -29383,10 +28862,10 @@
               <a:t>  #To print the name and age</a:t>
             </a:r>
             <a:br>
-              <a:rPr lang="en-US" sz="1600"/>
+              <a:rPr lang="en-US" sz="1600" dirty="0"/>
             </a:br>
             <a:r>
-              <a:rPr lang="en-US" sz="1600">
+              <a:rPr lang="en-US" sz="1600" dirty="0">
                 <a:solidFill>
                   <a:srgbClr val="000000"/>
                 </a:solidFill>
@@ -29395,7 +28874,7 @@
               <a:t>  </a:t>
             </a:r>
             <a:r>
-              <a:rPr lang="en-US" sz="1600">
+              <a:rPr lang="en-US" sz="1600" dirty="0">
                 <a:solidFill>
                   <a:srgbClr val="0000CD"/>
                 </a:solidFill>
@@ -29404,46 +28883,100 @@
               <a:t>def</a:t>
             </a:r>
             <a:r>
-              <a:rPr lang="en-US" sz="1600">
-                <a:solidFill>
-                  <a:srgbClr val="000000"/>
-                </a:solidFill>
-                <a:latin typeface="Consolas" panose="020B0609020204030204" pitchFamily="49" charset="0"/>
-              </a:rPr>
-              <a:t> printInformation(self):</a:t>
+              <a:rPr lang="en-US" sz="1600" dirty="0">
+                <a:solidFill>
+                  <a:srgbClr val="000000"/>
+                </a:solidFill>
+                <a:latin typeface="Consolas" panose="020B0609020204030204" pitchFamily="49" charset="0"/>
+              </a:rPr>
+              <a:t> </a:t>
+            </a:r>
+            <a:r>
+              <a:rPr lang="en-US" sz="1600" dirty="0" err="1">
+                <a:solidFill>
+                  <a:srgbClr val="000000"/>
+                </a:solidFill>
+                <a:latin typeface="Consolas" panose="020B0609020204030204" pitchFamily="49" charset="0"/>
+              </a:rPr>
+              <a:t>printInformation</a:t>
+            </a:r>
+            <a:r>
+              <a:rPr lang="en-US" sz="1600" dirty="0">
+                <a:solidFill>
+                  <a:srgbClr val="000000"/>
+                </a:solidFill>
+                <a:latin typeface="Consolas" panose="020B0609020204030204" pitchFamily="49" charset="0"/>
+              </a:rPr>
+              <a:t>(self):</a:t>
             </a:r>
             <a:br>
-              <a:rPr lang="en-US" sz="1600"/>
+              <a:rPr lang="en-US" sz="1600" dirty="0"/>
             </a:br>
             <a:r>
-              <a:rPr lang="en-US" sz="1600">
-                <a:solidFill>
-                  <a:srgbClr val="000000"/>
-                </a:solidFill>
-                <a:latin typeface="Consolas" panose="020B0609020204030204" pitchFamily="49" charset="0"/>
-              </a:rPr>
-              <a:t>    print(self.name, self.age)</a:t>
+              <a:rPr lang="en-US" sz="1600" dirty="0">
+                <a:solidFill>
+                  <a:srgbClr val="000000"/>
+                </a:solidFill>
+                <a:latin typeface="Consolas" panose="020B0609020204030204" pitchFamily="49" charset="0"/>
+              </a:rPr>
+              <a:t>    print(self.name, </a:t>
+            </a:r>
+            <a:r>
+              <a:rPr lang="en-US" sz="1600" dirty="0" err="1">
+                <a:solidFill>
+                  <a:srgbClr val="000000"/>
+                </a:solidFill>
+                <a:latin typeface="Consolas" panose="020B0609020204030204" pitchFamily="49" charset="0"/>
+              </a:rPr>
+              <a:t>self.age</a:t>
+            </a:r>
+            <a:r>
+              <a:rPr lang="en-US" sz="1600" dirty="0">
+                <a:solidFill>
+                  <a:srgbClr val="000000"/>
+                </a:solidFill>
+                <a:latin typeface="Consolas" panose="020B0609020204030204" pitchFamily="49" charset="0"/>
+              </a:rPr>
+              <a:t>)</a:t>
             </a:r>
             <a:br>
-              <a:rPr lang="en-US" sz="1600"/>
+              <a:rPr lang="en-US" sz="1600" dirty="0"/>
             </a:br>
             <a:br>
-              <a:rPr lang="en-US" sz="1600"/>
+              <a:rPr lang="en-US" sz="1600" dirty="0"/>
             </a:br>
             <a:r>
-              <a:rPr lang="en-US" sz="1600">
+              <a:rPr lang="en-US" sz="1600" dirty="0">
                 <a:solidFill>
                   <a:srgbClr val="008000"/>
                 </a:solidFill>
                 <a:latin typeface="Consolas" panose="020B0609020204030204" pitchFamily="49" charset="0"/>
               </a:rPr>
-              <a:t>#Use the Animal class to create an object, and then execute the printInformation method:</a:t>
+              <a:t>#Use the Animal class to create an object, and then execute the </a:t>
+            </a:r>
+            <a:r>
+              <a:rPr lang="en-US" sz="1600" dirty="0" err="1">
+                <a:solidFill>
+                  <a:srgbClr val="008000"/>
+                </a:solidFill>
+                <a:latin typeface="Consolas" panose="020B0609020204030204" pitchFamily="49" charset="0"/>
+              </a:rPr>
+              <a:t>printInformation</a:t>
+            </a:r>
+            <a:r>
+              <a:rPr lang="en-US" sz="1600" dirty="0">
+                <a:solidFill>
+                  <a:srgbClr val="008000"/>
+                </a:solidFill>
+                <a:latin typeface="Consolas" panose="020B0609020204030204" pitchFamily="49" charset="0"/>
+              </a:rPr>
+              <a:t> method:</a:t>
             </a:r>
             <a:br>
-              <a:rPr lang="en-US" sz="1600"/>
+              <a:rPr lang="en-US" sz="1600" dirty="0"/>
             </a:br>
             <a:r>
-              <a:rPr lang="en-US" sz="1600">
+              <a:rPr lang="en-US" sz="1600" dirty="0">
                 <a:solidFill>
                   <a:srgbClr val="000000"/>
                 </a:solidFill>
@@ -29452,16 +28985,34 @@
               <a:t>x = Animal(</a:t>
             </a:r>
             <a:r>
-              <a:rPr lang="en-US" sz="1600">
+              <a:rPr lang="en-US" sz="1600" dirty="0">
                 <a:solidFill>
                   <a:srgbClr val="A52A2A"/>
                 </a:solidFill>
                 <a:latin typeface="Consolas" panose="020B0609020204030204" pitchFamily="49" charset="0"/>
               </a:rPr>
-              <a:t>“Pookie”</a:t>
-            </a:r>
-            <a:r>
-              <a:rPr lang="en-US" sz="1600">
+              <a:t>“</a:t>
+            </a:r>
+            <a:r>
+              <a:rPr lang="en-US" sz="1600" dirty="0" err="1">
+                <a:solidFill>
+                  <a:srgbClr val="A52A2A"/>
+                </a:solidFill>
+                <a:latin typeface="Consolas" panose="020B0609020204030204" pitchFamily="49" charset="0"/>
+              </a:rPr>
+              <a:t>Pookie</a:t>
+            </a:r>
+            <a:r>
+              <a:rPr lang="en-US" sz="1600" dirty="0">
+                <a:solidFill>
+                  <a:srgbClr val="A52A2A"/>
+                </a:solidFill>
+                <a:latin typeface="Consolas" panose="020B0609020204030204" pitchFamily="49" charset="0"/>
+              </a:rPr>
+              <a:t>”</a:t>
+            </a:r>
+            <a:r>
+              <a:rPr lang="en-US" sz="1600" dirty="0">
                 <a:solidFill>
                   <a:srgbClr val="000000"/>
                 </a:solidFill>
@@ -29470,7 +29021,7 @@
               <a:t>, </a:t>
             </a:r>
             <a:r>
-              <a:rPr lang="en-US" sz="1600">
+              <a:rPr lang="en-US" sz="1600" dirty="0">
                 <a:solidFill>
                   <a:srgbClr val="A52A2A"/>
                 </a:solidFill>
@@ -29479,7 +29030,7 @@
               <a:t>14</a:t>
             </a:r>
             <a:r>
-              <a:rPr lang="en-US" sz="1600">
+              <a:rPr lang="en-US" sz="1600" dirty="0">
                 <a:solidFill>
                   <a:srgbClr val="000000"/>
                 </a:solidFill>
@@ -29488,16 +29039,25 @@
               <a:t>)</a:t>
             </a:r>
             <a:br>
-              <a:rPr lang="en-US" sz="1600"/>
+              <a:rPr lang="en-US" sz="1600" dirty="0"/>
             </a:br>
             <a:r>
-              <a:rPr lang="en-US" sz="1600">
-                <a:solidFill>
-                  <a:srgbClr val="000000"/>
-                </a:solidFill>
-                <a:latin typeface="Consolas" panose="020B0609020204030204" pitchFamily="49" charset="0"/>
-              </a:rPr>
-              <a:t>x.printInformation()</a:t>
+              <a:rPr lang="en-US" sz="1600" dirty="0" err="1">
+                <a:solidFill>
+                  <a:srgbClr val="000000"/>
+                </a:solidFill>
+                <a:latin typeface="Consolas" panose="020B0609020204030204" pitchFamily="49" charset="0"/>
+              </a:rPr>
+              <a:t>x.printInformation</a:t>
+            </a:r>
+            <a:r>
+              <a:rPr lang="en-US" sz="1600" dirty="0">
+                <a:solidFill>
+                  <a:srgbClr val="000000"/>
+                </a:solidFill>
+                <a:latin typeface="Consolas" panose="020B0609020204030204" pitchFamily="49" charset="0"/>
+              </a:rPr>
+              <a:t>()</a:t>
             </a:r>
             <a:endParaRPr lang="en-US" sz="1600" i="1" dirty="0"/>
           </a:p>
@@ -29533,7 +29093,7 @@
           </a:ln>
           <a:extLst>
             <a:ext uri="{C572A759-6A51-4108-AA02-DFA0A04FC94B}">
-              <ma14:wrappingTextBoxFlag xmlns:ma14="http://schemas.microsoft.com/office/mac/drawingml/2011/main" xmlns="" val="1"/>
+              <ma14:wrappingTextBoxFlag xmlns="" xmlns:ma14="http://schemas.microsoft.com/office/mac/drawingml/2011/main" val="1"/>
             </a:ext>
           </a:extLst>
         </p:spPr>
@@ -30968,7 +30528,7 @@
           </a:ln>
           <a:extLst>
             <a:ext uri="{C572A759-6A51-4108-AA02-DFA0A04FC94B}">
-              <ma14:wrappingTextBoxFlag xmlns:ma14="http://schemas.microsoft.com/office/mac/drawingml/2011/main" xmlns="" val="1"/>
+              <ma14:wrappingTextBoxFlag xmlns="" xmlns:ma14="http://schemas.microsoft.com/office/mac/drawingml/2011/main" val="1"/>
             </a:ext>
           </a:extLst>
         </p:spPr>
@@ -31530,7 +31090,7 @@
           </a:ln>
           <a:extLst>
             <a:ext uri="{C572A759-6A51-4108-AA02-DFA0A04FC94B}">
-              <ma14:wrappingTextBoxFlag xmlns:ma14="http://schemas.microsoft.com/office/mac/drawingml/2011/main" xmlns="" val="1"/>
+              <ma14:wrappingTextBoxFlag xmlns="" xmlns:ma14="http://schemas.microsoft.com/office/mac/drawingml/2011/main" val="1"/>
             </a:ext>
           </a:extLst>
         </p:spPr>
@@ -31870,7 +31430,7 @@
           </a:ln>
           <a:extLst>
             <a:ext uri="{C572A759-6A51-4108-AA02-DFA0A04FC94B}">
-              <ma14:wrappingTextBoxFlag xmlns:ma14="http://schemas.microsoft.com/office/mac/drawingml/2011/main" xmlns="" val="1"/>
+              <ma14:wrappingTextBoxFlag xmlns="" xmlns:ma14="http://schemas.microsoft.com/office/mac/drawingml/2011/main" val="1"/>
             </a:ext>
           </a:extLst>
         </p:spPr>
@@ -33151,7 +32711,7 @@
           </a:ln>
           <a:extLst>
             <a:ext uri="{C572A759-6A51-4108-AA02-DFA0A04FC94B}">
-              <ma14:wrappingTextBoxFlag xmlns:ma14="http://schemas.microsoft.com/office/mac/drawingml/2011/main" xmlns="" val="1"/>
+              <ma14:wrappingTextBoxFlag xmlns="" xmlns:ma14="http://schemas.microsoft.com/office/mac/drawingml/2011/main" val="1"/>
             </a:ext>
           </a:extLst>
         </p:spPr>
@@ -34122,7 +33682,7 @@
           </a:ln>
           <a:extLst>
             <a:ext uri="{C572A759-6A51-4108-AA02-DFA0A04FC94B}">
-              <ma14:wrappingTextBoxFlag xmlns:ma14="http://schemas.microsoft.com/office/mac/drawingml/2011/main" xmlns="" val="1"/>
+              <ma14:wrappingTextBoxFlag xmlns="" xmlns:ma14="http://schemas.microsoft.com/office/mac/drawingml/2011/main" val="1"/>
             </a:ext>
           </a:extLst>
         </p:spPr>
@@ -36678,6 +36238,15 @@
 </file>
 
 <file path=customXml/item2.xml><?xml version="1.0" encoding="utf-8"?>
+<?mso-contentType ?>
+<FormTemplates xmlns="http://schemas.microsoft.com/sharepoint/v3/contenttype/forms">
+  <Display>DocumentLibraryForm</Display>
+  <Edit>DocumentLibraryForm</Edit>
+  <New>DocumentLibraryForm</New>
+</FormTemplates>
+</file>
+
+<file path=customXml/item3.xml><?xml version="1.0" encoding="utf-8"?>
 <p:properties xmlns:p="http://schemas.microsoft.com/office/2006/metadata/properties" xmlns:xsi="http://www.w3.org/2001/XMLSchema-instance" xmlns:pc="http://schemas.microsoft.com/office/infopath/2007/PartnerControls">
   <documentManagement>
     <lcf76f155ced4ddcb4097134ff3c332f xmlns="9b614674-bb2d-4c45-94ea-39f42762d3ae">
@@ -36685,15 +36254,6 @@
     </lcf76f155ced4ddcb4097134ff3c332f>
   </documentManagement>
 </p:properties>
-</file>
-
-<file path=customXml/item3.xml><?xml version="1.0" encoding="utf-8"?>
-<?mso-contentType ?>
-<FormTemplates xmlns="http://schemas.microsoft.com/sharepoint/v3/contenttype/forms">
-  <Display>DocumentLibraryForm</Display>
-  <Edit>DocumentLibraryForm</Edit>
-  <New>DocumentLibraryForm</New>
-</FormTemplates>
 </file>
 
 <file path=customXml/itemProps1.xml><?xml version="1.0" encoding="utf-8"?>
@@ -36715,6 +36275,14 @@
 </file>
 
 <file path=customXml/itemProps2.xml><?xml version="1.0" encoding="utf-8"?>
+<ds:datastoreItem xmlns:ds="http://schemas.openxmlformats.org/officeDocument/2006/customXml" ds:itemID="{126BFA21-774C-45F5-BE3E-541B29302740}">
+  <ds:schemaRefs>
+    <ds:schemaRef ds:uri="http://schemas.microsoft.com/sharepoint/v3/contenttype/forms"/>
+  </ds:schemaRefs>
+</ds:datastoreItem>
+</file>
+
+<file path=customXml/itemProps3.xml><?xml version="1.0" encoding="utf-8"?>
 <ds:datastoreItem xmlns:ds="http://schemas.openxmlformats.org/officeDocument/2006/customXml" ds:itemID="{4B4D6183-A0C2-41B9-BD62-0CD29AC5B1EF}">
   <ds:schemaRefs>
     <ds:schemaRef ds:uri="http://schemas.microsoft.com/office/2006/metadata/properties"/>
@@ -36722,12 +36290,4 @@
     <ds:schemaRef ds:uri="9b614674-bb2d-4c45-94ea-39f42762d3ae"/>
   </ds:schemaRefs>
 </ds:datastoreItem>
-</file>
-
-<file path=customXml/itemProps3.xml><?xml version="1.0" encoding="utf-8"?>
-<ds:datastoreItem xmlns:ds="http://schemas.openxmlformats.org/officeDocument/2006/customXml" ds:itemID="{126BFA21-774C-45F5-BE3E-541B29302740}">
-  <ds:schemaRefs>
-    <ds:schemaRef ds:uri="http://schemas.microsoft.com/sharepoint/v3/contenttype/forms"/>
-  </ds:schemaRefs>
-</ds:datastoreItem>
 </file>
--- a/02-inheritance_overriding/programming2_inheritance_overriding.pptx
+++ b/02-inheritance_overriding/programming2_inheritance_overriding.pptx
@@ -7138,20 +7138,14 @@
           <a:lstStyle/>
           <a:p>
             <a:r>
-              <a:rPr lang="nl-BE" b="1" dirty="0" err="1"/>
-              <a:t>What</a:t>
-            </a:r>
-            <a:r>
-              <a:rPr lang="nl-BE" b="1" dirty="0"/>
-              <a:t> is </a:t>
-            </a:r>
-            <a:r>
-              <a:rPr lang="nl-BE" b="1" dirty="0" err="1"/>
-              <a:t>inheritance</a:t>
-            </a:r>
-            <a:r>
-              <a:rPr lang="nl-BE" b="1" dirty="0"/>
-              <a:t>?</a:t>
+              <a:rPr lang="en-US" b="1" i="0" dirty="0">
+                <a:solidFill>
+                  <a:srgbClr val="404040"/>
+                </a:solidFill>
+                <a:effectLst/>
+                <a:latin typeface="Roboto Slab" pitchFamily="2" charset="0"/>
+              </a:rPr>
+              <a:t>What is inheritance? </a:t>
             </a:r>
             <a:endParaRPr lang="en-US" b="1" dirty="0"/>
           </a:p>
@@ -7650,7 +7644,7 @@
           </a:ln>
           <a:extLst>
             <a:ext uri="{C572A759-6A51-4108-AA02-DFA0A04FC94B}">
-              <ma14:wrappingTextBoxFlag xmlns="" xmlns:ma14="http://schemas.microsoft.com/office/mac/drawingml/2011/main" val="1"/>
+              <ma14:wrappingTextBoxFlag xmlns:ma14="http://schemas.microsoft.com/office/mac/drawingml/2011/main" xmlns="" val="1"/>
             </a:ext>
           </a:extLst>
         </p:spPr>
@@ -8204,8 +8198,18 @@
           <a:lstStyle/>
           <a:p>
             <a:r>
+              <a:rPr lang="en-US" b="1" i="0" dirty="0">
+                <a:solidFill>
+                  <a:srgbClr val="404040"/>
+                </a:solidFill>
+                <a:effectLst/>
+                <a:latin typeface="Roboto Slab" pitchFamily="2" charset="0"/>
+              </a:rPr>
+              <a:t>Important!</a:t>
+            </a:r>
+            <a:r>
               <a:rPr lang="nl-BE" b="1" dirty="0"/>
-              <a:t>Important!</a:t>
+              <a:t> </a:t>
             </a:r>
             <a:endParaRPr lang="en-US" b="1" dirty="0"/>
           </a:p>
@@ -9133,12 +9137,14 @@
           <a:lstStyle/>
           <a:p>
             <a:r>
-              <a:rPr lang="nl-BE" b="1" dirty="0"/>
-              <a:t>Content </a:t>
-            </a:r>
-            <a:r>
-              <a:rPr lang="nl-BE" b="1" dirty="0" err="1"/>
-              <a:t>table</a:t>
+              <a:rPr lang="en-US" b="1" i="0" dirty="0">
+                <a:solidFill>
+                  <a:srgbClr val="404040"/>
+                </a:solidFill>
+                <a:effectLst/>
+                <a:latin typeface="Roboto Slab" pitchFamily="2" charset="0"/>
+              </a:rPr>
+              <a:t>Content table </a:t>
             </a:r>
             <a:endParaRPr lang="en-US" b="1" dirty="0"/>
           </a:p>
@@ -9553,64 +9559,20 @@
           </a:xfrm>
         </p:spPr>
         <p:txBody>
-          <a:bodyPr/>
+          <a:bodyPr>
+            <a:normAutofit/>
+          </a:bodyPr>
           <a:lstStyle/>
           <a:p>
             <a:r>
-              <a:rPr lang="nl-BE" b="1" dirty="0" err="1"/>
-              <a:t>What</a:t>
-            </a:r>
-            <a:r>
-              <a:rPr lang="nl-BE" b="1" dirty="0"/>
-              <a:t> </a:t>
-            </a:r>
-            <a:r>
-              <a:rPr lang="nl-BE" b="1" dirty="0" err="1"/>
-              <a:t>happens</a:t>
-            </a:r>
-            <a:r>
-              <a:rPr lang="nl-BE" b="1" dirty="0"/>
-              <a:t> </a:t>
-            </a:r>
-            <a:r>
-              <a:rPr lang="nl-BE" b="1" dirty="0" err="1"/>
-              <a:t>if</a:t>
-            </a:r>
-            <a:r>
-              <a:rPr lang="nl-BE" b="1" dirty="0"/>
-              <a:t> </a:t>
-            </a:r>
-            <a:r>
-              <a:rPr lang="nl-BE" b="1" dirty="0" err="1"/>
-              <a:t>you</a:t>
-            </a:r>
-            <a:r>
-              <a:rPr lang="nl-BE" b="1" dirty="0"/>
-              <a:t> </a:t>
-            </a:r>
-            <a:r>
-              <a:rPr lang="nl-BE" b="1" dirty="0" err="1"/>
-              <a:t>don’t</a:t>
-            </a:r>
-            <a:r>
-              <a:rPr lang="nl-BE" b="1" dirty="0"/>
-              <a:t> </a:t>
-            </a:r>
-            <a:r>
-              <a:rPr lang="nl-BE" b="1" dirty="0" err="1"/>
-              <a:t>use</a:t>
-            </a:r>
-            <a:r>
-              <a:rPr lang="nl-BE" b="1" dirty="0"/>
-              <a:t> </a:t>
-            </a:r>
-            <a:r>
-              <a:rPr lang="nl-BE" b="1" dirty="0" err="1"/>
-              <a:t>inheritance</a:t>
-            </a:r>
-            <a:r>
-              <a:rPr lang="nl-BE" b="1" dirty="0"/>
-              <a:t>?</a:t>
+              <a:rPr lang="en-US" b="1" i="0" dirty="0">
+                <a:solidFill>
+                  <a:srgbClr val="404040"/>
+                </a:solidFill>
+                <a:effectLst/>
+                <a:latin typeface="Roboto Slab" pitchFamily="2" charset="0"/>
+              </a:rPr>
+              <a:t>What happens if you don’t use inheritance in some cases?  </a:t>
             </a:r>
             <a:endParaRPr lang="en-US" b="1" dirty="0"/>
           </a:p>
@@ -9715,12 +9677,14 @@
           <a:lstStyle/>
           <a:p>
             <a:r>
-              <a:rPr lang="nl-BE" b="1" dirty="0"/>
-              <a:t>Bad </a:t>
-            </a:r>
-            <a:r>
-              <a:rPr lang="nl-BE" b="1" dirty="0" err="1"/>
-              <a:t>example</a:t>
+              <a:rPr lang="en-US" b="1" i="0" dirty="0">
+                <a:solidFill>
+                  <a:srgbClr val="404040"/>
+                </a:solidFill>
+                <a:effectLst/>
+                <a:latin typeface="Roboto Slab" pitchFamily="2" charset="0"/>
+              </a:rPr>
+              <a:t>Bad example </a:t>
             </a:r>
             <a:endParaRPr lang="en-US" b="1" dirty="0"/>
           </a:p>
@@ -10383,7 +10347,7 @@
           </a:ln>
           <a:extLst>
             <a:ext uri="{C572A759-6A51-4108-AA02-DFA0A04FC94B}">
-              <ma14:wrappingTextBoxFlag xmlns="" xmlns:ma14="http://schemas.microsoft.com/office/mac/drawingml/2011/main" val="1"/>
+              <ma14:wrappingTextBoxFlag xmlns:ma14="http://schemas.microsoft.com/office/mac/drawingml/2011/main" xmlns="" val="1"/>
             </a:ext>
           </a:extLst>
         </p:spPr>
@@ -10723,7 +10687,7 @@
           </a:ln>
           <a:extLst>
             <a:ext uri="{C572A759-6A51-4108-AA02-DFA0A04FC94B}">
-              <ma14:wrappingTextBoxFlag xmlns="" xmlns:ma14="http://schemas.microsoft.com/office/mac/drawingml/2011/main" val="1"/>
+              <ma14:wrappingTextBoxFlag xmlns:ma14="http://schemas.microsoft.com/office/mac/drawingml/2011/main" xmlns="" val="1"/>
             </a:ext>
           </a:extLst>
         </p:spPr>
@@ -11386,7 +11350,7 @@
           </a:ln>
           <a:extLst>
             <a:ext uri="{C572A759-6A51-4108-AA02-DFA0A04FC94B}">
-              <ma14:wrappingTextBoxFlag xmlns="" xmlns:ma14="http://schemas.microsoft.com/office/mac/drawingml/2011/main" val="1"/>
+              <ma14:wrappingTextBoxFlag xmlns:ma14="http://schemas.microsoft.com/office/mac/drawingml/2011/main" xmlns="" val="1"/>
             </a:ext>
           </a:extLst>
         </p:spPr>
@@ -11726,7 +11690,7 @@
           </a:ln>
           <a:extLst>
             <a:ext uri="{C572A759-6A51-4108-AA02-DFA0A04FC94B}">
-              <ma14:wrappingTextBoxFlag xmlns="" xmlns:ma14="http://schemas.microsoft.com/office/mac/drawingml/2011/main" val="1"/>
+              <ma14:wrappingTextBoxFlag xmlns:ma14="http://schemas.microsoft.com/office/mac/drawingml/2011/main" xmlns="" val="1"/>
             </a:ext>
           </a:extLst>
         </p:spPr>
@@ -12371,7 +12335,7 @@
           </a:ln>
           <a:extLst>
             <a:ext uri="{C572A759-6A51-4108-AA02-DFA0A04FC94B}">
-              <ma14:wrappingTextBoxFlag xmlns="" xmlns:ma14="http://schemas.microsoft.com/office/mac/drawingml/2011/main" val="1"/>
+              <ma14:wrappingTextBoxFlag xmlns:ma14="http://schemas.microsoft.com/office/mac/drawingml/2011/main" xmlns="" val="1"/>
             </a:ext>
           </a:extLst>
         </p:spPr>
@@ -12729,12 +12693,14 @@
           <a:lstStyle/>
           <a:p>
             <a:r>
-              <a:rPr lang="nl-BE" b="1" dirty="0" err="1"/>
-              <a:t>Repetition</a:t>
-            </a:r>
-            <a:r>
-              <a:rPr lang="nl-BE" b="1" dirty="0"/>
-              <a:t>!!</a:t>
+              <a:rPr lang="en-US" b="1" i="0" dirty="0">
+                <a:solidFill>
+                  <a:srgbClr val="404040"/>
+                </a:solidFill>
+                <a:effectLst/>
+                <a:latin typeface="Roboto Slab" pitchFamily="2" charset="0"/>
+              </a:rPr>
+              <a:t>Repetition!! </a:t>
             </a:r>
             <a:endParaRPr lang="en-US" b="1" dirty="0"/>
           </a:p>
@@ -13514,7 +13480,7 @@
           </a:ln>
           <a:extLst>
             <a:ext uri="{C572A759-6A51-4108-AA02-DFA0A04FC94B}">
-              <ma14:wrappingTextBoxFlag xmlns:ma14="http://schemas.microsoft.com/office/mac/drawingml/2011/main" xmlns="" val="1"/>
+              <ma14:wrappingTextBoxFlag xmlns="" xmlns:ma14="http://schemas.microsoft.com/office/mac/drawingml/2011/main" val="1"/>
             </a:ext>
           </a:extLst>
         </p:spPr>
@@ -13854,7 +13820,7 @@
           </a:ln>
           <a:extLst>
             <a:ext uri="{C572A759-6A51-4108-AA02-DFA0A04FC94B}">
-              <ma14:wrappingTextBoxFlag xmlns:ma14="http://schemas.microsoft.com/office/mac/drawingml/2011/main" xmlns="" val="1"/>
+              <ma14:wrappingTextBoxFlag xmlns="" xmlns:ma14="http://schemas.microsoft.com/office/mac/drawingml/2011/main" val="1"/>
             </a:ext>
           </a:extLst>
         </p:spPr>
@@ -14517,7 +14483,7 @@
           </a:ln>
           <a:extLst>
             <a:ext uri="{C572A759-6A51-4108-AA02-DFA0A04FC94B}">
-              <ma14:wrappingTextBoxFlag xmlns:ma14="http://schemas.microsoft.com/office/mac/drawingml/2011/main" xmlns="" val="1"/>
+              <ma14:wrappingTextBoxFlag xmlns="" xmlns:ma14="http://schemas.microsoft.com/office/mac/drawingml/2011/main" val="1"/>
             </a:ext>
           </a:extLst>
         </p:spPr>
@@ -14857,7 +14823,7 @@
           </a:ln>
           <a:extLst>
             <a:ext uri="{C572A759-6A51-4108-AA02-DFA0A04FC94B}">
-              <ma14:wrappingTextBoxFlag xmlns:ma14="http://schemas.microsoft.com/office/mac/drawingml/2011/main" xmlns="" val="1"/>
+              <ma14:wrappingTextBoxFlag xmlns="" xmlns:ma14="http://schemas.microsoft.com/office/mac/drawingml/2011/main" val="1"/>
             </a:ext>
           </a:extLst>
         </p:spPr>
@@ -15502,7 +15468,7 @@
           </a:ln>
           <a:extLst>
             <a:ext uri="{C572A759-6A51-4108-AA02-DFA0A04FC94B}">
-              <ma14:wrappingTextBoxFlag xmlns:ma14="http://schemas.microsoft.com/office/mac/drawingml/2011/main" xmlns="" val="1"/>
+              <ma14:wrappingTextBoxFlag xmlns="" xmlns:ma14="http://schemas.microsoft.com/office/mac/drawingml/2011/main" val="1"/>
             </a:ext>
           </a:extLst>
         </p:spPr>
@@ -15838,7 +15804,7 @@
           </a:ln>
           <a:extLst>
             <a:ext uri="{C572A759-6A51-4108-AA02-DFA0A04FC94B}">
-              <ma14:wrappingTextBoxFlag xmlns="" xmlns:ma14="http://schemas.microsoft.com/office/mac/drawingml/2011/main" val="1"/>
+              <ma14:wrappingTextBoxFlag xmlns:ma14="http://schemas.microsoft.com/office/mac/drawingml/2011/main" xmlns="" val="1"/>
             </a:ext>
           </a:extLst>
         </p:spPr>
@@ -16158,7 +16124,7 @@
           </a:ln>
           <a:extLst>
             <a:ext uri="{C572A759-6A51-4108-AA02-DFA0A04FC94B}">
-              <ma14:wrappingTextBoxFlag xmlns="" xmlns:ma14="http://schemas.microsoft.com/office/mac/drawingml/2011/main" val="1"/>
+              <ma14:wrappingTextBoxFlag xmlns:ma14="http://schemas.microsoft.com/office/mac/drawingml/2011/main" xmlns="" val="1"/>
             </a:ext>
           </a:extLst>
         </p:spPr>
@@ -16500,36 +16466,14 @@
           <a:lstStyle/>
           <a:p>
             <a:r>
-              <a:rPr lang="nl-BE" b="1" dirty="0" err="1"/>
-              <a:t>So</a:t>
-            </a:r>
-            <a:r>
-              <a:rPr lang="nl-BE" b="1" dirty="0"/>
-              <a:t> </a:t>
-            </a:r>
-            <a:r>
-              <a:rPr lang="nl-BE" b="1" dirty="0" err="1"/>
-              <a:t>why</a:t>
-            </a:r>
-            <a:r>
-              <a:rPr lang="nl-BE" b="1" dirty="0"/>
-              <a:t> </a:t>
-            </a:r>
-            <a:r>
-              <a:rPr lang="nl-BE" b="1" dirty="0" err="1"/>
-              <a:t>use</a:t>
-            </a:r>
-            <a:r>
-              <a:rPr lang="nl-BE" b="1" dirty="0"/>
-              <a:t> </a:t>
-            </a:r>
-            <a:r>
-              <a:rPr lang="nl-BE" b="1" dirty="0" err="1"/>
-              <a:t>inheritance</a:t>
-            </a:r>
-            <a:r>
-              <a:rPr lang="nl-BE" b="1" dirty="0"/>
-              <a:t>? (goal)</a:t>
+              <a:rPr lang="en-US" b="1" i="0" dirty="0">
+                <a:solidFill>
+                  <a:srgbClr val="404040"/>
+                </a:solidFill>
+                <a:effectLst/>
+                <a:latin typeface="Roboto Slab" pitchFamily="2" charset="0"/>
+              </a:rPr>
+              <a:t>So why use inheritance? (goal) </a:t>
             </a:r>
             <a:endParaRPr lang="en-US" b="1" dirty="0"/>
           </a:p>
@@ -17007,24 +16951,14 @@
           <a:lstStyle/>
           <a:p>
             <a:r>
-              <a:rPr lang="nl-BE" b="1" dirty="0" err="1"/>
-              <a:t>Example</a:t>
-            </a:r>
-            <a:r>
-              <a:rPr lang="nl-BE" b="1" dirty="0"/>
-              <a:t> code </a:t>
-            </a:r>
-            <a:r>
-              <a:rPr lang="nl-BE" b="1" dirty="0" err="1"/>
-              <a:t>with</a:t>
-            </a:r>
-            <a:r>
-              <a:rPr lang="nl-BE" b="1" dirty="0"/>
-              <a:t> </a:t>
-            </a:r>
-            <a:r>
-              <a:rPr lang="nl-BE" b="1" dirty="0" err="1"/>
-              <a:t>inheritance</a:t>
+              <a:rPr lang="en-US" b="1" i="0" dirty="0">
+                <a:solidFill>
+                  <a:srgbClr val="404040"/>
+                </a:solidFill>
+                <a:effectLst/>
+                <a:latin typeface="Roboto Slab" pitchFamily="2" charset="0"/>
+              </a:rPr>
+              <a:t>Example code with inheritance </a:t>
             </a:r>
             <a:r>
               <a:rPr lang="nl-BE" b="1" dirty="0"/>
@@ -17808,7 +17742,7 @@
           </a:ln>
           <a:extLst>
             <a:ext uri="{C572A759-6A51-4108-AA02-DFA0A04FC94B}">
-              <ma14:wrappingTextBoxFlag xmlns="" xmlns:ma14="http://schemas.microsoft.com/office/mac/drawingml/2011/main" val="1"/>
+              <ma14:wrappingTextBoxFlag xmlns:ma14="http://schemas.microsoft.com/office/mac/drawingml/2011/main" xmlns="" val="1"/>
             </a:ext>
           </a:extLst>
         </p:spPr>
@@ -18310,7 +18244,7 @@
           </a:ln>
           <a:extLst>
             <a:ext uri="{C572A759-6A51-4108-AA02-DFA0A04FC94B}">
-              <ma14:wrappingTextBoxFlag xmlns="" xmlns:ma14="http://schemas.microsoft.com/office/mac/drawingml/2011/main" val="1"/>
+              <ma14:wrappingTextBoxFlag xmlns:ma14="http://schemas.microsoft.com/office/mac/drawingml/2011/main" xmlns="" val="1"/>
             </a:ext>
           </a:extLst>
         </p:spPr>
@@ -18650,7 +18584,7 @@
           </a:ln>
           <a:extLst>
             <a:ext uri="{C572A759-6A51-4108-AA02-DFA0A04FC94B}">
-              <ma14:wrappingTextBoxFlag xmlns="" xmlns:ma14="http://schemas.microsoft.com/office/mac/drawingml/2011/main" val="1"/>
+              <ma14:wrappingTextBoxFlag xmlns:ma14="http://schemas.microsoft.com/office/mac/drawingml/2011/main" xmlns="" val="1"/>
             </a:ext>
           </a:extLst>
         </p:spPr>
@@ -19008,12 +18942,18 @@
           <a:lstStyle/>
           <a:p>
             <a:r>
-              <a:rPr lang="nl-BE" b="1" dirty="0" err="1"/>
-              <a:t>Example</a:t>
+              <a:rPr lang="en-US" b="1" i="0" dirty="0">
+                <a:solidFill>
+                  <a:srgbClr val="404040"/>
+                </a:solidFill>
+                <a:effectLst/>
+                <a:latin typeface="Roboto Slab" pitchFamily="2" charset="0"/>
+              </a:rPr>
+              <a:t>Example code super() </a:t>
             </a:r>
             <a:r>
               <a:rPr lang="nl-BE" b="1" dirty="0"/>
-              <a:t> code super() </a:t>
+              <a:t> </a:t>
             </a:r>
             <a:endParaRPr lang="en-US" b="1" dirty="0"/>
           </a:p>
@@ -19793,7 +19733,7 @@
           </a:ln>
           <a:extLst>
             <a:ext uri="{C572A759-6A51-4108-AA02-DFA0A04FC94B}">
-              <ma14:wrappingTextBoxFlag xmlns="" xmlns:ma14="http://schemas.microsoft.com/office/mac/drawingml/2011/main" val="1"/>
+              <ma14:wrappingTextBoxFlag xmlns:ma14="http://schemas.microsoft.com/office/mac/drawingml/2011/main" xmlns="" val="1"/>
             </a:ext>
           </a:extLst>
         </p:spPr>
@@ -20501,7 +20441,7 @@
           </a:ln>
           <a:extLst>
             <a:ext uri="{C572A759-6A51-4108-AA02-DFA0A04FC94B}">
-              <ma14:wrappingTextBoxFlag xmlns="" xmlns:ma14="http://schemas.microsoft.com/office/mac/drawingml/2011/main" val="1"/>
+              <ma14:wrappingTextBoxFlag xmlns:ma14="http://schemas.microsoft.com/office/mac/drawingml/2011/main" xmlns="" val="1"/>
             </a:ext>
           </a:extLst>
         </p:spPr>
@@ -20841,7 +20781,7 @@
           </a:ln>
           <a:extLst>
             <a:ext uri="{C572A759-6A51-4108-AA02-DFA0A04FC94B}">
-              <ma14:wrappingTextBoxFlag xmlns="" xmlns:ma14="http://schemas.microsoft.com/office/mac/drawingml/2011/main" val="1"/>
+              <ma14:wrappingTextBoxFlag xmlns:ma14="http://schemas.microsoft.com/office/mac/drawingml/2011/main" xmlns="" val="1"/>
             </a:ext>
           </a:extLst>
         </p:spPr>
@@ -21211,12 +21151,14 @@
           <a:lstStyle/>
           <a:p>
             <a:r>
-              <a:rPr lang="nl-BE" b="1" dirty="0" err="1"/>
-              <a:t>Example</a:t>
-            </a:r>
-            <a:r>
-              <a:rPr lang="nl-BE" b="1" dirty="0"/>
-              <a:t> code super() </a:t>
+              <a:rPr lang="en-US" b="1" i="0" dirty="0">
+                <a:solidFill>
+                  <a:srgbClr val="404040"/>
+                </a:solidFill>
+                <a:effectLst/>
+                <a:latin typeface="Roboto Slab" pitchFamily="2" charset="0"/>
+              </a:rPr>
+              <a:t>Example code super() </a:t>
             </a:r>
             <a:endParaRPr lang="en-US" b="1" dirty="0"/>
           </a:p>
@@ -21996,7 +21938,7 @@
           </a:ln>
           <a:extLst>
             <a:ext uri="{C572A759-6A51-4108-AA02-DFA0A04FC94B}">
-              <ma14:wrappingTextBoxFlag xmlns="" xmlns:ma14="http://schemas.microsoft.com/office/mac/drawingml/2011/main" val="1"/>
+              <ma14:wrappingTextBoxFlag xmlns:ma14="http://schemas.microsoft.com/office/mac/drawingml/2011/main" xmlns="" val="1"/>
             </a:ext>
           </a:extLst>
         </p:spPr>
@@ -22704,7 +22646,7 @@
           </a:ln>
           <a:extLst>
             <a:ext uri="{C572A759-6A51-4108-AA02-DFA0A04FC94B}">
-              <ma14:wrappingTextBoxFlag xmlns="" xmlns:ma14="http://schemas.microsoft.com/office/mac/drawingml/2011/main" val="1"/>
+              <ma14:wrappingTextBoxFlag xmlns:ma14="http://schemas.microsoft.com/office/mac/drawingml/2011/main" xmlns="" val="1"/>
             </a:ext>
           </a:extLst>
         </p:spPr>
@@ -23044,7 +22986,7 @@
           </a:ln>
           <a:extLst>
             <a:ext uri="{C572A759-6A51-4108-AA02-DFA0A04FC94B}">
-              <ma14:wrappingTextBoxFlag xmlns="" xmlns:ma14="http://schemas.microsoft.com/office/mac/drawingml/2011/main" val="1"/>
+              <ma14:wrappingTextBoxFlag xmlns:ma14="http://schemas.microsoft.com/office/mac/drawingml/2011/main" xmlns="" val="1"/>
             </a:ext>
           </a:extLst>
         </p:spPr>
@@ -23464,7 +23406,7 @@
           </a:ln>
           <a:extLst>
             <a:ext uri="{C572A759-6A51-4108-AA02-DFA0A04FC94B}">
-              <ma14:wrappingTextBoxFlag xmlns="" xmlns:ma14="http://schemas.microsoft.com/office/mac/drawingml/2011/main" val="1"/>
+              <ma14:wrappingTextBoxFlag xmlns:ma14="http://schemas.microsoft.com/office/mac/drawingml/2011/main" xmlns="" val="1"/>
             </a:ext>
           </a:extLst>
         </p:spPr>
@@ -23806,7 +23748,13 @@
           <a:lstStyle/>
           <a:p>
             <a:r>
-              <a:rPr lang="nl-BE" b="1" dirty="0"/>
+              <a:rPr lang="en-US" b="1" i="0" dirty="0">
+                <a:solidFill>
+                  <a:srgbClr val="404040"/>
+                </a:solidFill>
+                <a:effectLst/>
+                <a:latin typeface="Roboto Slab" pitchFamily="2" charset="0"/>
+              </a:rPr>
               <a:t>Last week</a:t>
             </a:r>
             <a:endParaRPr lang="en-US" b="1" dirty="0"/>
@@ -24065,16 +24013,14 @@
           <a:lstStyle/>
           <a:p>
             <a:r>
-              <a:rPr lang="nl-BE" b="1" dirty="0" err="1"/>
-              <a:t>Exercise</a:t>
-            </a:r>
-            <a:r>
-              <a:rPr lang="nl-BE" b="1" dirty="0"/>
-              <a:t> single </a:t>
-            </a:r>
-            <a:r>
-              <a:rPr lang="nl-BE" b="1" dirty="0" err="1"/>
-              <a:t>inheritance</a:t>
+              <a:rPr lang="en-US" b="1" i="0" dirty="0">
+                <a:solidFill>
+                  <a:srgbClr val="404040"/>
+                </a:solidFill>
+                <a:effectLst/>
+                <a:latin typeface="Roboto Slab" pitchFamily="2" charset="0"/>
+              </a:rPr>
+              <a:t>Exercise single inheritance </a:t>
             </a:r>
             <a:endParaRPr lang="en-US" b="1" dirty="0"/>
           </a:p>
@@ -24720,12 +24666,14 @@
           <a:lstStyle/>
           <a:p>
             <a:r>
-              <a:rPr lang="nl-BE" b="1" dirty="0"/>
-              <a:t>Content </a:t>
-            </a:r>
-            <a:r>
-              <a:rPr lang="nl-BE" b="1" dirty="0" err="1"/>
-              <a:t>table</a:t>
+              <a:rPr lang="en-US" b="1" i="0" dirty="0">
+                <a:solidFill>
+                  <a:srgbClr val="404040"/>
+                </a:solidFill>
+                <a:effectLst/>
+                <a:latin typeface="Roboto Slab" pitchFamily="2" charset="0"/>
+              </a:rPr>
+              <a:t>Content table </a:t>
             </a:r>
             <a:endParaRPr lang="en-US" b="1" dirty="0"/>
           </a:p>
@@ -25175,12 +25123,14 @@
           <a:lstStyle/>
           <a:p>
             <a:r>
-              <a:rPr lang="nl-BE" b="1" dirty="0"/>
-              <a:t>Multiple </a:t>
-            </a:r>
-            <a:r>
-              <a:rPr lang="nl-BE" b="1" dirty="0" err="1"/>
-              <a:t>inheritance</a:t>
+              <a:rPr lang="en-US" b="1" i="0" dirty="0">
+                <a:solidFill>
+                  <a:srgbClr val="404040"/>
+                </a:solidFill>
+                <a:effectLst/>
+                <a:latin typeface="Roboto Slab" pitchFamily="2" charset="0"/>
+              </a:rPr>
+              <a:t>Multiple inheritance </a:t>
             </a:r>
             <a:endParaRPr lang="en-US" b="1" dirty="0"/>
           </a:p>
@@ -25723,30 +25673,26 @@
             <p:ph type="title"/>
           </p:nvPr>
         </p:nvSpPr>
-        <p:spPr/>
+        <p:spPr>
+          <a:xfrm>
+            <a:off x="794131" y="254955"/>
+            <a:ext cx="11004933" cy="1325563"/>
+          </a:xfrm>
+        </p:spPr>
         <p:txBody>
-          <a:bodyPr/>
+          <a:bodyPr>
+            <a:normAutofit/>
+          </a:bodyPr>
           <a:lstStyle/>
           <a:p>
             <a:r>
-              <a:rPr lang="nl-BE" b="1" dirty="0" err="1"/>
-              <a:t>Example</a:t>
-            </a:r>
-            <a:r>
-              <a:rPr lang="nl-BE" b="1" dirty="0"/>
-              <a:t> code </a:t>
-            </a:r>
-            <a:r>
-              <a:rPr lang="nl-BE" b="1" dirty="0" err="1"/>
-              <a:t>with</a:t>
-            </a:r>
-            <a:r>
-              <a:rPr lang="nl-BE" b="1" dirty="0"/>
-              <a:t> multiple </a:t>
-            </a:r>
-            <a:r>
-              <a:rPr lang="nl-BE" b="1" dirty="0" err="1"/>
-              <a:t>inheritance</a:t>
+              <a:rPr lang="en-US" b="1" dirty="0">
+                <a:solidFill>
+                  <a:srgbClr val="404040"/>
+                </a:solidFill>
+                <a:latin typeface="Roboto Slab" pitchFamily="2" charset="0"/>
+              </a:rPr>
+              <a:t>Example code with multiple inheritance </a:t>
             </a:r>
             <a:r>
               <a:rPr lang="nl-BE" b="1" dirty="0"/>
@@ -26456,7 +26402,7 @@
           </a:ln>
           <a:extLst>
             <a:ext uri="{C572A759-6A51-4108-AA02-DFA0A04FC94B}">
-              <ma14:wrappingTextBoxFlag xmlns:ma14="http://schemas.microsoft.com/office/mac/drawingml/2011/main" xmlns="" val="1"/>
+              <ma14:wrappingTextBoxFlag xmlns="" xmlns:ma14="http://schemas.microsoft.com/office/mac/drawingml/2011/main" val="1"/>
             </a:ext>
           </a:extLst>
         </p:spPr>
@@ -26770,6 +26716,301 @@
           </a:p>
         </p:txBody>
       </p:sp>
+      <p:sp>
+        <p:nvSpPr>
+          <p:cNvPr id="4" name="TextBox 3">
+            <a:extLst>
+              <a:ext uri="{FF2B5EF4-FFF2-40B4-BE49-F238E27FC236}">
+                <a16:creationId xmlns:a16="http://schemas.microsoft.com/office/drawing/2014/main" id="{3E10C03B-76CC-8AFF-F572-2539CF051C60}"/>
+              </a:ext>
+            </a:extLst>
+          </p:cNvPr>
+          <p:cNvSpPr txBox="1"/>
+          <p:nvPr/>
+        </p:nvSpPr>
+        <p:spPr>
+          <a:xfrm>
+            <a:off x="2390659" y="2930487"/>
+            <a:ext cx="4671153" cy="688018"/>
+          </a:xfrm>
+          <a:prstGeom prst="rect">
+            <a:avLst/>
+          </a:prstGeom>
+          <a:noFill/>
+          <a:ln w="57150">
+            <a:solidFill>
+              <a:srgbClr val="FF0000"/>
+            </a:solidFill>
+          </a:ln>
+        </p:spPr>
+        <p:txBody>
+          <a:bodyPr wrap="square" rtlCol="0">
+            <a:spAutoFit/>
+          </a:bodyPr>
+          <a:lstStyle/>
+          <a:p>
+            <a:endParaRPr lang="en-US" dirty="0"/>
+          </a:p>
+        </p:txBody>
+      </p:sp>
+      <p:graphicFrame>
+        <p:nvGraphicFramePr>
+          <p:cNvPr id="6" name="Table 10">
+            <a:extLst>
+              <a:ext uri="{FF2B5EF4-FFF2-40B4-BE49-F238E27FC236}">
+                <a16:creationId xmlns:a16="http://schemas.microsoft.com/office/drawing/2014/main" id="{0FCC3D6D-DDF9-B5A2-4280-F582620A05A5}"/>
+              </a:ext>
+            </a:extLst>
+          </p:cNvPr>
+          <p:cNvGraphicFramePr>
+            <a:graphicFrameLocks noGrp="1"/>
+          </p:cNvGraphicFramePr>
+          <p:nvPr>
+            <p:extLst>
+              <p:ext uri="{D42A27DB-BD31-4B8C-83A1-F6EECF244321}">
+                <p14:modId xmlns:p14="http://schemas.microsoft.com/office/powerpoint/2010/main" val="1441695048"/>
+              </p:ext>
+            </p:extLst>
+          </p:nvPr>
+        </p:nvGraphicFramePr>
+        <p:xfrm>
+          <a:off x="8113272" y="3906680"/>
+          <a:ext cx="3931722" cy="2720839"/>
+        </p:xfrm>
+        <a:graphic>
+          <a:graphicData uri="http://schemas.openxmlformats.org/drawingml/2006/table">
+            <a:tbl>
+              <a:tblPr firstRow="1" bandRow="1">
+                <a:tableStyleId>{5C22544A-7EE6-4342-B048-85BDC9FD1C3A}</a:tableStyleId>
+              </a:tblPr>
+              <a:tblGrid>
+                <a:gridCol w="3931722">
+                  <a:extLst>
+                    <a:ext uri="{9D8B030D-6E8A-4147-A177-3AD203B41FA5}">
+                      <a16:colId xmlns:a16="http://schemas.microsoft.com/office/drawing/2014/main" val="2767946564"/>
+                    </a:ext>
+                  </a:extLst>
+                </a:gridCol>
+              </a:tblGrid>
+              <a:tr h="434839">
+                <a:tc>
+                  <a:txBody>
+                    <a:bodyPr/>
+                    <a:lstStyle/>
+                    <a:p>
+                      <a:r>
+                        <a:rPr lang="en-US" sz="2000" b="1" kern="1200" dirty="0">
+                          <a:solidFill>
+                            <a:schemeClr val="bg1"/>
+                          </a:solidFill>
+                          <a:effectLst/>
+                          <a:latin typeface="+mn-lt"/>
+                          <a:ea typeface="+mn-ea"/>
+                          <a:cs typeface="+mn-cs"/>
+                        </a:rPr>
+                        <a:t>! Takeaway:</a:t>
+                      </a:r>
+                      <a:endParaRPr lang="en-US" sz="2000" b="1" dirty="0">
+                        <a:solidFill>
+                          <a:schemeClr val="bg1"/>
+                        </a:solidFill>
+                      </a:endParaRPr>
+                    </a:p>
+                  </a:txBody>
+                  <a:tcPr>
+                    <a:lnL w="12700" cap="flat" cmpd="sng" algn="ctr">
+                      <a:solidFill>
+                        <a:schemeClr val="tx1"/>
+                      </a:solidFill>
+                      <a:prstDash val="solid"/>
+                      <a:round/>
+                      <a:headEnd type="none" w="med" len="med"/>
+                      <a:tailEnd type="none" w="med" len="med"/>
+                    </a:lnL>
+                    <a:lnR w="12700" cap="flat" cmpd="sng" algn="ctr">
+                      <a:solidFill>
+                        <a:schemeClr val="tx1"/>
+                      </a:solidFill>
+                      <a:prstDash val="solid"/>
+                      <a:round/>
+                      <a:headEnd type="none" w="med" len="med"/>
+                      <a:tailEnd type="none" w="med" len="med"/>
+                    </a:lnR>
+                    <a:lnT w="12700" cap="flat" cmpd="sng" algn="ctr">
+                      <a:solidFill>
+                        <a:schemeClr val="tx1"/>
+                      </a:solidFill>
+                      <a:prstDash val="solid"/>
+                      <a:round/>
+                      <a:headEnd type="none" w="med" len="med"/>
+                      <a:tailEnd type="none" w="med" len="med"/>
+                    </a:lnT>
+                    <a:lnB w="12700" cap="flat" cmpd="sng" algn="ctr">
+                      <a:solidFill>
+                        <a:schemeClr val="tx1"/>
+                      </a:solidFill>
+                      <a:prstDash val="solid"/>
+                      <a:round/>
+                      <a:headEnd type="none" w="med" len="med"/>
+                      <a:tailEnd type="none" w="med" len="med"/>
+                    </a:lnB>
+                    <a:solidFill>
+                      <a:srgbClr val="6AB0DE"/>
+                    </a:solidFill>
+                  </a:tcPr>
+                </a:tc>
+                <a:extLst>
+                  <a:ext uri="{0D108BD9-81ED-4DB2-BD59-A6C34878D82A}">
+                    <a16:rowId xmlns:a16="http://schemas.microsoft.com/office/drawing/2014/main" val="1904865605"/>
+                  </a:ext>
+                </a:extLst>
+              </a:tr>
+              <a:tr h="1215000">
+                <a:tc>
+                  <a:txBody>
+                    <a:bodyPr/>
+                    <a:lstStyle/>
+                    <a:p>
+                      <a:r>
+                        <a:rPr lang="en-US" b="1" dirty="0">
+                          <a:solidFill>
+                            <a:schemeClr val="tx1"/>
+                          </a:solidFill>
+                        </a:rPr>
+                        <a:t>In Python, multiple inheritance follows the C3 linearization method which determines the order of method resolution. The class that appears first in the method resolution order will have its method executed in case of a name collision between two or more classes.</a:t>
+                      </a:r>
+                    </a:p>
+                  </a:txBody>
+                  <a:tcPr>
+                    <a:lnL w="12700" cap="flat" cmpd="sng" algn="ctr">
+                      <a:solidFill>
+                        <a:schemeClr val="tx1"/>
+                      </a:solidFill>
+                      <a:prstDash val="solid"/>
+                      <a:round/>
+                      <a:headEnd type="none" w="med" len="med"/>
+                      <a:tailEnd type="none" w="med" len="med"/>
+                    </a:lnL>
+                    <a:lnR w="12700" cap="flat" cmpd="sng" algn="ctr">
+                      <a:solidFill>
+                        <a:schemeClr val="tx1"/>
+                      </a:solidFill>
+                      <a:prstDash val="solid"/>
+                      <a:round/>
+                      <a:headEnd type="none" w="med" len="med"/>
+                      <a:tailEnd type="none" w="med" len="med"/>
+                    </a:lnR>
+                    <a:lnT w="12700" cap="flat" cmpd="sng" algn="ctr">
+                      <a:solidFill>
+                        <a:schemeClr val="tx1"/>
+                      </a:solidFill>
+                      <a:prstDash val="solid"/>
+                      <a:round/>
+                      <a:headEnd type="none" w="med" len="med"/>
+                      <a:tailEnd type="none" w="med" len="med"/>
+                    </a:lnT>
+                    <a:lnB w="12700" cap="flat" cmpd="sng" algn="ctr">
+                      <a:solidFill>
+                        <a:schemeClr val="tx1"/>
+                      </a:solidFill>
+                      <a:prstDash val="solid"/>
+                      <a:round/>
+                      <a:headEnd type="none" w="med" len="med"/>
+                      <a:tailEnd type="none" w="med" len="med"/>
+                    </a:lnB>
+                    <a:solidFill>
+                      <a:srgbClr val="E7F2FA"/>
+                    </a:solidFill>
+                  </a:tcPr>
+                </a:tc>
+                <a:extLst>
+                  <a:ext uri="{0D108BD9-81ED-4DB2-BD59-A6C34878D82A}">
+                    <a16:rowId xmlns:a16="http://schemas.microsoft.com/office/drawing/2014/main" val="1301655462"/>
+                  </a:ext>
+                </a:extLst>
+              </a:tr>
+            </a:tbl>
+          </a:graphicData>
+        </a:graphic>
+      </p:graphicFrame>
+      <p:sp>
+        <p:nvSpPr>
+          <p:cNvPr id="7" name="TextBox 6">
+            <a:extLst>
+              <a:ext uri="{FF2B5EF4-FFF2-40B4-BE49-F238E27FC236}">
+                <a16:creationId xmlns:a16="http://schemas.microsoft.com/office/drawing/2014/main" id="{E2DF9912-7B60-3782-98BE-D47FD0AEA93C}"/>
+              </a:ext>
+            </a:extLst>
+          </p:cNvPr>
+          <p:cNvSpPr txBox="1"/>
+          <p:nvPr/>
+        </p:nvSpPr>
+        <p:spPr>
+          <a:xfrm>
+            <a:off x="2390659" y="1676285"/>
+            <a:ext cx="4671153" cy="688018"/>
+          </a:xfrm>
+          <a:prstGeom prst="rect">
+            <a:avLst/>
+          </a:prstGeom>
+          <a:noFill/>
+          <a:ln w="57150">
+            <a:solidFill>
+              <a:srgbClr val="FF0000"/>
+            </a:solidFill>
+          </a:ln>
+        </p:spPr>
+        <p:txBody>
+          <a:bodyPr wrap="square" rtlCol="0">
+            <a:spAutoFit/>
+          </a:bodyPr>
+          <a:lstStyle/>
+          <a:p>
+            <a:endParaRPr lang="en-US" dirty="0"/>
+          </a:p>
+        </p:txBody>
+      </p:sp>
+      <p:cxnSp>
+        <p:nvCxnSpPr>
+          <p:cNvPr id="14" name="Straight Connector 13">
+            <a:extLst>
+              <a:ext uri="{FF2B5EF4-FFF2-40B4-BE49-F238E27FC236}">
+                <a16:creationId xmlns:a16="http://schemas.microsoft.com/office/drawing/2014/main" id="{7B06E8F4-C4C5-17CE-0F8C-81C98541FC84}"/>
+              </a:ext>
+            </a:extLst>
+          </p:cNvPr>
+          <p:cNvCxnSpPr/>
+          <p:nvPr/>
+        </p:nvCxnSpPr>
+        <p:spPr>
+          <a:xfrm>
+            <a:off x="3966633" y="4161367"/>
+            <a:ext cx="1253067" cy="0"/>
+          </a:xfrm>
+          <a:prstGeom prst="line">
+            <a:avLst/>
+          </a:prstGeom>
+          <a:ln w="57150">
+            <a:solidFill>
+              <a:srgbClr val="FF0000"/>
+            </a:solidFill>
+          </a:ln>
+        </p:spPr>
+        <p:style>
+          <a:lnRef idx="1">
+            <a:schemeClr val="accent1"/>
+          </a:lnRef>
+          <a:fillRef idx="0">
+            <a:schemeClr val="accent1"/>
+          </a:fillRef>
+          <a:effectRef idx="0">
+            <a:schemeClr val="accent1"/>
+          </a:effectRef>
+          <a:fontRef idx="minor">
+            <a:schemeClr val="tx1"/>
+          </a:fontRef>
+        </p:style>
+      </p:cxnSp>
     </p:spTree>
     <p:extLst>
       <p:ext uri="{BB962C8B-B14F-4D97-AF65-F5344CB8AC3E}">
@@ -26780,6 +27021,198 @@
   <p:clrMapOvr>
     <a:masterClrMapping/>
   </p:clrMapOvr>
+  <p:timing>
+    <p:tnLst>
+      <p:par>
+        <p:cTn id="1" dur="indefinite" restart="never" nodeType="tmRoot">
+          <p:childTnLst>
+            <p:seq concurrent="1" nextAc="seek">
+              <p:cTn id="2" dur="indefinite" nodeType="mainSeq">
+                <p:childTnLst>
+                  <p:par>
+                    <p:cTn id="3" fill="hold">
+                      <p:stCondLst>
+                        <p:cond delay="indefinite"/>
+                      </p:stCondLst>
+                      <p:childTnLst>
+                        <p:par>
+                          <p:cTn id="4" fill="hold">
+                            <p:stCondLst>
+                              <p:cond delay="0"/>
+                            </p:stCondLst>
+                            <p:childTnLst>
+                              <p:par>
+                                <p:cTn id="5" presetID="10" presetClass="entr" presetSubtype="0" fill="hold" nodeType="clickEffect">
+                                  <p:stCondLst>
+                                    <p:cond delay="0"/>
+                                  </p:stCondLst>
+                                  <p:childTnLst>
+                                    <p:set>
+                                      <p:cBhvr>
+                                        <p:cTn id="6" dur="1" fill="hold">
+                                          <p:stCondLst>
+                                            <p:cond delay="0"/>
+                                          </p:stCondLst>
+                                        </p:cTn>
+                                        <p:tgtEl>
+                                          <p:spTgt spid="6"/>
+                                        </p:tgtEl>
+                                        <p:attrNameLst>
+                                          <p:attrName>style.visibility</p:attrName>
+                                        </p:attrNameLst>
+                                      </p:cBhvr>
+                                      <p:to>
+                                        <p:strVal val="visible"/>
+                                      </p:to>
+                                    </p:set>
+                                    <p:animEffect transition="in" filter="fade">
+                                      <p:cBhvr>
+                                        <p:cTn id="7" dur="500"/>
+                                        <p:tgtEl>
+                                          <p:spTgt spid="6"/>
+                                        </p:tgtEl>
+                                      </p:cBhvr>
+                                    </p:animEffect>
+                                  </p:childTnLst>
+                                </p:cTn>
+                              </p:par>
+                              <p:par>
+                                <p:cTn id="8" presetID="10" presetClass="entr" presetSubtype="0" fill="hold" grpId="0" nodeType="withEffect">
+                                  <p:stCondLst>
+                                    <p:cond delay="0"/>
+                                  </p:stCondLst>
+                                  <p:childTnLst>
+                                    <p:set>
+                                      <p:cBhvr>
+                                        <p:cTn id="9" dur="1" fill="hold">
+                                          <p:stCondLst>
+                                            <p:cond delay="0"/>
+                                          </p:stCondLst>
+                                        </p:cTn>
+                                        <p:tgtEl>
+                                          <p:spTgt spid="4"/>
+                                        </p:tgtEl>
+                                        <p:attrNameLst>
+                                          <p:attrName>style.visibility</p:attrName>
+                                        </p:attrNameLst>
+                                      </p:cBhvr>
+                                      <p:to>
+                                        <p:strVal val="visible"/>
+                                      </p:to>
+                                    </p:set>
+                                    <p:animEffect transition="in" filter="fade">
+                                      <p:cBhvr>
+                                        <p:cTn id="10" dur="500"/>
+                                        <p:tgtEl>
+                                          <p:spTgt spid="4"/>
+                                        </p:tgtEl>
+                                      </p:cBhvr>
+                                    </p:animEffect>
+                                  </p:childTnLst>
+                                </p:cTn>
+                              </p:par>
+                              <p:par>
+                                <p:cTn id="11" presetID="10" presetClass="entr" presetSubtype="0" fill="hold" grpId="0" nodeType="withEffect">
+                                  <p:stCondLst>
+                                    <p:cond delay="0"/>
+                                  </p:stCondLst>
+                                  <p:childTnLst>
+                                    <p:set>
+                                      <p:cBhvr>
+                                        <p:cTn id="12" dur="1" fill="hold">
+                                          <p:stCondLst>
+                                            <p:cond delay="0"/>
+                                          </p:stCondLst>
+                                        </p:cTn>
+                                        <p:tgtEl>
+                                          <p:spTgt spid="7"/>
+                                        </p:tgtEl>
+                                        <p:attrNameLst>
+                                          <p:attrName>style.visibility</p:attrName>
+                                        </p:attrNameLst>
+                                      </p:cBhvr>
+                                      <p:to>
+                                        <p:strVal val="visible"/>
+                                      </p:to>
+                                    </p:set>
+                                    <p:animEffect transition="in" filter="fade">
+                                      <p:cBhvr>
+                                        <p:cTn id="13" dur="500"/>
+                                        <p:tgtEl>
+                                          <p:spTgt spid="7"/>
+                                        </p:tgtEl>
+                                      </p:cBhvr>
+                                    </p:animEffect>
+                                  </p:childTnLst>
+                                </p:cTn>
+                              </p:par>
+                              <p:par>
+                                <p:cTn id="14" presetID="10" presetClass="entr" presetSubtype="0" fill="hold" nodeType="withEffect">
+                                  <p:stCondLst>
+                                    <p:cond delay="0"/>
+                                  </p:stCondLst>
+                                  <p:childTnLst>
+                                    <p:set>
+                                      <p:cBhvr>
+                                        <p:cTn id="15" dur="1" fill="hold">
+                                          <p:stCondLst>
+                                            <p:cond delay="0"/>
+                                          </p:stCondLst>
+                                        </p:cTn>
+                                        <p:tgtEl>
+                                          <p:spTgt spid="14"/>
+                                        </p:tgtEl>
+                                        <p:attrNameLst>
+                                          <p:attrName>style.visibility</p:attrName>
+                                        </p:attrNameLst>
+                                      </p:cBhvr>
+                                      <p:to>
+                                        <p:strVal val="visible"/>
+                                      </p:to>
+                                    </p:set>
+                                    <p:animEffect transition="in" filter="fade">
+                                      <p:cBhvr>
+                                        <p:cTn id="16" dur="500"/>
+                                        <p:tgtEl>
+                                          <p:spTgt spid="14"/>
+                                        </p:tgtEl>
+                                      </p:cBhvr>
+                                    </p:animEffect>
+                                  </p:childTnLst>
+                                </p:cTn>
+                              </p:par>
+                            </p:childTnLst>
+                          </p:cTn>
+                        </p:par>
+                      </p:childTnLst>
+                    </p:cTn>
+                  </p:par>
+                </p:childTnLst>
+              </p:cTn>
+              <p:prevCondLst>
+                <p:cond evt="onPrev" delay="0">
+                  <p:tgtEl>
+                    <p:sldTgt/>
+                  </p:tgtEl>
+                </p:cond>
+              </p:prevCondLst>
+              <p:nextCondLst>
+                <p:cond evt="onNext" delay="0">
+                  <p:tgtEl>
+                    <p:sldTgt/>
+                  </p:tgtEl>
+                </p:cond>
+              </p:nextCondLst>
+            </p:seq>
+          </p:childTnLst>
+        </p:cTn>
+      </p:par>
+    </p:tnLst>
+    <p:bldLst>
+      <p:bldP spid="4" grpId="0" animBg="1"/>
+      <p:bldP spid="7" grpId="0" animBg="1"/>
+    </p:bldLst>
+  </p:timing>
 </p:sld>
 </file>
 
@@ -26822,12 +27255,14 @@
           <a:lstStyle/>
           <a:p>
             <a:r>
-              <a:rPr lang="nl-BE" b="1" dirty="0"/>
-              <a:t>Content </a:t>
-            </a:r>
-            <a:r>
-              <a:rPr lang="nl-BE" b="1" dirty="0" err="1"/>
-              <a:t>table</a:t>
+              <a:rPr lang="en-US" b="1" i="0" dirty="0">
+                <a:solidFill>
+                  <a:srgbClr val="404040"/>
+                </a:solidFill>
+                <a:effectLst/>
+                <a:latin typeface="Roboto Slab" pitchFamily="2" charset="0"/>
+              </a:rPr>
+              <a:t>Content table </a:t>
             </a:r>
             <a:endParaRPr lang="en-US" b="1" dirty="0"/>
           </a:p>
@@ -27277,9 +27712,16 @@
           <a:lstStyle/>
           <a:p>
             <a:r>
-              <a:rPr lang="en-US" b="1" dirty="0"/>
-              <a:t>What is overriding?</a:t>
-            </a:r>
+              <a:rPr lang="en-US" b="1" i="0" dirty="0">
+                <a:solidFill>
+                  <a:srgbClr val="404040"/>
+                </a:solidFill>
+                <a:effectLst/>
+                <a:latin typeface="Roboto Slab" pitchFamily="2" charset="0"/>
+              </a:rPr>
+              <a:t>What is overriding? </a:t>
+            </a:r>
+            <a:endParaRPr lang="en-US" b="1" dirty="0"/>
           </a:p>
         </p:txBody>
       </p:sp>
@@ -28482,9 +28924,16 @@
           <a:lstStyle/>
           <a:p>
             <a:r>
-              <a:rPr lang="en-US" b="1" dirty="0"/>
-              <a:t>Example code overriding</a:t>
-            </a:r>
+              <a:rPr lang="en-US" b="1" i="0" dirty="0">
+                <a:solidFill>
+                  <a:srgbClr val="404040"/>
+                </a:solidFill>
+                <a:effectLst/>
+                <a:latin typeface="Roboto Slab" pitchFamily="2" charset="0"/>
+              </a:rPr>
+              <a:t>Example code overriding </a:t>
+            </a:r>
+            <a:endParaRPr lang="en-US" b="1" dirty="0"/>
           </a:p>
         </p:txBody>
       </p:sp>
@@ -29093,7 +29542,7 @@
           </a:ln>
           <a:extLst>
             <a:ext uri="{C572A759-6A51-4108-AA02-DFA0A04FC94B}">
-              <ma14:wrappingTextBoxFlag xmlns="" xmlns:ma14="http://schemas.microsoft.com/office/mac/drawingml/2011/main" val="1"/>
+              <ma14:wrappingTextBoxFlag xmlns:ma14="http://schemas.microsoft.com/office/mac/drawingml/2011/main" xmlns="" val="1"/>
             </a:ext>
           </a:extLst>
         </p:spPr>
@@ -29944,9 +30393,15 @@
           <a:lstStyle/>
           <a:p>
             <a:r>
-              <a:rPr lang="en-US" b="1" dirty="0"/>
-              <a:t>Example code overriding</a:t>
-            </a:r>
+              <a:rPr lang="en-US" b="1" dirty="0">
+                <a:solidFill>
+                  <a:srgbClr val="404040"/>
+                </a:solidFill>
+                <a:latin typeface="Roboto Slab" pitchFamily="2" charset="0"/>
+              </a:rPr>
+              <a:t>Example code overriding </a:t>
+            </a:r>
+            <a:endParaRPr lang="en-US" b="1" dirty="0"/>
           </a:p>
         </p:txBody>
       </p:sp>
@@ -30528,7 +30983,7 @@
           </a:ln>
           <a:extLst>
             <a:ext uri="{C572A759-6A51-4108-AA02-DFA0A04FC94B}">
-              <ma14:wrappingTextBoxFlag xmlns="" xmlns:ma14="http://schemas.microsoft.com/office/mac/drawingml/2011/main" val="1"/>
+              <ma14:wrappingTextBoxFlag xmlns:ma14="http://schemas.microsoft.com/office/mac/drawingml/2011/main" xmlns="" val="1"/>
             </a:ext>
           </a:extLst>
         </p:spPr>
@@ -31090,7 +31545,7 @@
           </a:ln>
           <a:extLst>
             <a:ext uri="{C572A759-6A51-4108-AA02-DFA0A04FC94B}">
-              <ma14:wrappingTextBoxFlag xmlns="" xmlns:ma14="http://schemas.microsoft.com/office/mac/drawingml/2011/main" val="1"/>
+              <ma14:wrappingTextBoxFlag xmlns:ma14="http://schemas.microsoft.com/office/mac/drawingml/2011/main" xmlns="" val="1"/>
             </a:ext>
           </a:extLst>
         </p:spPr>
@@ -31430,7 +31885,7 @@
           </a:ln>
           <a:extLst>
             <a:ext uri="{C572A759-6A51-4108-AA02-DFA0A04FC94B}">
-              <ma14:wrappingTextBoxFlag xmlns="" xmlns:ma14="http://schemas.microsoft.com/office/mac/drawingml/2011/main" val="1"/>
+              <ma14:wrappingTextBoxFlag xmlns:ma14="http://schemas.microsoft.com/office/mac/drawingml/2011/main" xmlns="" val="1"/>
             </a:ext>
           </a:extLst>
         </p:spPr>
@@ -31732,6 +32187,260 @@
           </a:p>
         </p:txBody>
       </p:sp>
+      <p:sp>
+        <p:nvSpPr>
+          <p:cNvPr id="3" name="TextBox 2">
+            <a:extLst>
+              <a:ext uri="{FF2B5EF4-FFF2-40B4-BE49-F238E27FC236}">
+                <a16:creationId xmlns:a16="http://schemas.microsoft.com/office/drawing/2014/main" id="{050AB7D3-580E-2D4F-D473-83DE7C44E1A4}"/>
+              </a:ext>
+            </a:extLst>
+          </p:cNvPr>
+          <p:cNvSpPr txBox="1"/>
+          <p:nvPr/>
+        </p:nvSpPr>
+        <p:spPr>
+          <a:xfrm>
+            <a:off x="954914" y="2990543"/>
+            <a:ext cx="3910070" cy="1013552"/>
+          </a:xfrm>
+          <a:prstGeom prst="rect">
+            <a:avLst/>
+          </a:prstGeom>
+          <a:noFill/>
+          <a:ln w="57150">
+            <a:solidFill>
+              <a:schemeClr val="accent1"/>
+            </a:solidFill>
+          </a:ln>
+        </p:spPr>
+        <p:txBody>
+          <a:bodyPr wrap="square" rtlCol="0">
+            <a:spAutoFit/>
+          </a:bodyPr>
+          <a:lstStyle/>
+          <a:p>
+            <a:endParaRPr lang="en-US" dirty="0"/>
+          </a:p>
+        </p:txBody>
+      </p:sp>
+      <p:sp>
+        <p:nvSpPr>
+          <p:cNvPr id="4" name="TextBox 3">
+            <a:extLst>
+              <a:ext uri="{FF2B5EF4-FFF2-40B4-BE49-F238E27FC236}">
+                <a16:creationId xmlns:a16="http://schemas.microsoft.com/office/drawing/2014/main" id="{429C7611-94DE-CCD5-A07A-E128A816D9D9}"/>
+              </a:ext>
+            </a:extLst>
+          </p:cNvPr>
+          <p:cNvSpPr txBox="1"/>
+          <p:nvPr/>
+        </p:nvSpPr>
+        <p:spPr>
+          <a:xfrm>
+            <a:off x="6096000" y="2060153"/>
+            <a:ext cx="3411557" cy="868352"/>
+          </a:xfrm>
+          <a:prstGeom prst="rect">
+            <a:avLst/>
+          </a:prstGeom>
+          <a:noFill/>
+          <a:ln w="57150">
+            <a:solidFill>
+              <a:schemeClr val="accent1"/>
+            </a:solidFill>
+          </a:ln>
+        </p:spPr>
+        <p:txBody>
+          <a:bodyPr wrap="square" rtlCol="0">
+            <a:spAutoFit/>
+          </a:bodyPr>
+          <a:lstStyle/>
+          <a:p>
+            <a:endParaRPr lang="en-US" dirty="0"/>
+          </a:p>
+        </p:txBody>
+      </p:sp>
+      <p:graphicFrame>
+        <p:nvGraphicFramePr>
+          <p:cNvPr id="5" name="Table 10">
+            <a:extLst>
+              <a:ext uri="{FF2B5EF4-FFF2-40B4-BE49-F238E27FC236}">
+                <a16:creationId xmlns:a16="http://schemas.microsoft.com/office/drawing/2014/main" id="{86A6E6FF-1059-502E-641D-BB2461C433E8}"/>
+              </a:ext>
+            </a:extLst>
+          </p:cNvPr>
+          <p:cNvGraphicFramePr>
+            <a:graphicFrameLocks noGrp="1"/>
+          </p:cNvGraphicFramePr>
+          <p:nvPr>
+            <p:extLst>
+              <p:ext uri="{D42A27DB-BD31-4B8C-83A1-F6EECF244321}">
+                <p14:modId xmlns:p14="http://schemas.microsoft.com/office/powerpoint/2010/main" val="2158583832"/>
+              </p:ext>
+            </p:extLst>
+          </p:nvPr>
+        </p:nvGraphicFramePr>
+        <p:xfrm>
+          <a:off x="8028924" y="5030400"/>
+          <a:ext cx="3931722" cy="1649839"/>
+        </p:xfrm>
+        <a:graphic>
+          <a:graphicData uri="http://schemas.openxmlformats.org/drawingml/2006/table">
+            <a:tbl>
+              <a:tblPr firstRow="1" bandRow="1">
+                <a:tableStyleId>{5C22544A-7EE6-4342-B048-85BDC9FD1C3A}</a:tableStyleId>
+              </a:tblPr>
+              <a:tblGrid>
+                <a:gridCol w="3931722">
+                  <a:extLst>
+                    <a:ext uri="{9D8B030D-6E8A-4147-A177-3AD203B41FA5}">
+                      <a16:colId xmlns:a16="http://schemas.microsoft.com/office/drawing/2014/main" val="2767946564"/>
+                    </a:ext>
+                  </a:extLst>
+                </a:gridCol>
+              </a:tblGrid>
+              <a:tr h="434839">
+                <a:tc>
+                  <a:txBody>
+                    <a:bodyPr/>
+                    <a:lstStyle/>
+                    <a:p>
+                      <a:r>
+                        <a:rPr lang="en-US" sz="2000" b="1" kern="1200" dirty="0">
+                          <a:solidFill>
+                            <a:schemeClr val="bg1"/>
+                          </a:solidFill>
+                          <a:effectLst/>
+                          <a:latin typeface="+mn-lt"/>
+                          <a:ea typeface="+mn-ea"/>
+                          <a:cs typeface="+mn-cs"/>
+                        </a:rPr>
+                        <a:t>! Takeaway:</a:t>
+                      </a:r>
+                      <a:endParaRPr lang="en-US" sz="2000" b="1" dirty="0">
+                        <a:solidFill>
+                          <a:schemeClr val="bg1"/>
+                        </a:solidFill>
+                      </a:endParaRPr>
+                    </a:p>
+                  </a:txBody>
+                  <a:tcPr>
+                    <a:lnL w="12700" cap="flat" cmpd="sng" algn="ctr">
+                      <a:solidFill>
+                        <a:schemeClr val="tx1"/>
+                      </a:solidFill>
+                      <a:prstDash val="solid"/>
+                      <a:round/>
+                      <a:headEnd type="none" w="med" len="med"/>
+                      <a:tailEnd type="none" w="med" len="med"/>
+                    </a:lnL>
+                    <a:lnR w="12700" cap="flat" cmpd="sng" algn="ctr">
+                      <a:solidFill>
+                        <a:schemeClr val="tx1"/>
+                      </a:solidFill>
+                      <a:prstDash val="solid"/>
+                      <a:round/>
+                      <a:headEnd type="none" w="med" len="med"/>
+                      <a:tailEnd type="none" w="med" len="med"/>
+                    </a:lnR>
+                    <a:lnT w="12700" cap="flat" cmpd="sng" algn="ctr">
+                      <a:solidFill>
+                        <a:schemeClr val="tx1"/>
+                      </a:solidFill>
+                      <a:prstDash val="solid"/>
+                      <a:round/>
+                      <a:headEnd type="none" w="med" len="med"/>
+                      <a:tailEnd type="none" w="med" len="med"/>
+                    </a:lnT>
+                    <a:lnB w="12700" cap="flat" cmpd="sng" algn="ctr">
+                      <a:solidFill>
+                        <a:schemeClr val="tx1"/>
+                      </a:solidFill>
+                      <a:prstDash val="solid"/>
+                      <a:round/>
+                      <a:headEnd type="none" w="med" len="med"/>
+                      <a:tailEnd type="none" w="med" len="med"/>
+                    </a:lnB>
+                    <a:solidFill>
+                      <a:srgbClr val="6AB0DE"/>
+                    </a:solidFill>
+                  </a:tcPr>
+                </a:tc>
+                <a:extLst>
+                  <a:ext uri="{0D108BD9-81ED-4DB2-BD59-A6C34878D82A}">
+                    <a16:rowId xmlns:a16="http://schemas.microsoft.com/office/drawing/2014/main" val="1904865605"/>
+                  </a:ext>
+                </a:extLst>
+              </a:tr>
+              <a:tr h="1215000">
+                <a:tc>
+                  <a:txBody>
+                    <a:bodyPr/>
+                    <a:lstStyle/>
+                    <a:p>
+                      <a:r>
+                        <a:rPr lang="en-US" b="1" dirty="0">
+                          <a:solidFill>
+                            <a:schemeClr val="tx1"/>
+                          </a:solidFill>
+                        </a:rPr>
+                        <a:t>The function in the parent class is overridden and will give a different output.</a:t>
+                      </a:r>
+                    </a:p>
+                  </a:txBody>
+                  <a:tcPr>
+                    <a:lnL w="12700" cap="flat" cmpd="sng" algn="ctr">
+                      <a:solidFill>
+                        <a:schemeClr val="tx1"/>
+                      </a:solidFill>
+                      <a:prstDash val="solid"/>
+                      <a:round/>
+                      <a:headEnd type="none" w="med" len="med"/>
+                      <a:tailEnd type="none" w="med" len="med"/>
+                    </a:lnL>
+                    <a:lnR w="12700" cap="flat" cmpd="sng" algn="ctr">
+                      <a:solidFill>
+                        <a:schemeClr val="tx1"/>
+                      </a:solidFill>
+                      <a:prstDash val="solid"/>
+                      <a:round/>
+                      <a:headEnd type="none" w="med" len="med"/>
+                      <a:tailEnd type="none" w="med" len="med"/>
+                    </a:lnR>
+                    <a:lnT w="12700" cap="flat" cmpd="sng" algn="ctr">
+                      <a:solidFill>
+                        <a:schemeClr val="tx1"/>
+                      </a:solidFill>
+                      <a:prstDash val="solid"/>
+                      <a:round/>
+                      <a:headEnd type="none" w="med" len="med"/>
+                      <a:tailEnd type="none" w="med" len="med"/>
+                    </a:lnT>
+                    <a:lnB w="12700" cap="flat" cmpd="sng" algn="ctr">
+                      <a:solidFill>
+                        <a:schemeClr val="tx1"/>
+                      </a:solidFill>
+                      <a:prstDash val="solid"/>
+                      <a:round/>
+                      <a:headEnd type="none" w="med" len="med"/>
+                      <a:tailEnd type="none" w="med" len="med"/>
+                    </a:lnB>
+                    <a:solidFill>
+                      <a:srgbClr val="E7F2FA"/>
+                    </a:solidFill>
+                  </a:tcPr>
+                </a:tc>
+                <a:extLst>
+                  <a:ext uri="{0D108BD9-81ED-4DB2-BD59-A6C34878D82A}">
+                    <a16:rowId xmlns:a16="http://schemas.microsoft.com/office/drawing/2014/main" val="1301655462"/>
+                  </a:ext>
+                </a:extLst>
+              </a:tr>
+            </a:tbl>
+          </a:graphicData>
+        </a:graphic>
+      </p:graphicFrame>
     </p:spTree>
     <p:extLst>
       <p:ext uri="{BB962C8B-B14F-4D97-AF65-F5344CB8AC3E}">
@@ -31742,6 +32451,163 @@
   <p:clrMapOvr>
     <a:masterClrMapping/>
   </p:clrMapOvr>
+  <p:timing>
+    <p:tnLst>
+      <p:par>
+        <p:cTn id="1" dur="indefinite" restart="never" nodeType="tmRoot">
+          <p:childTnLst>
+            <p:seq concurrent="1" nextAc="seek">
+              <p:cTn id="2" dur="indefinite" nodeType="mainSeq">
+                <p:childTnLst>
+                  <p:par>
+                    <p:cTn id="3" fill="hold">
+                      <p:stCondLst>
+                        <p:cond delay="indefinite"/>
+                      </p:stCondLst>
+                      <p:childTnLst>
+                        <p:par>
+                          <p:cTn id="4" fill="hold">
+                            <p:stCondLst>
+                              <p:cond delay="0"/>
+                            </p:stCondLst>
+                            <p:childTnLst>
+                              <p:par>
+                                <p:cTn id="5" presetID="10" presetClass="entr" presetSubtype="0" fill="hold" nodeType="clickEffect">
+                                  <p:stCondLst>
+                                    <p:cond delay="0"/>
+                                  </p:stCondLst>
+                                  <p:childTnLst>
+                                    <p:set>
+                                      <p:cBhvr>
+                                        <p:cTn id="6" dur="1" fill="hold">
+                                          <p:stCondLst>
+                                            <p:cond delay="0"/>
+                                          </p:stCondLst>
+                                        </p:cTn>
+                                        <p:tgtEl>
+                                          <p:spTgt spid="5"/>
+                                        </p:tgtEl>
+                                        <p:attrNameLst>
+                                          <p:attrName>style.visibility</p:attrName>
+                                        </p:attrNameLst>
+                                      </p:cBhvr>
+                                      <p:to>
+                                        <p:strVal val="visible"/>
+                                      </p:to>
+                                    </p:set>
+                                    <p:animEffect transition="in" filter="fade">
+                                      <p:cBhvr>
+                                        <p:cTn id="7" dur="500"/>
+                                        <p:tgtEl>
+                                          <p:spTgt spid="5"/>
+                                        </p:tgtEl>
+                                      </p:cBhvr>
+                                    </p:animEffect>
+                                  </p:childTnLst>
+                                </p:cTn>
+                              </p:par>
+                              <p:par>
+                                <p:cTn id="8" presetID="10" presetClass="entr" presetSubtype="0" fill="hold" grpId="0" nodeType="withEffect">
+                                  <p:stCondLst>
+                                    <p:cond delay="0"/>
+                                  </p:stCondLst>
+                                  <p:childTnLst>
+                                    <p:set>
+                                      <p:cBhvr>
+                                        <p:cTn id="9" dur="1" fill="hold">
+                                          <p:stCondLst>
+                                            <p:cond delay="0"/>
+                                          </p:stCondLst>
+                                        </p:cTn>
+                                        <p:tgtEl>
+                                          <p:spTgt spid="4"/>
+                                        </p:tgtEl>
+                                        <p:attrNameLst>
+                                          <p:attrName>style.visibility</p:attrName>
+                                        </p:attrNameLst>
+                                      </p:cBhvr>
+                                      <p:to>
+                                        <p:strVal val="visible"/>
+                                      </p:to>
+                                    </p:set>
+                                    <p:animEffect transition="in" filter="fade">
+                                      <p:cBhvr>
+                                        <p:cTn id="10" dur="500"/>
+                                        <p:tgtEl>
+                                          <p:spTgt spid="4"/>
+                                        </p:tgtEl>
+                                      </p:cBhvr>
+                                    </p:animEffect>
+                                  </p:childTnLst>
+                                </p:cTn>
+                              </p:par>
+                              <p:par>
+                                <p:cTn id="11" presetID="10" presetClass="entr" presetSubtype="0" fill="hold" grpId="0" nodeType="withEffect">
+                                  <p:stCondLst>
+                                    <p:cond delay="0"/>
+                                  </p:stCondLst>
+                                  <p:childTnLst>
+                                    <p:set>
+                                      <p:cBhvr>
+                                        <p:cTn id="12" dur="1" fill="hold">
+                                          <p:stCondLst>
+                                            <p:cond delay="0"/>
+                                          </p:stCondLst>
+                                        </p:cTn>
+                                        <p:tgtEl>
+                                          <p:spTgt spid="3"/>
+                                        </p:tgtEl>
+                                        <p:attrNameLst>
+                                          <p:attrName>style.visibility</p:attrName>
+                                        </p:attrNameLst>
+                                      </p:cBhvr>
+                                      <p:to>
+                                        <p:strVal val="visible"/>
+                                      </p:to>
+                                    </p:set>
+                                    <p:animEffect transition="in" filter="fade">
+                                      <p:cBhvr>
+                                        <p:cTn id="13" dur="500"/>
+                                        <p:tgtEl>
+                                          <p:spTgt spid="3"/>
+                                        </p:tgtEl>
+                                      </p:cBhvr>
+                                    </p:animEffect>
+                                  </p:childTnLst>
+                                </p:cTn>
+                              </p:par>
+                            </p:childTnLst>
+                          </p:cTn>
+                        </p:par>
+                      </p:childTnLst>
+                    </p:cTn>
+                  </p:par>
+                </p:childTnLst>
+              </p:cTn>
+              <p:prevCondLst>
+                <p:cond evt="onPrev" delay="0">
+                  <p:tgtEl>
+                    <p:sldTgt/>
+                  </p:tgtEl>
+                </p:cond>
+              </p:prevCondLst>
+              <p:nextCondLst>
+                <p:cond evt="onNext" delay="0">
+                  <p:tgtEl>
+                    <p:sldTgt/>
+                  </p:tgtEl>
+                </p:cond>
+              </p:nextCondLst>
+            </p:seq>
+          </p:childTnLst>
+        </p:cTn>
+      </p:par>
+    </p:tnLst>
+    <p:bldLst>
+      <p:bldP spid="3" grpId="0" animBg="1"/>
+      <p:bldP spid="4" grpId="0" animBg="1"/>
+    </p:bldLst>
+  </p:timing>
 </p:sld>
 </file>
 
@@ -31784,24 +32650,14 @@
           <a:lstStyle/>
           <a:p>
             <a:r>
-              <a:rPr lang="nl-BE" b="1" dirty="0" err="1"/>
-              <a:t>Repetition</a:t>
-            </a:r>
-            <a:r>
-              <a:rPr lang="nl-BE" b="1" dirty="0"/>
-              <a:t> of </a:t>
-            </a:r>
-            <a:r>
-              <a:rPr lang="nl-BE" b="1" dirty="0" err="1"/>
-              <a:t>this</a:t>
-            </a:r>
-            <a:r>
-              <a:rPr lang="nl-BE" b="1" dirty="0"/>
-              <a:t> </a:t>
-            </a:r>
-            <a:r>
-              <a:rPr lang="nl-BE" b="1" dirty="0" err="1"/>
-              <a:t>lesson</a:t>
+              <a:rPr lang="en-US" b="1" i="0" dirty="0">
+                <a:solidFill>
+                  <a:srgbClr val="404040"/>
+                </a:solidFill>
+                <a:effectLst/>
+                <a:latin typeface="Roboto Slab" pitchFamily="2" charset="0"/>
+              </a:rPr>
+              <a:t>Repetition of this lesson </a:t>
             </a:r>
             <a:endParaRPr lang="en-US" b="1" dirty="0"/>
           </a:p>
@@ -32195,7 +33051,13 @@
           <a:lstStyle/>
           <a:p>
             <a:r>
-              <a:rPr lang="nl-BE" b="1" dirty="0" err="1"/>
+              <a:rPr lang="en-US" b="1" i="0" dirty="0">
+                <a:solidFill>
+                  <a:srgbClr val="404040"/>
+                </a:solidFill>
+                <a:effectLst/>
+                <a:latin typeface="Roboto Slab" pitchFamily="2" charset="0"/>
+              </a:rPr>
               <a:t>Prerequisites</a:t>
             </a:r>
             <a:endParaRPr lang="en-US" b="1" dirty="0"/>
@@ -32460,20 +33322,14 @@
           <a:lstStyle/>
           <a:p>
             <a:r>
-              <a:rPr lang="nl-BE" b="1" dirty="0"/>
-              <a:t>Classes </a:t>
-            </a:r>
-            <a:r>
-              <a:rPr lang="nl-BE" b="1" dirty="0" err="1"/>
-              <a:t>and</a:t>
-            </a:r>
-            <a:r>
-              <a:rPr lang="nl-BE" b="1" dirty="0"/>
-              <a:t> </a:t>
-            </a:r>
-            <a:r>
-              <a:rPr lang="nl-BE" b="1" dirty="0" err="1"/>
-              <a:t>objects</a:t>
+              <a:rPr lang="en-US" b="1" i="0" dirty="0">
+                <a:solidFill>
+                  <a:srgbClr val="404040"/>
+                </a:solidFill>
+                <a:effectLst/>
+                <a:latin typeface="Roboto Slab" pitchFamily="2" charset="0"/>
+              </a:rPr>
+              <a:t>Classes and objects </a:t>
             </a:r>
             <a:endParaRPr lang="en-US" b="1" dirty="0"/>
           </a:p>
@@ -32711,7 +33567,7 @@
           </a:ln>
           <a:extLst>
             <a:ext uri="{C572A759-6A51-4108-AA02-DFA0A04FC94B}">
-              <ma14:wrappingTextBoxFlag xmlns="" xmlns:ma14="http://schemas.microsoft.com/office/mac/drawingml/2011/main" val="1"/>
+              <ma14:wrappingTextBoxFlag xmlns:ma14="http://schemas.microsoft.com/office/mac/drawingml/2011/main" xmlns="" val="1"/>
             </a:ext>
           </a:extLst>
         </p:spPr>
@@ -33216,24 +34072,14 @@
           <a:lstStyle/>
           <a:p>
             <a:r>
-              <a:rPr lang="nl-BE" b="1" dirty="0" err="1"/>
-              <a:t>Example</a:t>
-            </a:r>
-            <a:r>
-              <a:rPr lang="nl-BE" b="1" dirty="0"/>
-              <a:t> of classes </a:t>
-            </a:r>
-            <a:r>
-              <a:rPr lang="nl-BE" b="1" dirty="0" err="1"/>
-              <a:t>and</a:t>
-            </a:r>
-            <a:r>
-              <a:rPr lang="nl-BE" b="1" dirty="0"/>
-              <a:t> </a:t>
-            </a:r>
-            <a:r>
-              <a:rPr lang="nl-BE" b="1" dirty="0" err="1"/>
-              <a:t>objects</a:t>
+              <a:rPr lang="en-US" b="1" i="0" dirty="0">
+                <a:solidFill>
+                  <a:srgbClr val="404040"/>
+                </a:solidFill>
+                <a:effectLst/>
+                <a:latin typeface="Roboto Slab" pitchFamily="2" charset="0"/>
+              </a:rPr>
+              <a:t>Example of classes and objects </a:t>
             </a:r>
             <a:endParaRPr lang="en-US" b="1" dirty="0"/>
           </a:p>
@@ -33682,7 +34528,7 @@
           </a:ln>
           <a:extLst>
             <a:ext uri="{C572A759-6A51-4108-AA02-DFA0A04FC94B}">
-              <ma14:wrappingTextBoxFlag xmlns="" xmlns:ma14="http://schemas.microsoft.com/office/mac/drawingml/2011/main" val="1"/>
+              <ma14:wrappingTextBoxFlag xmlns:ma14="http://schemas.microsoft.com/office/mac/drawingml/2011/main" xmlns="" val="1"/>
             </a:ext>
           </a:extLst>
         </p:spPr>
@@ -34056,8 +34902,18 @@
           <a:lstStyle/>
           <a:p>
             <a:r>
-              <a:rPr lang="nl-BE" b="1"/>
-              <a:t>Goals of this lesson</a:t>
+              <a:rPr lang="en-US" b="1" i="0" dirty="0">
+                <a:solidFill>
+                  <a:srgbClr val="404040"/>
+                </a:solidFill>
+                <a:effectLst/>
+                <a:latin typeface="Roboto Slab" pitchFamily="2" charset="0"/>
+              </a:rPr>
+              <a:t>Goals of this lesson </a:t>
+            </a:r>
+            <a:r>
+              <a:rPr lang="nl-BE" b="1" dirty="0"/>
+              <a:t> </a:t>
             </a:r>
             <a:endParaRPr lang="en-US" b="1" dirty="0"/>
           </a:p>
@@ -34511,12 +35367,14 @@
           <a:lstStyle/>
           <a:p>
             <a:r>
-              <a:rPr lang="nl-BE" b="1" dirty="0"/>
-              <a:t>Content </a:t>
-            </a:r>
-            <a:r>
-              <a:rPr lang="nl-BE" b="1" dirty="0" err="1"/>
-              <a:t>table</a:t>
+              <a:rPr lang="en-US" b="1" i="0" dirty="0">
+                <a:solidFill>
+                  <a:srgbClr val="404040"/>
+                </a:solidFill>
+                <a:effectLst/>
+                <a:latin typeface="Roboto Slab" pitchFamily="2" charset="0"/>
+              </a:rPr>
+              <a:t>Content table </a:t>
             </a:r>
             <a:endParaRPr lang="en-US" b="1" dirty="0"/>
           </a:p>
@@ -34870,12 +35728,14 @@
           <a:lstStyle/>
           <a:p>
             <a:r>
-              <a:rPr lang="nl-BE" b="1" dirty="0"/>
-              <a:t>Content </a:t>
-            </a:r>
-            <a:r>
-              <a:rPr lang="nl-BE" b="1" dirty="0" err="1"/>
-              <a:t>table</a:t>
+              <a:rPr lang="en-US" b="1" i="0" dirty="0">
+                <a:solidFill>
+                  <a:srgbClr val="404040"/>
+                </a:solidFill>
+                <a:effectLst/>
+                <a:latin typeface="Roboto Slab" pitchFamily="2" charset="0"/>
+              </a:rPr>
+              <a:t>Content table </a:t>
             </a:r>
             <a:endParaRPr lang="en-US" b="1" dirty="0"/>
           </a:p>
@@ -35356,72 +36216,20 @@
           </a:xfrm>
         </p:spPr>
         <p:txBody>
-          <a:bodyPr/>
+          <a:bodyPr>
+            <a:normAutofit/>
+          </a:bodyPr>
           <a:lstStyle/>
           <a:p>
             <a:r>
-              <a:rPr lang="nl-BE" b="1" dirty="0" err="1"/>
-              <a:t>What</a:t>
-            </a:r>
-            <a:r>
-              <a:rPr lang="nl-BE" b="1" dirty="0"/>
-              <a:t> </a:t>
-            </a:r>
-            <a:r>
-              <a:rPr lang="nl-BE" b="1" dirty="0" err="1"/>
-              <a:t>comes</a:t>
-            </a:r>
-            <a:r>
-              <a:rPr lang="nl-BE" b="1" dirty="0"/>
-              <a:t> </a:t>
-            </a:r>
-            <a:r>
-              <a:rPr lang="nl-BE" b="1" dirty="0" err="1"/>
-              <a:t>to</a:t>
-            </a:r>
-            <a:r>
-              <a:rPr lang="nl-BE" b="1" dirty="0"/>
-              <a:t> mind </a:t>
-            </a:r>
-            <a:r>
-              <a:rPr lang="nl-BE" b="1" dirty="0" err="1"/>
-              <a:t>when</a:t>
-            </a:r>
-            <a:r>
-              <a:rPr lang="nl-BE" b="1" dirty="0"/>
-              <a:t> </a:t>
-            </a:r>
-            <a:r>
-              <a:rPr lang="nl-BE" b="1" dirty="0" err="1"/>
-              <a:t>you</a:t>
-            </a:r>
-            <a:r>
-              <a:rPr lang="nl-BE" b="1" dirty="0"/>
-              <a:t> </a:t>
-            </a:r>
-            <a:r>
-              <a:rPr lang="nl-BE" b="1" dirty="0" err="1"/>
-              <a:t>think</a:t>
-            </a:r>
-            <a:r>
-              <a:rPr lang="nl-BE" b="1" dirty="0"/>
-              <a:t> </a:t>
-            </a:r>
-            <a:r>
-              <a:rPr lang="nl-BE" b="1" dirty="0" err="1"/>
-              <a:t>about</a:t>
-            </a:r>
-            <a:r>
-              <a:rPr lang="nl-BE" b="1" dirty="0"/>
-              <a:t> </a:t>
-            </a:r>
-            <a:r>
-              <a:rPr lang="nl-BE" b="1" dirty="0" err="1"/>
-              <a:t>inheritance</a:t>
-            </a:r>
-            <a:r>
-              <a:rPr lang="nl-BE" b="1" dirty="0"/>
-              <a:t>?</a:t>
+              <a:rPr lang="en-US" b="1" i="0" dirty="0">
+                <a:solidFill>
+                  <a:srgbClr val="404040"/>
+                </a:solidFill>
+                <a:effectLst/>
+                <a:latin typeface="Roboto Slab" pitchFamily="2" charset="0"/>
+              </a:rPr>
+              <a:t>What comes to mind when you think about inheritance? </a:t>
             </a:r>
             <a:endParaRPr lang="en-US" b="1" dirty="0"/>
           </a:p>
@@ -36078,6 +36886,15 @@
 </file>
 
 <file path=customXml/item1.xml><?xml version="1.0" encoding="utf-8"?>
+<?mso-contentType ?>
+<FormTemplates xmlns="http://schemas.microsoft.com/sharepoint/v3/contenttype/forms">
+  <Display>DocumentLibraryForm</Display>
+  <Edit>DocumentLibraryForm</Edit>
+  <New>DocumentLibraryForm</New>
+</FormTemplates>
+</file>
+
+<file path=customXml/item2.xml><?xml version="1.0" encoding="utf-8"?>
 <ct:contentTypeSchema xmlns:ct="http://schemas.microsoft.com/office/2006/metadata/contentType" xmlns:ma="http://schemas.microsoft.com/office/2006/metadata/properties/metaAttributes" ct:_="" ma:_="" ma:contentTypeName="Document" ma:contentTypeID="0x010100F1325F46957A7D4694A8ACC888AA2621" ma:contentTypeVersion="7" ma:contentTypeDescription="Een nieuw document maken." ma:contentTypeScope="" ma:versionID="14c5700b56297cf9c66eff42b9f64bd4">
   <xsd:schema xmlns:xsd="http://www.w3.org/2001/XMLSchema" xmlns:xs="http://www.w3.org/2001/XMLSchema" xmlns:p="http://schemas.microsoft.com/office/2006/metadata/properties" xmlns:ns2="9b614674-bb2d-4c45-94ea-39f42762d3ae" targetNamespace="http://schemas.microsoft.com/office/2006/metadata/properties" ma:root="true" ma:fieldsID="4e421ba7028bb8b9c0acf45abfb7d816" ns2:_="">
     <xsd:import namespace="9b614674-bb2d-4c45-94ea-39f42762d3ae"/>
@@ -36237,15 +37054,6 @@
 </ct:contentTypeSchema>
 </file>
 
-<file path=customXml/item2.xml><?xml version="1.0" encoding="utf-8"?>
-<?mso-contentType ?>
-<FormTemplates xmlns="http://schemas.microsoft.com/sharepoint/v3/contenttype/forms">
-  <Display>DocumentLibraryForm</Display>
-  <Edit>DocumentLibraryForm</Edit>
-  <New>DocumentLibraryForm</New>
-</FormTemplates>
-</file>
-
 <file path=customXml/item3.xml><?xml version="1.0" encoding="utf-8"?>
 <p:properties xmlns:p="http://schemas.microsoft.com/office/2006/metadata/properties" xmlns:xsi="http://www.w3.org/2001/XMLSchema-instance" xmlns:pc="http://schemas.microsoft.com/office/infopath/2007/PartnerControls">
   <documentManagement>
@@ -36257,6 +37065,14 @@
 </file>
 
 <file path=customXml/itemProps1.xml><?xml version="1.0" encoding="utf-8"?>
+<ds:datastoreItem xmlns:ds="http://schemas.openxmlformats.org/officeDocument/2006/customXml" ds:itemID="{126BFA21-774C-45F5-BE3E-541B29302740}">
+  <ds:schemaRefs>
+    <ds:schemaRef ds:uri="http://schemas.microsoft.com/sharepoint/v3/contenttype/forms"/>
+  </ds:schemaRefs>
+</ds:datastoreItem>
+</file>
+
+<file path=customXml/itemProps2.xml><?xml version="1.0" encoding="utf-8"?>
 <ds:datastoreItem xmlns:ds="http://schemas.openxmlformats.org/officeDocument/2006/customXml" ds:itemID="{CDDBE3B0-F9E2-412D-9C85-6D1F6264D44A}">
   <ds:schemaRefs>
     <ds:schemaRef ds:uri="http://schemas.microsoft.com/office/2006/metadata/contentType"/>
@@ -36274,14 +37090,6 @@
 </ds:datastoreItem>
 </file>
 
-<file path=customXml/itemProps2.xml><?xml version="1.0" encoding="utf-8"?>
-<ds:datastoreItem xmlns:ds="http://schemas.openxmlformats.org/officeDocument/2006/customXml" ds:itemID="{126BFA21-774C-45F5-BE3E-541B29302740}">
-  <ds:schemaRefs>
-    <ds:schemaRef ds:uri="http://schemas.microsoft.com/sharepoint/v3/contenttype/forms"/>
-  </ds:schemaRefs>
-</ds:datastoreItem>
-</file>
-
 <file path=customXml/itemProps3.xml><?xml version="1.0" encoding="utf-8"?>
 <ds:datastoreItem xmlns:ds="http://schemas.openxmlformats.org/officeDocument/2006/customXml" ds:itemID="{4B4D6183-A0C2-41B9-BD62-0CD29AC5B1EF}">
   <ds:schemaRefs>

--- a/02-inheritance_overriding/programming2_inheritance_overriding.pptx
+++ b/02-inheritance_overriding/programming2_inheritance_overriding.pptx
@@ -140,6 +140,12 @@
     </p:ext>
   </p:extLst>
 </p:presentation>
+</file>
+
+<file path=ppt/authors.xml><?xml version="1.0" encoding="utf-8"?>
+<p188:authorLst xmlns:a="http://schemas.openxmlformats.org/drawingml/2006/main" xmlns:r="http://schemas.openxmlformats.org/officeDocument/2006/relationships" xmlns:p188="http://schemas.microsoft.com/office/powerpoint/2018/8/main">
+  <p188:author id="{C03C7B94-458C-7EBE-813B-4A722EE99B92}" name="Frédéric Vogels" initials="FV" userId="32dc27131c13f3d4" providerId="Windows Live"/>
+</p188:authorLst>
 </file>
 
 <file path=ppt/revisionInfo.xml><?xml version="1.0" encoding="utf-8"?>
@@ -625,6 +631,463 @@
 </pc:chgInfo>
 </file>
 
+<file path=ppt/comments/modernComment_10B_E47407F6.xml><?xml version="1.0" encoding="utf-8"?>
+<p188:cmLst xmlns:a="http://schemas.openxmlformats.org/drawingml/2006/main" xmlns:r="http://schemas.openxmlformats.org/officeDocument/2006/relationships" xmlns:p188="http://schemas.microsoft.com/office/powerpoint/2018/8/main">
+  <p188:cm id="{442B8EB3-839D-4D72-9E8F-0DEE0B755A96}" authorId="{C03C7B94-458C-7EBE-813B-4A722EE99B92}" created="2023-02-01T09:27:06.035">
+    <ac:txMkLst xmlns:ac="http://schemas.microsoft.com/office/drawing/2013/main/command">
+      <pc:docMk xmlns:pc="http://schemas.microsoft.com/office/powerpoint/2013/main/command"/>
+      <pc:sldMk xmlns:pc="http://schemas.microsoft.com/office/powerpoint/2013/main/command" cId="3832809462" sldId="267"/>
+      <ac:spMk id="4" creationId="{C6C786D7-1363-4341-8B82-77377E228E11}"/>
+      <ac:txMk cp="39" len="24">
+        <ac:context len="259" hash="2622208298"/>
+      </ac:txMk>
+    </ac:txMkLst>
+    <p188:pos x="3226126" y="987198"/>
+    <p188:txBody>
+      <a:bodyPr/>
+      <a:lstStyle/>
+      <a:p>
+        <a:r>
+          <a:rPr lang="en-US"/>
+          <a:t>Very confusing, unclear as to what 'this' refers to: to the current line (statement), current method, current object, etc. If you want to point something and call it a class, point at Names directly</a:t>
+        </a:r>
+      </a:p>
+    </p188:txBody>
+  </p188:cm>
+  <p188:cm id="{C54CD9B6-A3D8-492E-9D49-A889F51110D7}" authorId="{C03C7B94-458C-7EBE-813B-4A722EE99B92}" created="2023-02-01T09:28:05.780">
+    <ac:txMkLst xmlns:ac="http://schemas.microsoft.com/office/drawing/2013/main/command">
+      <pc:docMk xmlns:pc="http://schemas.microsoft.com/office/powerpoint/2013/main/command"/>
+      <pc:sldMk xmlns:pc="http://schemas.microsoft.com/office/powerpoint/2013/main/command" cId="3832809462" sldId="267"/>
+      <ac:spMk id="4" creationId="{C6C786D7-1363-4341-8B82-77377E228E11}"/>
+      <ac:txMk cp="87" len="3">
+        <ac:context len="259" hash="2622208298"/>
+      </ac:txMk>
+    </ac:txMkLst>
+    <p188:pos x="894406" y="1548901"/>
+    <p188:txBody>
+      <a:bodyPr/>
+      <a:lstStyle/>
+      <a:p>
+        <a:r>
+          <a:rPr lang="en-US"/>
+          <a:t>Confusing. Why reuse the name 'add'?</a:t>
+        </a:r>
+      </a:p>
+    </p188:txBody>
+  </p188:cm>
+  <p188:cm id="{C529C41B-AED1-4F91-BB3E-4B29290A35AA}" authorId="{C03C7B94-458C-7EBE-813B-4A722EE99B92}" created="2023-02-01T09:29:15.532">
+    <ac:txMkLst xmlns:ac="http://schemas.microsoft.com/office/drawing/2013/main/command">
+      <pc:docMk xmlns:pc="http://schemas.microsoft.com/office/powerpoint/2013/main/command"/>
+      <pc:sldMk xmlns:pc="http://schemas.microsoft.com/office/powerpoint/2013/main/command" cId="3832809462" sldId="267"/>
+      <ac:spMk id="4" creationId="{C6C786D7-1363-4341-8B82-77377E228E11}"/>
+      <ac:txMk cp="6" len="5">
+        <ac:context len="259" hash="2622208298"/>
+      </ac:txMk>
+    </ac:txMkLst>
+    <p188:pos x="1338543" y="203426"/>
+    <p188:txBody>
+      <a:bodyPr/>
+      <a:lstStyle/>
+      <a:p>
+        <a:r>
+          <a:rPr lang="en-US"/>
+          <a:t>Strange name for a class that does nothing related to "Names".</a:t>
+        </a:r>
+      </a:p>
+    </p188:txBody>
+  </p188:cm>
+  <p188:cm id="{A8DB9E5D-C6A8-446A-BE6E-BF885FD98BEB}" authorId="{C03C7B94-458C-7EBE-813B-4A722EE99B92}" created="2023-02-01T09:29:27.369">
+    <ac:txMkLst xmlns:ac="http://schemas.microsoft.com/office/drawing/2013/main/command">
+      <pc:docMk xmlns:pc="http://schemas.microsoft.com/office/powerpoint/2013/main/command"/>
+      <pc:sldMk xmlns:pc="http://schemas.microsoft.com/office/powerpoint/2013/main/command" cId="3832809462" sldId="267"/>
+      <ac:spMk id="4" creationId="{C6C786D7-1363-4341-8B82-77377E228E11}"/>
+      <ac:txMk cp="107" len="11">
+        <ac:context len="259" hash="2622208298"/>
+      </ac:txMk>
+    </ac:txMkLst>
+    <p188:pos x="1593269" y="1770969"/>
+    <p188:txBody>
+      <a:bodyPr/>
+      <a:lstStyle/>
+      <a:p>
+        <a:r>
+          <a:rPr lang="en-US"/>
+          <a:t>Indentation is wrong</a:t>
+        </a:r>
+      </a:p>
+    </p188:txBody>
+  </p188:cm>
+  <p188:cm id="{C133D6DF-1C67-4005-AC58-A6CEFF37D3FD}" authorId="{C03C7B94-458C-7EBE-813B-4A722EE99B92}" created="2023-02-01T09:30:51.513">
+    <ac:txMkLst xmlns:ac="http://schemas.microsoft.com/office/drawing/2013/main/command">
+      <pc:docMk xmlns:pc="http://schemas.microsoft.com/office/powerpoint/2013/main/command"/>
+      <pc:sldMk xmlns:pc="http://schemas.microsoft.com/office/powerpoint/2013/main/command" cId="3832809462" sldId="267"/>
+      <ac:spMk id="4" creationId="{C6C786D7-1363-4341-8B82-77377E228E11}"/>
+      <ac:txMk cp="120" len="13">
+        <ac:context len="259" hash="2622208298"/>
+      </ac:txMk>
+    </ac:txMkLst>
+    <p188:pos x="1671646" y="2208575"/>
+    <p188:txBody>
+      <a:bodyPr/>
+      <a:lstStyle/>
+      <a:p>
+        <a:r>
+          <a:rPr lang="en-US"/>
+          <a:t>Don’t use the term 'class method' here, that's something entirely different</a:t>
+        </a:r>
+      </a:p>
+    </p188:txBody>
+  </p188:cm>
+  <p188:cm id="{C7088ED4-C42E-4621-BE18-52FF205F94A0}" authorId="{C03C7B94-458C-7EBE-813B-4A722EE99B92}" created="2023-02-01T09:32:21.079">
+    <ac:txMkLst xmlns:ac="http://schemas.microsoft.com/office/drawing/2013/main/command">
+      <pc:docMk xmlns:pc="http://schemas.microsoft.com/office/powerpoint/2013/main/command"/>
+      <pc:sldMk xmlns:pc="http://schemas.microsoft.com/office/powerpoint/2013/main/command" cId="3832809462" sldId="267"/>
+      <ac:spMk id="4" creationId="{C6C786D7-1363-4341-8B82-77377E228E11}"/>
+      <ac:txMk cp="162" len="6">
+        <ac:context len="259" hash="2622208298"/>
+      </ac:txMk>
+    </ac:txMkLst>
+    <p188:pos x="783372" y="2430643"/>
+    <p188:txBody>
+      <a:bodyPr/>
+      <a:lstStyle/>
+      <a:p>
+        <a:r>
+          <a:rPr lang="en-US"/>
+          <a:t>Not a great name, 'object' already exists in python and refers to a class. It's like naming a variable 'Object' in java, it's confusing.</a:t>
+        </a:r>
+      </a:p>
+    </p188:txBody>
+  </p188:cm>
+</p188:cmLst>
+</file>
+
+<file path=ppt/comments/modernComment_10D_C809D7C5.xml><?xml version="1.0" encoding="utf-8"?>
+<p188:cmLst xmlns:a="http://schemas.openxmlformats.org/drawingml/2006/main" xmlns:r="http://schemas.openxmlformats.org/officeDocument/2006/relationships" xmlns:p188="http://schemas.microsoft.com/office/powerpoint/2018/8/main">
+  <p188:cm id="{000D7FA0-6D6E-4B87-A030-5B6FC82BC5E5}" authorId="{C03C7B94-458C-7EBE-813B-4A722EE99B92}" created="2023-02-01T13:03:33.833">
+    <ac:txMkLst xmlns:ac="http://schemas.microsoft.com/office/drawing/2013/main/command">
+      <pc:docMk xmlns:pc="http://schemas.microsoft.com/office/powerpoint/2013/main/command"/>
+      <pc:sldMk xmlns:pc="http://schemas.microsoft.com/office/powerpoint/2013/main/command" cId="3356088261" sldId="269"/>
+      <ac:spMk id="3" creationId="{3FF93CCA-E9DD-47C9-8EE0-1190EA64BA3D}"/>
+      <ac:txMk cp="67" len="9">
+        <ac:context len="130" hash="3187443657"/>
+      </ac:txMk>
+    </ac:txMkLst>
+    <p188:pos x="1650274" y="1607683"/>
+    <p188:txBody>
+      <a:bodyPr/>
+      <a:lstStyle/>
+      <a:p>
+        <a:r>
+          <a:rPr lang="en-US"/>
+          <a:t>Exercise, not excercise</a:t>
+        </a:r>
+      </a:p>
+    </p188:txBody>
+  </p188:cm>
+</p188:cmLst>
+</file>
+
+<file path=ppt/comments/modernComment_10E_8EA749EE.xml><?xml version="1.0" encoding="utf-8"?>
+<p188:cmLst xmlns:a="http://schemas.openxmlformats.org/drawingml/2006/main" xmlns:r="http://schemas.openxmlformats.org/officeDocument/2006/relationships" xmlns:p188="http://schemas.microsoft.com/office/powerpoint/2018/8/main">
+  <p188:cm id="{2BAAE4FB-FAE0-485D-BA94-3D9D9A0EFD0D}" authorId="{C03C7B94-458C-7EBE-813B-4A722EE99B92}" created="2023-02-01T13:03:18.374">
+    <pc:sldMkLst xmlns:pc="http://schemas.microsoft.com/office/powerpoint/2013/main/command">
+      <pc:docMk/>
+      <pc:sldMk cId="2393328110" sldId="270"/>
+    </pc:sldMkLst>
+    <p188:txBody>
+      <a:bodyPr/>
+      <a:lstStyle/>
+      <a:p>
+        <a:r>
+          <a:rPr lang="en-US"/>
+          <a:t>It three bullet points will be discussed at once, there shouldn't be three separate bullet points to begin with
+Reorganize so that every section corresponds to one bullet point</a:t>
+        </a:r>
+      </a:p>
+    </p188:txBody>
+  </p188:cm>
+</p188:cmLst>
+</file>
+
+<file path=ppt/comments/modernComment_112_857B7237.xml><?xml version="1.0" encoding="utf-8"?>
+<p188:cmLst xmlns:a="http://schemas.openxmlformats.org/drawingml/2006/main" xmlns:r="http://schemas.openxmlformats.org/officeDocument/2006/relationships" xmlns:p188="http://schemas.microsoft.com/office/powerpoint/2018/8/main">
+  <p188:cm id="{1EF8ECAE-A312-4232-BD08-1E49517D22B7}" authorId="{C03C7B94-458C-7EBE-813B-4A722EE99B92}" created="2023-02-01T13:00:53.144">
+    <ac:txMkLst xmlns:ac="http://schemas.microsoft.com/office/drawing/2013/main/command">
+      <pc:docMk xmlns:pc="http://schemas.microsoft.com/office/powerpoint/2013/main/command"/>
+      <pc:sldMk xmlns:pc="http://schemas.microsoft.com/office/powerpoint/2013/main/command" cId="2239459895" sldId="274"/>
+      <ac:spMk id="2" creationId="{30AF865A-8181-4DAA-A1EF-5D642527395C}"/>
+      <ac:txMk cp="0" len="52">
+        <ac:context len="53" hash="756762548"/>
+      </ac:txMk>
+    </ac:txMkLst>
+    <p188:pos x="9749246" y="218645"/>
+    <p188:txBody>
+      <a:bodyPr/>
+      <a:lstStyle/>
+      <a:p>
+        <a:r>
+          <a:rPr lang="en-US"/>
+          <a:t>Ignore meddling opleidingshoofden and dump this slide
+It makes no sense at all</a:t>
+        </a:r>
+      </a:p>
+    </p188:txBody>
+  </p188:cm>
+</p188:cmLst>
+</file>
+
+<file path=ppt/comments/modernComment_114_6AF2ADC8.xml><?xml version="1.0" encoding="utf-8"?>
+<p188:cmLst xmlns:a="http://schemas.openxmlformats.org/drawingml/2006/main" xmlns:r="http://schemas.openxmlformats.org/officeDocument/2006/relationships" xmlns:p188="http://schemas.microsoft.com/office/powerpoint/2018/8/main">
+  <p188:cm id="{AE60B224-BE01-40F0-AA1B-923F189F777E}" authorId="{C03C7B94-458C-7EBE-813B-4A722EE99B92}" created="2023-02-01T13:01:45.355">
+    <ac:deMkLst xmlns:ac="http://schemas.microsoft.com/office/drawing/2013/main/command">
+      <pc:docMk xmlns:pc="http://schemas.microsoft.com/office/powerpoint/2013/main/command"/>
+      <pc:sldMk xmlns:pc="http://schemas.microsoft.com/office/powerpoint/2013/main/command" cId="1794289096" sldId="276"/>
+      <ac:picMk id="7" creationId="{0E6C823A-0638-43DC-945F-84FC89B7EC15}"/>
+    </ac:deMkLst>
+    <p188:txBody>
+      <a:bodyPr/>
+      <a:lstStyle/>
+      <a:p>
+        <a:r>
+          <a:rPr lang="en-US"/>
+          <a:t>Slightly unfortunate that the arrows do not follow the uml standards</a:t>
+        </a:r>
+      </a:p>
+    </p188:txBody>
+  </p188:cm>
+</p188:cmLst>
+</file>
+
+<file path=ppt/comments/modernComment_115_1214F257.xml><?xml version="1.0" encoding="utf-8"?>
+<p188:cmLst xmlns:a="http://schemas.openxmlformats.org/drawingml/2006/main" xmlns:r="http://schemas.openxmlformats.org/officeDocument/2006/relationships" xmlns:p188="http://schemas.microsoft.com/office/powerpoint/2018/8/main">
+  <p188:cm id="{951A442C-1A5C-4F5A-B861-C0E34F58BD07}" authorId="{C03C7B94-458C-7EBE-813B-4A722EE99B92}" created="2023-02-01T13:05:03.062">
+    <ac:txMkLst xmlns:ac="http://schemas.microsoft.com/office/drawing/2013/main/command">
+      <pc:docMk xmlns:pc="http://schemas.microsoft.com/office/powerpoint/2013/main/command"/>
+      <pc:sldMk xmlns:pc="http://schemas.microsoft.com/office/powerpoint/2013/main/command" cId="303362647" sldId="277"/>
+      <ac:spMk id="7" creationId="{644006D2-1481-4220-B9D3-5CA7D07466EB}"/>
+      <ac:txMk cp="134" len="16">
+        <ac:context len="317" hash="3370418868"/>
+      </ac:txMk>
+    </ac:txMkLst>
+    <p188:pos x="2277291" y="1990727"/>
+    <p188:txBody>
+      <a:bodyPr/>
+      <a:lstStyle/>
+      <a:p>
+        <a:r>
+          <a:rPr lang="en-US"/>
+          <a:t>follow PEP8
+should be print_information</a:t>
+        </a:r>
+      </a:p>
+    </p188:txBody>
+  </p188:cm>
+  <p188:cm id="{191F4774-33DA-4F15-8029-CD0BFA39FA2D}" authorId="{C03C7B94-458C-7EBE-813B-4A722EE99B92}" created="2023-02-01T13:07:50.140">
+    <ac:txMkLst xmlns:ac="http://schemas.microsoft.com/office/drawing/2013/main/command">
+      <pc:docMk xmlns:pc="http://schemas.microsoft.com/office/powerpoint/2013/main/command"/>
+      <pc:sldMk xmlns:pc="http://schemas.microsoft.com/office/powerpoint/2013/main/command" cId="303362647" sldId="277"/>
+      <ac:spMk id="2" creationId="{30AF865A-8181-4DAA-A1EF-5D642527395C}"/>
+      <ac:txMk cp="0" len="11">
+        <ac:context len="12" hash="2148212672"/>
+      </ac:txMk>
+    </ac:txMkLst>
+    <p188:pos x="3048000" y="516618"/>
+    <p188:txBody>
+      <a:bodyPr/>
+      <a:lstStyle/>
+      <a:p>
+        <a:r>
+          <a:rPr lang="en-US"/>
+          <a:t>This is indeed a bad example, as the classes have *everything* in common
+There simply is no need here to have separate classes for the different animals
+Dump the printInformation method, it's useless
+Replace it by animal-specific functionality
+All animals have to be fed (shared functionality that should be factored out to a superclass), cows can be milked, sheep can be shaved, etc.</a:t>
+        </a:r>
+      </a:p>
+    </p188:txBody>
+  </p188:cm>
+</p188:cmLst>
+</file>
+
+<file path=ppt/comments/modernComment_11A_BA969C4A.xml><?xml version="1.0" encoding="utf-8"?>
+<p188:cmLst xmlns:a="http://schemas.openxmlformats.org/drawingml/2006/main" xmlns:r="http://schemas.openxmlformats.org/officeDocument/2006/relationships" xmlns:p188="http://schemas.microsoft.com/office/powerpoint/2018/8/main">
+  <p188:cm id="{FA6DAB76-1513-42D4-97E6-1173CF4BD28A}" authorId="{C03C7B94-458C-7EBE-813B-4A722EE99B92}" created="2023-02-01T13:09:48.721">
+    <ac:txMkLst xmlns:ac="http://schemas.microsoft.com/office/drawing/2013/main/command">
+      <pc:docMk xmlns:pc="http://schemas.microsoft.com/office/powerpoint/2013/main/command"/>
+      <pc:sldMk xmlns:pc="http://schemas.microsoft.com/office/powerpoint/2013/main/command" cId="3130432586" sldId="282"/>
+      <ac:spMk id="6" creationId="{E9712E0A-F845-4FDC-9545-35166028D1F9}"/>
+      <ac:txMk cp="371" len="12">
+        <ac:context len="544" hash="3072518342"/>
+      </ac:txMk>
+    </ac:txMkLst>
+    <p188:pos x="2477589" y="2630942"/>
+    <p188:txBody>
+      <a:bodyPr/>
+      <a:lstStyle/>
+      <a:p>
+        <a:r>
+          <a:rPr lang="en-US"/>
+          <a:t>This does not apply to python at all
+Remove this</a:t>
+        </a:r>
+      </a:p>
+    </p188:txBody>
+  </p188:cm>
+</p188:cmLst>
+</file>
+
+<file path=ppt/comments/modernComment_122_5F80DACF.xml><?xml version="1.0" encoding="utf-8"?>
+<p188:cmLst xmlns:a="http://schemas.openxmlformats.org/drawingml/2006/main" xmlns:r="http://schemas.openxmlformats.org/officeDocument/2006/relationships" xmlns:p188="http://schemas.microsoft.com/office/powerpoint/2018/8/main">
+  <p188:cm id="{F0320497-5B4C-468A-B2F4-CAD0E5AD9A7F}" authorId="{C03C7B94-458C-7EBE-813B-4A722EE99B92}" created="2023-02-01T13:21:23.140">
+    <ac:txMkLst xmlns:ac="http://schemas.microsoft.com/office/drawing/2013/main/command">
+      <pc:docMk xmlns:pc="http://schemas.microsoft.com/office/powerpoint/2013/main/command"/>
+      <pc:sldMk xmlns:pc="http://schemas.microsoft.com/office/powerpoint/2013/main/command" cId="1602280143" sldId="290"/>
+      <ac:spMk id="2" creationId="{30AF865A-8181-4DAA-A1EF-5D642527395C}"/>
+      <ac:txMk cp="0" len="7">
+        <ac:context len="24" hash="29971213"/>
+      </ac:txMk>
+    </ac:txMkLst>
+    <p188:pos x="1970314" y="516618"/>
+    <p188:txBody>
+      <a:bodyPr/>
+      <a:lstStyle/>
+      <a:p>
+        <a:r>
+          <a:rPr lang="en-US"/>
+          <a:t>Better example needed
+An example should be intuitive and natural. Here, it makes no sense to say that a printInformation is different for dogs.
+A typical example would be a Shape hierarchy, with area() being defined differently for different shapes.
+This example relies on preexisting knowledge (they're taught about computing area when they're 10), so the only new information would be how to model it in python.</a:t>
+        </a:r>
+      </a:p>
+    </p188:txBody>
+  </p188:cm>
+</p188:cmLst>
+</file>
+
+<file path=ppt/comments/modernComment_124_5F760161.xml><?xml version="1.0" encoding="utf-8"?>
+<p188:cmLst xmlns:a="http://schemas.openxmlformats.org/drawingml/2006/main" xmlns:r="http://schemas.openxmlformats.org/officeDocument/2006/relationships" xmlns:p188="http://schemas.microsoft.com/office/powerpoint/2018/8/main">
+  <p188:cm id="{124A6BD3-EB34-4CEF-AF10-0279FED77F28}" authorId="{C03C7B94-458C-7EBE-813B-4A722EE99B92}" created="2023-02-01T09:50:01.949">
+    <ac:txMkLst xmlns:ac="http://schemas.microsoft.com/office/drawing/2013/main/command">
+      <pc:docMk xmlns:pc="http://schemas.microsoft.com/office/powerpoint/2013/main/command"/>
+      <pc:sldMk xmlns:pc="http://schemas.microsoft.com/office/powerpoint/2013/main/command" cId="1601569121" sldId="292"/>
+      <ac:spMk id="3" creationId="{3FF93CCA-E9DD-47C9-8EE0-1190EA64BA3D}"/>
+      <ac:txMk cp="23" len="9">
+        <ac:context len="216" hash="276386286"/>
+      </ac:txMk>
+    </ac:txMkLst>
+    <p188:pos x="5334000" y="203426"/>
+    <p188:txBody>
+      <a:bodyPr/>
+      <a:lstStyle/>
+      <a:p>
+        <a:r>
+          <a:rPr lang="en-US"/>
+          <a:t>Implement -&gt; use</a:t>
+        </a:r>
+      </a:p>
+    </p188:txBody>
+  </p188:cm>
+  <p188:cm id="{C72A5E0F-073B-4616-81B2-AF28AA2AB92C}" authorId="{C03C7B94-458C-7EBE-813B-4A722EE99B92}" created="2023-02-01T09:52:54.018">
+    <ac:txMkLst xmlns:ac="http://schemas.microsoft.com/office/drawing/2013/main/command">
+      <pc:docMk xmlns:pc="http://schemas.microsoft.com/office/powerpoint/2013/main/command"/>
+      <pc:sldMk xmlns:pc="http://schemas.microsoft.com/office/powerpoint/2013/main/command" cId="1601569121" sldId="292"/>
+      <ac:spMk id="3" creationId="{3FF93CCA-E9DD-47C9-8EE0-1190EA64BA3D}"/>
+      <ac:txMk cp="127" len="30">
+        <ac:context len="216" hash="276386286"/>
+      </ac:txMk>
+    </ac:txMkLst>
+    <p188:pos x="9017726" y="1098232"/>
+    <p188:txBody>
+      <a:bodyPr/>
+      <a:lstStyle/>
+      <a:p>
+        <a:r>
+          <a:rPr lang="en-US"/>
+          <a:t>There is only one type of inheritance which can be applied in different ways
+It's like saying there are different kinds of lists: empty lists, lists with one element, lists with two or more elements, and lists containing lists. It's a useless distinction to make.</a:t>
+        </a:r>
+      </a:p>
+    </p188:txBody>
+  </p188:cm>
+  <p188:cm id="{E1E57945-7136-4128-8F6D-F2E46701FF3C}" authorId="{C03C7B94-458C-7EBE-813B-4A722EE99B92}" created="2023-02-01T09:55:43.365">
+    <ac:txMkLst xmlns:ac="http://schemas.microsoft.com/office/drawing/2013/main/command">
+      <pc:docMk xmlns:pc="http://schemas.microsoft.com/office/powerpoint/2013/main/command"/>
+      <pc:sldMk xmlns:pc="http://schemas.microsoft.com/office/powerpoint/2013/main/command" cId="1601569121" sldId="292"/>
+      <ac:spMk id="3" creationId="{3FF93CCA-E9DD-47C9-8EE0-1190EA64BA3D}"/>
+      <ac:txMk cp="159" len="54">
+        <ac:context len="216" hash="276386286"/>
+      </ac:txMk>
+    </ac:txMkLst>
+    <p188:pos x="8501743" y="1607683"/>
+    <p188:txBody>
+      <a:bodyPr/>
+      <a:lstStyle/>
+      <a:p>
+        <a:r>
+          <a:rPr lang="en-US"/>
+          <a:t>Sentence is badly constructed</a:t>
+        </a:r>
+      </a:p>
+    </p188:txBody>
+  </p188:cm>
+</p188:cmLst>
+</file>
+
+<file path=ppt/comments/modernComment_125_5B01B142.xml><?xml version="1.0" encoding="utf-8"?>
+<p188:cmLst xmlns:a="http://schemas.openxmlformats.org/drawingml/2006/main" xmlns:r="http://schemas.openxmlformats.org/officeDocument/2006/relationships" xmlns:p188="http://schemas.microsoft.com/office/powerpoint/2018/8/main">
+  <p188:cm id="{8E546D06-8B50-4CCF-AD23-7A210950F567}" authorId="{C03C7B94-458C-7EBE-813B-4A722EE99B92}" created="2023-02-01T13:14:33.759">
+    <ac:deMkLst xmlns:ac="http://schemas.microsoft.com/office/drawing/2013/main/command">
+      <pc:docMk xmlns:pc="http://schemas.microsoft.com/office/powerpoint/2013/main/command"/>
+      <pc:sldMk xmlns:pc="http://schemas.microsoft.com/office/powerpoint/2013/main/command" cId="1526837570" sldId="293"/>
+      <ac:spMk id="2" creationId="{30AF865A-8181-4DAA-A1EF-5D642527395C}"/>
+    </ac:deMkLst>
+    <p188:txBody>
+      <a:bodyPr/>
+      <a:lstStyle/>
+      <a:p>
+        <a:r>
+          <a:rPr lang="en-US"/>
+          <a:t>Better example desperately needed
+The purpose of an example is also to show *need* and not simply to force the use of a concept
+Here using super() actually makes the class even less useful as suddenly you can't name your dog anymore
+If it's too difficult to find a realistic example, then maybe it's just not useful to explain the concept</a:t>
+        </a:r>
+      </a:p>
+    </p188:txBody>
+  </p188:cm>
+</p188:cmLst>
+</file>
+
+<file path=ppt/comments/modernComment_127_1C7F4070.xml><?xml version="1.0" encoding="utf-8"?>
+<p188:cmLst xmlns:a="http://schemas.openxmlformats.org/drawingml/2006/main" xmlns:r="http://schemas.openxmlformats.org/officeDocument/2006/relationships" xmlns:p188="http://schemas.microsoft.com/office/powerpoint/2018/8/main">
+  <p188:cm id="{797686AB-B46B-4428-987B-E277AA010FAE}" authorId="{C03C7B94-458C-7EBE-813B-4A722EE99B92}" created="2023-02-01T13:16:45.477">
+    <ac:txMkLst xmlns:ac="http://schemas.microsoft.com/office/drawing/2013/main/command">
+      <pc:docMk xmlns:pc="http://schemas.microsoft.com/office/powerpoint/2013/main/command"/>
+      <pc:sldMk xmlns:pc="http://schemas.microsoft.com/office/powerpoint/2013/main/command" cId="478101616" sldId="295"/>
+      <ac:spMk id="2" creationId="{30AF865A-8181-4DAA-A1EF-5D642527395C}"/>
+      <ac:txMk cp="0" len="20">
+        <ac:context len="21" hash="3332426499"/>
+      </ac:txMk>
+    </ac:txMkLst>
+    <p188:pos x="4569823" y="516618"/>
+    <p188:txBody>
+      <a:bodyPr/>
+      <a:lstStyle/>
+      <a:p>
+        <a:r>
+          <a:rPr lang="en-US"/>
+          <a:t>Drop this section completely
+Multiple inheritance is way too advanced and complicated. There's a reason why few languages provide it.</a:t>
+        </a:r>
+      </a:p>
+    </p188:txBody>
+  </p188:cm>
+</p188:cmLst>
+</file>
+
 <file path=ppt/notesMasters/notesMaster1.xml><?xml version="1.0" encoding="utf-8"?>
 <p:notesMaster xmlns:a="http://schemas.openxmlformats.org/drawingml/2006/main" xmlns:r="http://schemas.openxmlformats.org/officeDocument/2006/relationships" xmlns:p="http://schemas.openxmlformats.org/presentationml/2006/main">
   <p:cSld>
@@ -707,7 +1170,7 @@
           <a:p>
             <a:fld id="{21D4D8AB-82A5-452A-8852-52C8026DDD64}" type="datetimeFigureOut">
               <a:rPr lang="en-US" smtClean="0"/>
-              <a:t>1/5/2023</a:t>
+              <a:t>01-Feb-23</a:t>
             </a:fld>
             <a:endParaRPr lang="en-US"/>
           </a:p>
@@ -3987,7 +4450,7 @@
           <a:p>
             <a:fld id="{1CD1815E-B49F-43FE-B280-CDF6682C3964}" type="datetimeFigureOut">
               <a:rPr lang="nl-BE" smtClean="0"/>
-              <a:t>5/01/2023</a:t>
+              <a:t>1/02/2023</a:t>
             </a:fld>
             <a:endParaRPr lang="nl-BE"/>
           </a:p>
@@ -4187,7 +4650,7 @@
           <a:p>
             <a:fld id="{1CD1815E-B49F-43FE-B280-CDF6682C3964}" type="datetimeFigureOut">
               <a:rPr lang="nl-BE" smtClean="0"/>
-              <a:t>5/01/2023</a:t>
+              <a:t>1/02/2023</a:t>
             </a:fld>
             <a:endParaRPr lang="nl-BE"/>
           </a:p>
@@ -4397,7 +4860,7 @@
           <a:p>
             <a:fld id="{1CD1815E-B49F-43FE-B280-CDF6682C3964}" type="datetimeFigureOut">
               <a:rPr lang="nl-BE" smtClean="0"/>
-              <a:t>5/01/2023</a:t>
+              <a:t>1/02/2023</a:t>
             </a:fld>
             <a:endParaRPr lang="nl-BE"/>
           </a:p>
@@ -4539,7 +5002,7 @@
           <a:p>
             <a:fld id="{1CD1815E-B49F-43FE-B280-CDF6682C3964}" type="datetimeFigureOut">
               <a:rPr lang="nl-BE" smtClean="0"/>
-              <a:t>5/01/2023</a:t>
+              <a:t>1/02/2023</a:t>
             </a:fld>
             <a:endParaRPr lang="nl-BE"/>
           </a:p>
@@ -4739,7 +5202,7 @@
           <a:p>
             <a:fld id="{1CD1815E-B49F-43FE-B280-CDF6682C3964}" type="datetimeFigureOut">
               <a:rPr lang="nl-BE" smtClean="0"/>
-              <a:t>5/01/2023</a:t>
+              <a:t>1/02/2023</a:t>
             </a:fld>
             <a:endParaRPr lang="nl-BE"/>
           </a:p>
@@ -5015,7 +5478,7 @@
           <a:p>
             <a:fld id="{1CD1815E-B49F-43FE-B280-CDF6682C3964}" type="datetimeFigureOut">
               <a:rPr lang="nl-BE" smtClean="0"/>
-              <a:t>5/01/2023</a:t>
+              <a:t>1/02/2023</a:t>
             </a:fld>
             <a:endParaRPr lang="nl-BE"/>
           </a:p>
@@ -5283,7 +5746,7 @@
           <a:p>
             <a:fld id="{1CD1815E-B49F-43FE-B280-CDF6682C3964}" type="datetimeFigureOut">
               <a:rPr lang="nl-BE" smtClean="0"/>
-              <a:t>5/01/2023</a:t>
+              <a:t>1/02/2023</a:t>
             </a:fld>
             <a:endParaRPr lang="nl-BE"/>
           </a:p>
@@ -5698,7 +6161,7 @@
           <a:p>
             <a:fld id="{1CD1815E-B49F-43FE-B280-CDF6682C3964}" type="datetimeFigureOut">
               <a:rPr lang="nl-BE" smtClean="0"/>
-              <a:t>5/01/2023</a:t>
+              <a:t>1/02/2023</a:t>
             </a:fld>
             <a:endParaRPr lang="nl-BE"/>
           </a:p>
@@ -5840,7 +6303,7 @@
           <a:p>
             <a:fld id="{1CD1815E-B49F-43FE-B280-CDF6682C3964}" type="datetimeFigureOut">
               <a:rPr lang="nl-BE" smtClean="0"/>
-              <a:t>5/01/2023</a:t>
+              <a:t>1/02/2023</a:t>
             </a:fld>
             <a:endParaRPr lang="nl-BE"/>
           </a:p>
@@ -5953,7 +6416,7 @@
           <a:p>
             <a:fld id="{1CD1815E-B49F-43FE-B280-CDF6682C3964}" type="datetimeFigureOut">
               <a:rPr lang="nl-BE" smtClean="0"/>
-              <a:t>5/01/2023</a:t>
+              <a:t>1/02/2023</a:t>
             </a:fld>
             <a:endParaRPr lang="nl-BE"/>
           </a:p>
@@ -6266,7 +6729,7 @@
           <a:p>
             <a:fld id="{1CD1815E-B49F-43FE-B280-CDF6682C3964}" type="datetimeFigureOut">
               <a:rPr lang="nl-BE" smtClean="0"/>
-              <a:t>5/01/2023</a:t>
+              <a:t>1/02/2023</a:t>
             </a:fld>
             <a:endParaRPr lang="nl-BE"/>
           </a:p>
@@ -6509,7 +6972,7 @@
           <a:p>
             <a:fld id="{1CD1815E-B49F-43FE-B280-CDF6682C3964}" type="datetimeFigureOut">
               <a:rPr lang="nl-BE" smtClean="0"/>
-              <a:t>5/01/2023</a:t>
+              <a:t>1/02/2023</a:t>
             </a:fld>
             <a:endParaRPr lang="nl-BE"/>
           </a:p>
@@ -7588,7 +8051,7 @@
           <p:nvPr/>
         </p:nvPicPr>
         <p:blipFill>
-          <a:blip r:embed="rId2">
+          <a:blip r:embed="rId3">
             <a:extLst>
               <a:ext uri="{28A0092B-C50C-407E-A947-70E740481C1C}">
                 <a14:useLocalDpi xmlns:a14="http://schemas.microsoft.com/office/drawing/2010/main" val="0"/>
@@ -7650,7 +8113,7 @@
           </a:ln>
           <a:extLst>
             <a:ext uri="{C572A759-6A51-4108-AA02-DFA0A04FC94B}">
-              <ma14:wrappingTextBoxFlag xmlns:ma14="http://schemas.microsoft.com/office/mac/drawingml/2011/main" xmlns="" val="1"/>
+              <ma14:wrappingTextBoxFlag xmlns="" xmlns:ma14="http://schemas.microsoft.com/office/mac/drawingml/2011/main" val="1"/>
             </a:ext>
           </a:extLst>
         </p:spPr>
@@ -8162,6 +8625,11 @@
   <p:clrMapOvr>
     <a:masterClrMapping/>
   </p:clrMapOvr>
+  <p:extLst>
+    <p:ext uri="{6950BFC3-D8DA-4A85-94F7-54DA5524770B}">
+      <p188:commentRel xmlns:p188="http://schemas.microsoft.com/office/powerpoint/2018/8/main" r:id="rId2"/>
+    </p:ext>
+  </p:extLst>
 </p:sld>
 </file>
 
@@ -9510,6 +9978,11 @@
   <p:clrMapOvr>
     <a:masterClrMapping/>
   </p:clrMapOvr>
+  <p:extLst>
+    <p:ext uri="{6950BFC3-D8DA-4A85-94F7-54DA5524770B}">
+      <p188:commentRel xmlns:p188="http://schemas.microsoft.com/office/powerpoint/2018/8/main" r:id="rId2"/>
+    </p:ext>
+  </p:extLst>
 </p:sld>
 </file>
 
@@ -10124,7 +10597,7 @@
               <a:buNone/>
             </a:pPr>
             <a:r>
-              <a:rPr lang="en-US" sz="1400">
+              <a:rPr lang="en-US" sz="1400" dirty="0">
                 <a:solidFill>
                   <a:srgbClr val="0000CD"/>
                 </a:solidFill>
@@ -10133,7 +10606,7 @@
               <a:t>class</a:t>
             </a:r>
             <a:r>
-              <a:rPr lang="en-US" sz="1400">
+              <a:rPr lang="en-US" sz="1400" dirty="0">
                 <a:solidFill>
                   <a:srgbClr val="000000"/>
                 </a:solidFill>
@@ -10148,7 +10621,7 @@
               <a:buNone/>
             </a:pPr>
             <a:r>
-              <a:rPr lang="en-US" sz="1400">
+              <a:rPr lang="en-US" sz="1400" dirty="0">
                 <a:solidFill>
                   <a:srgbClr val="008000"/>
                 </a:solidFill>
@@ -10157,10 +10630,10 @@
               <a:t>  #Constructor</a:t>
             </a:r>
             <a:br>
-              <a:rPr lang="en-US" sz="1400"/>
+              <a:rPr lang="en-US" sz="1400" dirty="0"/>
             </a:br>
             <a:r>
-              <a:rPr lang="en-US" sz="1400">
+              <a:rPr lang="en-US" sz="1400" dirty="0">
                 <a:solidFill>
                   <a:srgbClr val="000000"/>
                 </a:solidFill>
@@ -10169,7 +10642,7 @@
               <a:t>  </a:t>
             </a:r>
             <a:r>
-              <a:rPr lang="en-US" sz="1400">
+              <a:rPr lang="en-US" sz="1400" dirty="0">
                 <a:solidFill>
                   <a:srgbClr val="0000CD"/>
                 </a:solidFill>
@@ -10178,19 +10651,37 @@
               <a:t>def</a:t>
             </a:r>
             <a:r>
-              <a:rPr lang="en-US" sz="1400">
-                <a:solidFill>
-                  <a:srgbClr val="000000"/>
-                </a:solidFill>
-                <a:latin typeface="Consolas" panose="020B0609020204030204" pitchFamily="49" charset="0"/>
-              </a:rPr>
-              <a:t> __init__(self, name, age):</a:t>
+              <a:rPr lang="en-US" sz="1400" dirty="0">
+                <a:solidFill>
+                  <a:srgbClr val="000000"/>
+                </a:solidFill>
+                <a:latin typeface="Consolas" panose="020B0609020204030204" pitchFamily="49" charset="0"/>
+              </a:rPr>
+              <a:t> __</a:t>
+            </a:r>
+            <a:r>
+              <a:rPr lang="en-US" sz="1400" dirty="0" err="1">
+                <a:solidFill>
+                  <a:srgbClr val="000000"/>
+                </a:solidFill>
+                <a:latin typeface="Consolas" panose="020B0609020204030204" pitchFamily="49" charset="0"/>
+              </a:rPr>
+              <a:t>init</a:t>
+            </a:r>
+            <a:r>
+              <a:rPr lang="en-US" sz="1400" dirty="0">
+                <a:solidFill>
+                  <a:srgbClr val="000000"/>
+                </a:solidFill>
+                <a:latin typeface="Consolas" panose="020B0609020204030204" pitchFamily="49" charset="0"/>
+              </a:rPr>
+              <a:t>__(self, name, age):</a:t>
             </a:r>
             <a:br>
-              <a:rPr lang="en-US" sz="1400"/>
+              <a:rPr lang="en-US" sz="1400" dirty="0"/>
             </a:br>
             <a:r>
-              <a:rPr lang="en-US" sz="1400">
+              <a:rPr lang="en-US" sz="1400" dirty="0">
                 <a:solidFill>
                   <a:srgbClr val="000000"/>
                 </a:solidFill>
@@ -10199,22 +10690,40 @@
               <a:t>    self.name = name</a:t>
             </a:r>
             <a:br>
-              <a:rPr lang="en-US" sz="1400"/>
+              <a:rPr lang="en-US" sz="1400" dirty="0"/>
             </a:br>
             <a:r>
-              <a:rPr lang="en-US" sz="1400">
-                <a:solidFill>
-                  <a:srgbClr val="000000"/>
-                </a:solidFill>
-                <a:latin typeface="Consolas" panose="020B0609020204030204" pitchFamily="49" charset="0"/>
-              </a:rPr>
-              <a:t>    self.age = age</a:t>
+              <a:rPr lang="en-US" sz="1400" dirty="0">
+                <a:solidFill>
+                  <a:srgbClr val="000000"/>
+                </a:solidFill>
+                <a:latin typeface="Consolas" panose="020B0609020204030204" pitchFamily="49" charset="0"/>
+              </a:rPr>
+              <a:t>    </a:t>
+            </a:r>
+            <a:r>
+              <a:rPr lang="en-US" sz="1400" dirty="0" err="1">
+                <a:solidFill>
+                  <a:srgbClr val="000000"/>
+                </a:solidFill>
+                <a:latin typeface="Consolas" panose="020B0609020204030204" pitchFamily="49" charset="0"/>
+              </a:rPr>
+              <a:t>self.age</a:t>
+            </a:r>
+            <a:r>
+              <a:rPr lang="en-US" sz="1400" dirty="0">
+                <a:solidFill>
+                  <a:srgbClr val="000000"/>
+                </a:solidFill>
+                <a:latin typeface="Consolas" panose="020B0609020204030204" pitchFamily="49" charset="0"/>
+              </a:rPr>
+              <a:t> = age</a:t>
             </a:r>
             <a:br>
-              <a:rPr lang="en-US" sz="1400"/>
+              <a:rPr lang="en-US" sz="1400" dirty="0"/>
             </a:br>
             <a:r>
-              <a:rPr lang="en-US" sz="1400"/>
+              <a:rPr lang="en-US" sz="1400" dirty="0"/>
               <a:t>   </a:t>
             </a:r>
           </a:p>
@@ -10224,7 +10733,7 @@
               <a:buNone/>
             </a:pPr>
             <a:r>
-              <a:rPr lang="en-US" sz="1400">
+              <a:rPr lang="en-US" sz="1400" dirty="0">
                 <a:solidFill>
                   <a:srgbClr val="008000"/>
                 </a:solidFill>
@@ -10233,10 +10742,10 @@
               <a:t>  #To print name and age</a:t>
             </a:r>
             <a:br>
-              <a:rPr lang="en-US" sz="1400"/>
+              <a:rPr lang="en-US" sz="1400" dirty="0"/>
             </a:br>
             <a:r>
-              <a:rPr lang="en-US" sz="1400">
+              <a:rPr lang="en-US" sz="1400" dirty="0">
                 <a:solidFill>
                   <a:srgbClr val="000000"/>
                 </a:solidFill>
@@ -10245,7 +10754,7 @@
               <a:t>  </a:t>
             </a:r>
             <a:r>
-              <a:rPr lang="en-US" sz="1400">
+              <a:rPr lang="en-US" sz="1400" dirty="0">
                 <a:solidFill>
                   <a:srgbClr val="0000CD"/>
                 </a:solidFill>
@@ -10254,46 +10763,100 @@
               <a:t>def</a:t>
             </a:r>
             <a:r>
-              <a:rPr lang="en-US" sz="1400">
-                <a:solidFill>
-                  <a:srgbClr val="000000"/>
-                </a:solidFill>
-                <a:latin typeface="Consolas" panose="020B0609020204030204" pitchFamily="49" charset="0"/>
-              </a:rPr>
-              <a:t> printInformation(self):</a:t>
+              <a:rPr lang="en-US" sz="1400" dirty="0">
+                <a:solidFill>
+                  <a:srgbClr val="000000"/>
+                </a:solidFill>
+                <a:latin typeface="Consolas" panose="020B0609020204030204" pitchFamily="49" charset="0"/>
+              </a:rPr>
+              <a:t> </a:t>
+            </a:r>
+            <a:r>
+              <a:rPr lang="en-US" sz="1400" dirty="0" err="1">
+                <a:solidFill>
+                  <a:srgbClr val="000000"/>
+                </a:solidFill>
+                <a:latin typeface="Consolas" panose="020B0609020204030204" pitchFamily="49" charset="0"/>
+              </a:rPr>
+              <a:t>printInformation</a:t>
+            </a:r>
+            <a:r>
+              <a:rPr lang="en-US" sz="1400" dirty="0">
+                <a:solidFill>
+                  <a:srgbClr val="000000"/>
+                </a:solidFill>
+                <a:latin typeface="Consolas" panose="020B0609020204030204" pitchFamily="49" charset="0"/>
+              </a:rPr>
+              <a:t>(self):</a:t>
             </a:r>
             <a:br>
-              <a:rPr lang="en-US" sz="1400"/>
+              <a:rPr lang="en-US" sz="1400" dirty="0"/>
             </a:br>
             <a:r>
-              <a:rPr lang="en-US" sz="1400">
-                <a:solidFill>
-                  <a:srgbClr val="000000"/>
-                </a:solidFill>
-                <a:latin typeface="Consolas" panose="020B0609020204030204" pitchFamily="49" charset="0"/>
-              </a:rPr>
-              <a:t>    print(self.name, self.age)</a:t>
+              <a:rPr lang="en-US" sz="1400" dirty="0">
+                <a:solidFill>
+                  <a:srgbClr val="000000"/>
+                </a:solidFill>
+                <a:latin typeface="Consolas" panose="020B0609020204030204" pitchFamily="49" charset="0"/>
+              </a:rPr>
+              <a:t>    print(self.name, </a:t>
+            </a:r>
+            <a:r>
+              <a:rPr lang="en-US" sz="1400" dirty="0" err="1">
+                <a:solidFill>
+                  <a:srgbClr val="000000"/>
+                </a:solidFill>
+                <a:latin typeface="Consolas" panose="020B0609020204030204" pitchFamily="49" charset="0"/>
+              </a:rPr>
+              <a:t>self.age</a:t>
+            </a:r>
+            <a:r>
+              <a:rPr lang="en-US" sz="1400" dirty="0">
+                <a:solidFill>
+                  <a:srgbClr val="000000"/>
+                </a:solidFill>
+                <a:latin typeface="Consolas" panose="020B0609020204030204" pitchFamily="49" charset="0"/>
+              </a:rPr>
+              <a:t>)</a:t>
             </a:r>
             <a:br>
-              <a:rPr lang="en-US" sz="1400"/>
+              <a:rPr lang="en-US" sz="1400" dirty="0"/>
             </a:br>
             <a:br>
-              <a:rPr lang="en-US" sz="1400"/>
+              <a:rPr lang="en-US" sz="1400" dirty="0"/>
             </a:br>
             <a:r>
-              <a:rPr lang="en-US" sz="1400">
+              <a:rPr lang="en-US" sz="1400" dirty="0">
                 <a:solidFill>
                   <a:srgbClr val="008000"/>
                 </a:solidFill>
                 <a:latin typeface="Consolas" panose="020B0609020204030204" pitchFamily="49" charset="0"/>
               </a:rPr>
-              <a:t>#Use the Dog class to create an object, and then execute the printInformation method:</a:t>
+              <a:t>#Use the Dog class to create an object, and then execute the </a:t>
+            </a:r>
+            <a:r>
+              <a:rPr lang="en-US" sz="1400" dirty="0" err="1">
+                <a:solidFill>
+                  <a:srgbClr val="008000"/>
+                </a:solidFill>
+                <a:latin typeface="Consolas" panose="020B0609020204030204" pitchFamily="49" charset="0"/>
+              </a:rPr>
+              <a:t>printInformation</a:t>
+            </a:r>
+            <a:r>
+              <a:rPr lang="en-US" sz="1400" dirty="0">
+                <a:solidFill>
+                  <a:srgbClr val="008000"/>
+                </a:solidFill>
+                <a:latin typeface="Consolas" panose="020B0609020204030204" pitchFamily="49" charset="0"/>
+              </a:rPr>
+              <a:t> method:</a:t>
             </a:r>
             <a:br>
-              <a:rPr lang="en-US" sz="1400"/>
+              <a:rPr lang="en-US" sz="1400" dirty="0"/>
             </a:br>
             <a:r>
-              <a:rPr lang="en-US" sz="1400">
+              <a:rPr lang="en-US" sz="1400" dirty="0">
                 <a:solidFill>
                   <a:srgbClr val="000000"/>
                 </a:solidFill>
@@ -10302,7 +10865,7 @@
               <a:t>x = Dog(</a:t>
             </a:r>
             <a:r>
-              <a:rPr lang="en-US" sz="1400">
+              <a:rPr lang="en-US" sz="1400" dirty="0">
                 <a:solidFill>
                   <a:srgbClr val="A52A2A"/>
                 </a:solidFill>
@@ -10311,7 +10874,7 @@
               <a:t>“Lexi"</a:t>
             </a:r>
             <a:r>
-              <a:rPr lang="en-US" sz="1400">
+              <a:rPr lang="en-US" sz="1400" dirty="0">
                 <a:solidFill>
                   <a:srgbClr val="000000"/>
                 </a:solidFill>
@@ -10320,7 +10883,7 @@
               <a:t>, </a:t>
             </a:r>
             <a:r>
-              <a:rPr lang="en-US" sz="1400">
+              <a:rPr lang="en-US" sz="1400" dirty="0">
                 <a:solidFill>
                   <a:srgbClr val="A52A2A"/>
                 </a:solidFill>
@@ -10329,7 +10892,7 @@
               <a:t>14</a:t>
             </a:r>
             <a:r>
-              <a:rPr lang="en-US" sz="1400">
+              <a:rPr lang="en-US" sz="1400" dirty="0">
                 <a:solidFill>
                   <a:srgbClr val="000000"/>
                 </a:solidFill>
@@ -10338,16 +10901,25 @@
               <a:t>)</a:t>
             </a:r>
             <a:br>
-              <a:rPr lang="en-US" sz="1400"/>
+              <a:rPr lang="en-US" sz="1400" dirty="0"/>
             </a:br>
             <a:r>
-              <a:rPr lang="en-US" sz="1400">
-                <a:solidFill>
-                  <a:srgbClr val="000000"/>
-                </a:solidFill>
-                <a:latin typeface="Consolas" panose="020B0609020204030204" pitchFamily="49" charset="0"/>
-              </a:rPr>
-              <a:t>x.printInformation()</a:t>
+              <a:rPr lang="en-US" sz="1400" dirty="0" err="1">
+                <a:solidFill>
+                  <a:srgbClr val="000000"/>
+                </a:solidFill>
+                <a:latin typeface="Consolas" panose="020B0609020204030204" pitchFamily="49" charset="0"/>
+              </a:rPr>
+              <a:t>x.printInformation</a:t>
+            </a:r>
+            <a:r>
+              <a:rPr lang="en-US" sz="1400" dirty="0">
+                <a:solidFill>
+                  <a:srgbClr val="000000"/>
+                </a:solidFill>
+                <a:latin typeface="Consolas" panose="020B0609020204030204" pitchFamily="49" charset="0"/>
+              </a:rPr>
+              <a:t>()</a:t>
             </a:r>
             <a:endParaRPr lang="en-US" sz="1400" i="1" dirty="0"/>
           </a:p>
@@ -10383,7 +10955,7 @@
           </a:ln>
           <a:extLst>
             <a:ext uri="{C572A759-6A51-4108-AA02-DFA0A04FC94B}">
-              <ma14:wrappingTextBoxFlag xmlns:ma14="http://schemas.microsoft.com/office/mac/drawingml/2011/main" xmlns="" val="1"/>
+              <ma14:wrappingTextBoxFlag xmlns="" xmlns:ma14="http://schemas.microsoft.com/office/mac/drawingml/2011/main" val="1"/>
             </a:ext>
           </a:extLst>
         </p:spPr>
@@ -10723,7 +11295,7 @@
           </a:ln>
           <a:extLst>
             <a:ext uri="{C572A759-6A51-4108-AA02-DFA0A04FC94B}">
-              <ma14:wrappingTextBoxFlag xmlns:ma14="http://schemas.microsoft.com/office/mac/drawingml/2011/main" xmlns="" val="1"/>
+              <ma14:wrappingTextBoxFlag xmlns="" xmlns:ma14="http://schemas.microsoft.com/office/mac/drawingml/2011/main" val="1"/>
             </a:ext>
           </a:extLst>
         </p:spPr>
@@ -11386,7 +11958,7 @@
           </a:ln>
           <a:extLst>
             <a:ext uri="{C572A759-6A51-4108-AA02-DFA0A04FC94B}">
-              <ma14:wrappingTextBoxFlag xmlns:ma14="http://schemas.microsoft.com/office/mac/drawingml/2011/main" xmlns="" val="1"/>
+              <ma14:wrappingTextBoxFlag xmlns="" xmlns:ma14="http://schemas.microsoft.com/office/mac/drawingml/2011/main" val="1"/>
             </a:ext>
           </a:extLst>
         </p:spPr>
@@ -11726,7 +12298,7 @@
           </a:ln>
           <a:extLst>
             <a:ext uri="{C572A759-6A51-4108-AA02-DFA0A04FC94B}">
-              <ma14:wrappingTextBoxFlag xmlns:ma14="http://schemas.microsoft.com/office/mac/drawingml/2011/main" xmlns="" val="1"/>
+              <ma14:wrappingTextBoxFlag xmlns="" xmlns:ma14="http://schemas.microsoft.com/office/mac/drawingml/2011/main" val="1"/>
             </a:ext>
           </a:extLst>
         </p:spPr>
@@ -12371,7 +12943,7 @@
           </a:ln>
           <a:extLst>
             <a:ext uri="{C572A759-6A51-4108-AA02-DFA0A04FC94B}">
-              <ma14:wrappingTextBoxFlag xmlns:ma14="http://schemas.microsoft.com/office/mac/drawingml/2011/main" xmlns="" val="1"/>
+              <ma14:wrappingTextBoxFlag xmlns="" xmlns:ma14="http://schemas.microsoft.com/office/mac/drawingml/2011/main" val="1"/>
             </a:ext>
           </a:extLst>
         </p:spPr>
@@ -12687,6 +13259,11 @@
   <p:clrMapOvr>
     <a:masterClrMapping/>
   </p:clrMapOvr>
+  <p:extLst>
+    <p:ext uri="{6950BFC3-D8DA-4A85-94F7-54DA5524770B}">
+      <p188:commentRel xmlns:p188="http://schemas.microsoft.com/office/powerpoint/2018/8/main" r:id="rId3"/>
+    </p:ext>
+  </p:extLst>
 </p:sld>
 </file>
 
@@ -13514,7 +14091,7 @@
           </a:ln>
           <a:extLst>
             <a:ext uri="{C572A759-6A51-4108-AA02-DFA0A04FC94B}">
-              <ma14:wrappingTextBoxFlag xmlns="" xmlns:ma14="http://schemas.microsoft.com/office/mac/drawingml/2011/main" val="1"/>
+              <ma14:wrappingTextBoxFlag xmlns:ma14="http://schemas.microsoft.com/office/mac/drawingml/2011/main" xmlns="" val="1"/>
             </a:ext>
           </a:extLst>
         </p:spPr>
@@ -13854,7 +14431,7 @@
           </a:ln>
           <a:extLst>
             <a:ext uri="{C572A759-6A51-4108-AA02-DFA0A04FC94B}">
-              <ma14:wrappingTextBoxFlag xmlns="" xmlns:ma14="http://schemas.microsoft.com/office/mac/drawingml/2011/main" val="1"/>
+              <ma14:wrappingTextBoxFlag xmlns:ma14="http://schemas.microsoft.com/office/mac/drawingml/2011/main" xmlns="" val="1"/>
             </a:ext>
           </a:extLst>
         </p:spPr>
@@ -14517,7 +15094,7 @@
           </a:ln>
           <a:extLst>
             <a:ext uri="{C572A759-6A51-4108-AA02-DFA0A04FC94B}">
-              <ma14:wrappingTextBoxFlag xmlns="" xmlns:ma14="http://schemas.microsoft.com/office/mac/drawingml/2011/main" val="1"/>
+              <ma14:wrappingTextBoxFlag xmlns:ma14="http://schemas.microsoft.com/office/mac/drawingml/2011/main" xmlns="" val="1"/>
             </a:ext>
           </a:extLst>
         </p:spPr>
@@ -14857,7 +15434,7 @@
           </a:ln>
           <a:extLst>
             <a:ext uri="{C572A759-6A51-4108-AA02-DFA0A04FC94B}">
-              <ma14:wrappingTextBoxFlag xmlns="" xmlns:ma14="http://schemas.microsoft.com/office/mac/drawingml/2011/main" val="1"/>
+              <ma14:wrappingTextBoxFlag xmlns:ma14="http://schemas.microsoft.com/office/mac/drawingml/2011/main" xmlns="" val="1"/>
             </a:ext>
           </a:extLst>
         </p:spPr>
@@ -15502,7 +16079,7 @@
           </a:ln>
           <a:extLst>
             <a:ext uri="{C572A759-6A51-4108-AA02-DFA0A04FC94B}">
-              <ma14:wrappingTextBoxFlag xmlns="" xmlns:ma14="http://schemas.microsoft.com/office/mac/drawingml/2011/main" val="1"/>
+              <ma14:wrappingTextBoxFlag xmlns:ma14="http://schemas.microsoft.com/office/mac/drawingml/2011/main" xmlns="" val="1"/>
             </a:ext>
           </a:extLst>
         </p:spPr>
@@ -15838,7 +16415,7 @@
           </a:ln>
           <a:extLst>
             <a:ext uri="{C572A759-6A51-4108-AA02-DFA0A04FC94B}">
-              <ma14:wrappingTextBoxFlag xmlns:ma14="http://schemas.microsoft.com/office/mac/drawingml/2011/main" xmlns="" val="1"/>
+              <ma14:wrappingTextBoxFlag xmlns="" xmlns:ma14="http://schemas.microsoft.com/office/mac/drawingml/2011/main" val="1"/>
             </a:ext>
           </a:extLst>
         </p:spPr>
@@ -16158,7 +16735,7 @@
           </a:ln>
           <a:extLst>
             <a:ext uri="{C572A759-6A51-4108-AA02-DFA0A04FC94B}">
-              <ma14:wrappingTextBoxFlag xmlns:ma14="http://schemas.microsoft.com/office/mac/drawingml/2011/main" xmlns="" val="1"/>
+              <ma14:wrappingTextBoxFlag xmlns="" xmlns:ma14="http://schemas.microsoft.com/office/mac/drawingml/2011/main" val="1"/>
             </a:ext>
           </a:extLst>
         </p:spPr>
@@ -16965,6 +17542,11 @@
   <p:clrMapOvr>
     <a:masterClrMapping/>
   </p:clrMapOvr>
+  <p:extLst>
+    <p:ext uri="{6950BFC3-D8DA-4A85-94F7-54DA5524770B}">
+      <p188:commentRel xmlns:p188="http://schemas.microsoft.com/office/powerpoint/2018/8/main" r:id="rId2"/>
+    </p:ext>
+  </p:extLst>
 </p:sld>
 </file>
 
@@ -17808,7 +18390,7 @@
           </a:ln>
           <a:extLst>
             <a:ext uri="{C572A759-6A51-4108-AA02-DFA0A04FC94B}">
-              <ma14:wrappingTextBoxFlag xmlns:ma14="http://schemas.microsoft.com/office/mac/drawingml/2011/main" xmlns="" val="1"/>
+              <ma14:wrappingTextBoxFlag xmlns="" xmlns:ma14="http://schemas.microsoft.com/office/mac/drawingml/2011/main" val="1"/>
             </a:ext>
           </a:extLst>
         </p:spPr>
@@ -18310,7 +18892,7 @@
           </a:ln>
           <a:extLst>
             <a:ext uri="{C572A759-6A51-4108-AA02-DFA0A04FC94B}">
-              <ma14:wrappingTextBoxFlag xmlns:ma14="http://schemas.microsoft.com/office/mac/drawingml/2011/main" xmlns="" val="1"/>
+              <ma14:wrappingTextBoxFlag xmlns="" xmlns:ma14="http://schemas.microsoft.com/office/mac/drawingml/2011/main" val="1"/>
             </a:ext>
           </a:extLst>
         </p:spPr>
@@ -18650,7 +19232,7 @@
           </a:ln>
           <a:extLst>
             <a:ext uri="{C572A759-6A51-4108-AA02-DFA0A04FC94B}">
-              <ma14:wrappingTextBoxFlag xmlns:ma14="http://schemas.microsoft.com/office/mac/drawingml/2011/main" xmlns="" val="1"/>
+              <ma14:wrappingTextBoxFlag xmlns="" xmlns:ma14="http://schemas.microsoft.com/office/mac/drawingml/2011/main" val="1"/>
             </a:ext>
           </a:extLst>
         </p:spPr>
@@ -19793,7 +20375,7 @@
           </a:ln>
           <a:extLst>
             <a:ext uri="{C572A759-6A51-4108-AA02-DFA0A04FC94B}">
-              <ma14:wrappingTextBoxFlag xmlns:ma14="http://schemas.microsoft.com/office/mac/drawingml/2011/main" xmlns="" val="1"/>
+              <ma14:wrappingTextBoxFlag xmlns="" xmlns:ma14="http://schemas.microsoft.com/office/mac/drawingml/2011/main" val="1"/>
             </a:ext>
           </a:extLst>
         </p:spPr>
@@ -20501,7 +21083,7 @@
           </a:ln>
           <a:extLst>
             <a:ext uri="{C572A759-6A51-4108-AA02-DFA0A04FC94B}">
-              <ma14:wrappingTextBoxFlag xmlns:ma14="http://schemas.microsoft.com/office/mac/drawingml/2011/main" xmlns="" val="1"/>
+              <ma14:wrappingTextBoxFlag xmlns="" xmlns:ma14="http://schemas.microsoft.com/office/mac/drawingml/2011/main" val="1"/>
             </a:ext>
           </a:extLst>
         </p:spPr>
@@ -20841,7 +21423,7 @@
           </a:ln>
           <a:extLst>
             <a:ext uri="{C572A759-6A51-4108-AA02-DFA0A04FC94B}">
-              <ma14:wrappingTextBoxFlag xmlns:ma14="http://schemas.microsoft.com/office/mac/drawingml/2011/main" xmlns="" val="1"/>
+              <ma14:wrappingTextBoxFlag xmlns="" xmlns:ma14="http://schemas.microsoft.com/office/mac/drawingml/2011/main" val="1"/>
             </a:ext>
           </a:extLst>
         </p:spPr>
@@ -21169,6 +21751,11 @@
   <p:clrMapOvr>
     <a:masterClrMapping/>
   </p:clrMapOvr>
+  <p:extLst>
+    <p:ext uri="{6950BFC3-D8DA-4A85-94F7-54DA5524770B}">
+      <p188:commentRel xmlns:p188="http://schemas.microsoft.com/office/powerpoint/2018/8/main" r:id="rId2"/>
+    </p:ext>
+  </p:extLst>
 </p:sld>
 </file>
 
@@ -21996,7 +22583,7 @@
           </a:ln>
           <a:extLst>
             <a:ext uri="{C572A759-6A51-4108-AA02-DFA0A04FC94B}">
-              <ma14:wrappingTextBoxFlag xmlns:ma14="http://schemas.microsoft.com/office/mac/drawingml/2011/main" xmlns="" val="1"/>
+              <ma14:wrappingTextBoxFlag xmlns="" xmlns:ma14="http://schemas.microsoft.com/office/mac/drawingml/2011/main" val="1"/>
             </a:ext>
           </a:extLst>
         </p:spPr>
@@ -22704,7 +23291,7 @@
           </a:ln>
           <a:extLst>
             <a:ext uri="{C572A759-6A51-4108-AA02-DFA0A04FC94B}">
-              <ma14:wrappingTextBoxFlag xmlns:ma14="http://schemas.microsoft.com/office/mac/drawingml/2011/main" xmlns="" val="1"/>
+              <ma14:wrappingTextBoxFlag xmlns="" xmlns:ma14="http://schemas.microsoft.com/office/mac/drawingml/2011/main" val="1"/>
             </a:ext>
           </a:extLst>
         </p:spPr>
@@ -23044,7 +23631,7 @@
           </a:ln>
           <a:extLst>
             <a:ext uri="{C572A759-6A51-4108-AA02-DFA0A04FC94B}">
-              <ma14:wrappingTextBoxFlag xmlns:ma14="http://schemas.microsoft.com/office/mac/drawingml/2011/main" xmlns="" val="1"/>
+              <ma14:wrappingTextBoxFlag xmlns="" xmlns:ma14="http://schemas.microsoft.com/office/mac/drawingml/2011/main" val="1"/>
             </a:ext>
           </a:extLst>
         </p:spPr>
@@ -23464,7 +24051,7 @@
           </a:ln>
           <a:extLst>
             <a:ext uri="{C572A759-6A51-4108-AA02-DFA0A04FC94B}">
-              <ma14:wrappingTextBoxFlag xmlns:ma14="http://schemas.microsoft.com/office/mac/drawingml/2011/main" xmlns="" val="1"/>
+              <ma14:wrappingTextBoxFlag xmlns="" xmlns:ma14="http://schemas.microsoft.com/office/mac/drawingml/2011/main" val="1"/>
             </a:ext>
           </a:extLst>
         </p:spPr>
@@ -25645,7 +26232,7 @@
           <p:nvPr/>
         </p:nvPicPr>
         <p:blipFill>
-          <a:blip r:embed="rId2">
+          <a:blip r:embed="rId3">
             <a:extLst>
               <a:ext uri="{28A0092B-C50C-407E-A947-70E740481C1C}">
                 <a14:useLocalDpi xmlns:a14="http://schemas.microsoft.com/office/drawing/2010/main" val="0"/>
@@ -25687,6 +26274,11 @@
   <p:clrMapOvr>
     <a:masterClrMapping/>
   </p:clrMapOvr>
+  <p:extLst>
+    <p:ext uri="{6950BFC3-D8DA-4A85-94F7-54DA5524770B}">
+      <p188:commentRel xmlns:p188="http://schemas.microsoft.com/office/powerpoint/2018/8/main" r:id="rId2"/>
+    </p:ext>
+  </p:extLst>
 </p:sld>
 </file>
 
@@ -26486,7 +27078,7 @@
           </a:ln>
           <a:extLst>
             <a:ext uri="{C572A759-6A51-4108-AA02-DFA0A04FC94B}">
-              <ma14:wrappingTextBoxFlag xmlns="" xmlns:ma14="http://schemas.microsoft.com/office/mac/drawingml/2011/main" val="1"/>
+              <ma14:wrappingTextBoxFlag xmlns:ma14="http://schemas.microsoft.com/office/mac/drawingml/2011/main" xmlns="" val="1"/>
             </a:ext>
           </a:extLst>
         </p:spPr>
@@ -27036,7 +27628,7 @@
           </a:ln>
           <a:extLst>
             <a:ext uri="{C572A759-6A51-4108-AA02-DFA0A04FC94B}">
-              <ma14:wrappingTextBoxFlag xmlns="" xmlns:ma14="http://schemas.microsoft.com/office/mac/drawingml/2011/main" val="1"/>
+              <ma14:wrappingTextBoxFlag xmlns:ma14="http://schemas.microsoft.com/office/mac/drawingml/2011/main" xmlns="" val="1"/>
             </a:ext>
           </a:extLst>
         </p:spPr>
@@ -29274,7 +29866,7 @@
               <a:buNone/>
             </a:pPr>
             <a:r>
-              <a:rPr lang="en-US" sz="1600">
+              <a:rPr lang="en-US" sz="1600" dirty="0">
                 <a:solidFill>
                   <a:srgbClr val="0000CD"/>
                 </a:solidFill>
@@ -29283,7 +29875,7 @@
               <a:t>class</a:t>
             </a:r>
             <a:r>
-              <a:rPr lang="en-US" sz="1600">
+              <a:rPr lang="en-US" sz="1600" dirty="0">
                 <a:solidFill>
                   <a:srgbClr val="000000"/>
                 </a:solidFill>
@@ -29298,7 +29890,7 @@
               <a:buNone/>
             </a:pPr>
             <a:r>
-              <a:rPr lang="en-US" sz="1600">
+              <a:rPr lang="en-US" sz="1600" dirty="0">
                 <a:solidFill>
                   <a:srgbClr val="008000"/>
                 </a:solidFill>
@@ -29307,10 +29899,10 @@
               <a:t>  #Constructor</a:t>
             </a:r>
             <a:br>
-              <a:rPr lang="en-US" sz="1600"/>
+              <a:rPr lang="en-US" sz="1600" dirty="0"/>
             </a:br>
             <a:r>
-              <a:rPr lang="en-US" sz="1600">
+              <a:rPr lang="en-US" sz="1600" dirty="0">
                 <a:solidFill>
                   <a:srgbClr val="000000"/>
                 </a:solidFill>
@@ -29319,7 +29911,7 @@
               <a:t>  </a:t>
             </a:r>
             <a:r>
-              <a:rPr lang="en-US" sz="1600">
+              <a:rPr lang="en-US" sz="1600" dirty="0">
                 <a:solidFill>
                   <a:srgbClr val="0000CD"/>
                 </a:solidFill>
@@ -29328,19 +29920,37 @@
               <a:t>def</a:t>
             </a:r>
             <a:r>
-              <a:rPr lang="en-US" sz="1600">
-                <a:solidFill>
-                  <a:srgbClr val="000000"/>
-                </a:solidFill>
-                <a:latin typeface="Consolas" panose="020B0609020204030204" pitchFamily="49" charset="0"/>
-              </a:rPr>
-              <a:t> __init__(self, name, age):</a:t>
+              <a:rPr lang="en-US" sz="1600" dirty="0">
+                <a:solidFill>
+                  <a:srgbClr val="000000"/>
+                </a:solidFill>
+                <a:latin typeface="Consolas" panose="020B0609020204030204" pitchFamily="49" charset="0"/>
+              </a:rPr>
+              <a:t> __</a:t>
+            </a:r>
+            <a:r>
+              <a:rPr lang="en-US" sz="1600" dirty="0" err="1">
+                <a:solidFill>
+                  <a:srgbClr val="000000"/>
+                </a:solidFill>
+                <a:latin typeface="Consolas" panose="020B0609020204030204" pitchFamily="49" charset="0"/>
+              </a:rPr>
+              <a:t>init</a:t>
+            </a:r>
+            <a:r>
+              <a:rPr lang="en-US" sz="1600" dirty="0">
+                <a:solidFill>
+                  <a:srgbClr val="000000"/>
+                </a:solidFill>
+                <a:latin typeface="Consolas" panose="020B0609020204030204" pitchFamily="49" charset="0"/>
+              </a:rPr>
+              <a:t>__(self, name, age):</a:t>
             </a:r>
             <a:br>
-              <a:rPr lang="en-US" sz="1600"/>
+              <a:rPr lang="en-US" sz="1600" dirty="0"/>
             </a:br>
             <a:r>
-              <a:rPr lang="en-US" sz="1600">
+              <a:rPr lang="en-US" sz="1600" dirty="0">
                 <a:solidFill>
                   <a:srgbClr val="000000"/>
                 </a:solidFill>
@@ -29349,22 +29959,40 @@
               <a:t>    self.name = name</a:t>
             </a:r>
             <a:br>
-              <a:rPr lang="en-US" sz="1600"/>
+              <a:rPr lang="en-US" sz="1600" dirty="0"/>
             </a:br>
             <a:r>
-              <a:rPr lang="en-US" sz="1600">
-                <a:solidFill>
-                  <a:srgbClr val="000000"/>
-                </a:solidFill>
-                <a:latin typeface="Consolas" panose="020B0609020204030204" pitchFamily="49" charset="0"/>
-              </a:rPr>
-              <a:t>    self.age = age</a:t>
+              <a:rPr lang="en-US" sz="1600" dirty="0">
+                <a:solidFill>
+                  <a:srgbClr val="000000"/>
+                </a:solidFill>
+                <a:latin typeface="Consolas" panose="020B0609020204030204" pitchFamily="49" charset="0"/>
+              </a:rPr>
+              <a:t>    </a:t>
+            </a:r>
+            <a:r>
+              <a:rPr lang="en-US" sz="1600" dirty="0" err="1">
+                <a:solidFill>
+                  <a:srgbClr val="000000"/>
+                </a:solidFill>
+                <a:latin typeface="Consolas" panose="020B0609020204030204" pitchFamily="49" charset="0"/>
+              </a:rPr>
+              <a:t>self.age</a:t>
+            </a:r>
+            <a:r>
+              <a:rPr lang="en-US" sz="1600" dirty="0">
+                <a:solidFill>
+                  <a:srgbClr val="000000"/>
+                </a:solidFill>
+                <a:latin typeface="Consolas" panose="020B0609020204030204" pitchFamily="49" charset="0"/>
+              </a:rPr>
+              <a:t> = age</a:t>
             </a:r>
             <a:br>
-              <a:rPr lang="en-US" sz="1600"/>
+              <a:rPr lang="en-US" sz="1600" dirty="0"/>
             </a:br>
             <a:r>
-              <a:rPr lang="en-US" sz="1600"/>
+              <a:rPr lang="en-US" sz="1600" dirty="0"/>
               <a:t>   </a:t>
             </a:r>
           </a:p>
@@ -29374,7 +30002,7 @@
               <a:buNone/>
             </a:pPr>
             <a:r>
-              <a:rPr lang="en-US" sz="1600">
+              <a:rPr lang="en-US" sz="1600" dirty="0">
                 <a:solidFill>
                   <a:srgbClr val="008000"/>
                 </a:solidFill>
@@ -29383,10 +30011,10 @@
               <a:t>  #To print the name and age</a:t>
             </a:r>
             <a:br>
-              <a:rPr lang="en-US" sz="1600"/>
+              <a:rPr lang="en-US" sz="1600" dirty="0"/>
             </a:br>
             <a:r>
-              <a:rPr lang="en-US" sz="1600">
+              <a:rPr lang="en-US" sz="1600" dirty="0">
                 <a:solidFill>
                   <a:srgbClr val="000000"/>
                 </a:solidFill>
@@ -29395,7 +30023,7 @@
               <a:t>  </a:t>
             </a:r>
             <a:r>
-              <a:rPr lang="en-US" sz="1600">
+              <a:rPr lang="en-US" sz="1600" dirty="0">
                 <a:solidFill>
                   <a:srgbClr val="0000CD"/>
                 </a:solidFill>
@@ -29404,46 +30032,100 @@
               <a:t>def</a:t>
             </a:r>
             <a:r>
-              <a:rPr lang="en-US" sz="1600">
-                <a:solidFill>
-                  <a:srgbClr val="000000"/>
-                </a:solidFill>
-                <a:latin typeface="Consolas" panose="020B0609020204030204" pitchFamily="49" charset="0"/>
-              </a:rPr>
-              <a:t> printInformation(self):</a:t>
+              <a:rPr lang="en-US" sz="1600" dirty="0">
+                <a:solidFill>
+                  <a:srgbClr val="000000"/>
+                </a:solidFill>
+                <a:latin typeface="Consolas" panose="020B0609020204030204" pitchFamily="49" charset="0"/>
+              </a:rPr>
+              <a:t> </a:t>
+            </a:r>
+            <a:r>
+              <a:rPr lang="en-US" sz="1600" dirty="0" err="1">
+                <a:solidFill>
+                  <a:srgbClr val="000000"/>
+                </a:solidFill>
+                <a:latin typeface="Consolas" panose="020B0609020204030204" pitchFamily="49" charset="0"/>
+              </a:rPr>
+              <a:t>printInformation</a:t>
+            </a:r>
+            <a:r>
+              <a:rPr lang="en-US" sz="1600" dirty="0">
+                <a:solidFill>
+                  <a:srgbClr val="000000"/>
+                </a:solidFill>
+                <a:latin typeface="Consolas" panose="020B0609020204030204" pitchFamily="49" charset="0"/>
+              </a:rPr>
+              <a:t>(self):</a:t>
             </a:r>
             <a:br>
-              <a:rPr lang="en-US" sz="1600"/>
+              <a:rPr lang="en-US" sz="1600" dirty="0"/>
             </a:br>
             <a:r>
-              <a:rPr lang="en-US" sz="1600">
-                <a:solidFill>
-                  <a:srgbClr val="000000"/>
-                </a:solidFill>
-                <a:latin typeface="Consolas" panose="020B0609020204030204" pitchFamily="49" charset="0"/>
-              </a:rPr>
-              <a:t>    print(self.name, self.age)</a:t>
+              <a:rPr lang="en-US" sz="1600" dirty="0">
+                <a:solidFill>
+                  <a:srgbClr val="000000"/>
+                </a:solidFill>
+                <a:latin typeface="Consolas" panose="020B0609020204030204" pitchFamily="49" charset="0"/>
+              </a:rPr>
+              <a:t>    print(self.name, </a:t>
+            </a:r>
+            <a:r>
+              <a:rPr lang="en-US" sz="1600" dirty="0" err="1">
+                <a:solidFill>
+                  <a:srgbClr val="000000"/>
+                </a:solidFill>
+                <a:latin typeface="Consolas" panose="020B0609020204030204" pitchFamily="49" charset="0"/>
+              </a:rPr>
+              <a:t>self.age</a:t>
+            </a:r>
+            <a:r>
+              <a:rPr lang="en-US" sz="1600" dirty="0">
+                <a:solidFill>
+                  <a:srgbClr val="000000"/>
+                </a:solidFill>
+                <a:latin typeface="Consolas" panose="020B0609020204030204" pitchFamily="49" charset="0"/>
+              </a:rPr>
+              <a:t>)</a:t>
             </a:r>
             <a:br>
-              <a:rPr lang="en-US" sz="1600"/>
+              <a:rPr lang="en-US" sz="1600" dirty="0"/>
             </a:br>
             <a:br>
-              <a:rPr lang="en-US" sz="1600"/>
+              <a:rPr lang="en-US" sz="1600" dirty="0"/>
             </a:br>
             <a:r>
-              <a:rPr lang="en-US" sz="1600">
+              <a:rPr lang="en-US" sz="1600" dirty="0">
                 <a:solidFill>
                   <a:srgbClr val="008000"/>
                 </a:solidFill>
                 <a:latin typeface="Consolas" panose="020B0609020204030204" pitchFamily="49" charset="0"/>
               </a:rPr>
-              <a:t>#Use the Animal class to create an object, and then execute the printInformation method:</a:t>
+              <a:t>#Use the Animal class to create an object, and then execute the </a:t>
+            </a:r>
+            <a:r>
+              <a:rPr lang="en-US" sz="1600" dirty="0" err="1">
+                <a:solidFill>
+                  <a:srgbClr val="008000"/>
+                </a:solidFill>
+                <a:latin typeface="Consolas" panose="020B0609020204030204" pitchFamily="49" charset="0"/>
+              </a:rPr>
+              <a:t>printInformation</a:t>
+            </a:r>
+            <a:r>
+              <a:rPr lang="en-US" sz="1600" dirty="0">
+                <a:solidFill>
+                  <a:srgbClr val="008000"/>
+                </a:solidFill>
+                <a:latin typeface="Consolas" panose="020B0609020204030204" pitchFamily="49" charset="0"/>
+              </a:rPr>
+              <a:t> method:</a:t>
             </a:r>
             <a:br>
-              <a:rPr lang="en-US" sz="1600"/>
+              <a:rPr lang="en-US" sz="1600" dirty="0"/>
             </a:br>
             <a:r>
-              <a:rPr lang="en-US" sz="1600">
+              <a:rPr lang="en-US" sz="1600" dirty="0">
                 <a:solidFill>
                   <a:srgbClr val="000000"/>
                 </a:solidFill>
@@ -29452,16 +30134,34 @@
               <a:t>x = Animal(</a:t>
             </a:r>
             <a:r>
-              <a:rPr lang="en-US" sz="1600">
+              <a:rPr lang="en-US" sz="1600" dirty="0">
                 <a:solidFill>
                   <a:srgbClr val="A52A2A"/>
                 </a:solidFill>
                 <a:latin typeface="Consolas" panose="020B0609020204030204" pitchFamily="49" charset="0"/>
               </a:rPr>
-              <a:t>“Pookie”</a:t>
-            </a:r>
-            <a:r>
-              <a:rPr lang="en-US" sz="1600">
+              <a:t>“</a:t>
+            </a:r>
+            <a:r>
+              <a:rPr lang="en-US" sz="1600" dirty="0" err="1">
+                <a:solidFill>
+                  <a:srgbClr val="A52A2A"/>
+                </a:solidFill>
+                <a:latin typeface="Consolas" panose="020B0609020204030204" pitchFamily="49" charset="0"/>
+              </a:rPr>
+              <a:t>Pookie</a:t>
+            </a:r>
+            <a:r>
+              <a:rPr lang="en-US" sz="1600" dirty="0">
+                <a:solidFill>
+                  <a:srgbClr val="A52A2A"/>
+                </a:solidFill>
+                <a:latin typeface="Consolas" panose="020B0609020204030204" pitchFamily="49" charset="0"/>
+              </a:rPr>
+              <a:t>”</a:t>
+            </a:r>
+            <a:r>
+              <a:rPr lang="en-US" sz="1600" dirty="0">
                 <a:solidFill>
                   <a:srgbClr val="000000"/>
                 </a:solidFill>
@@ -29470,7 +30170,7 @@
               <a:t>, </a:t>
             </a:r>
             <a:r>
-              <a:rPr lang="en-US" sz="1600">
+              <a:rPr lang="en-US" sz="1600" dirty="0">
                 <a:solidFill>
                   <a:srgbClr val="A52A2A"/>
                 </a:solidFill>
@@ -29479,7 +30179,7 @@
               <a:t>14</a:t>
             </a:r>
             <a:r>
-              <a:rPr lang="en-US" sz="1600">
+              <a:rPr lang="en-US" sz="1600" dirty="0">
                 <a:solidFill>
                   <a:srgbClr val="000000"/>
                 </a:solidFill>
@@ -29488,16 +30188,25 @@
               <a:t>)</a:t>
             </a:r>
             <a:br>
-              <a:rPr lang="en-US" sz="1600"/>
+              <a:rPr lang="en-US" sz="1600" dirty="0"/>
             </a:br>
             <a:r>
-              <a:rPr lang="en-US" sz="1600">
-                <a:solidFill>
-                  <a:srgbClr val="000000"/>
-                </a:solidFill>
-                <a:latin typeface="Consolas" panose="020B0609020204030204" pitchFamily="49" charset="0"/>
-              </a:rPr>
-              <a:t>x.printInformation()</a:t>
+              <a:rPr lang="en-US" sz="1600" dirty="0" err="1">
+                <a:solidFill>
+                  <a:srgbClr val="000000"/>
+                </a:solidFill>
+                <a:latin typeface="Consolas" panose="020B0609020204030204" pitchFamily="49" charset="0"/>
+              </a:rPr>
+              <a:t>x.printInformation</a:t>
+            </a:r>
+            <a:r>
+              <a:rPr lang="en-US" sz="1600" dirty="0">
+                <a:solidFill>
+                  <a:srgbClr val="000000"/>
+                </a:solidFill>
+                <a:latin typeface="Consolas" panose="020B0609020204030204" pitchFamily="49" charset="0"/>
+              </a:rPr>
+              <a:t>()</a:t>
             </a:r>
             <a:endParaRPr lang="en-US" sz="1600" i="1" dirty="0"/>
           </a:p>
@@ -29533,7 +30242,7 @@
           </a:ln>
           <a:extLst>
             <a:ext uri="{C572A759-6A51-4108-AA02-DFA0A04FC94B}">
-              <ma14:wrappingTextBoxFlag xmlns:ma14="http://schemas.microsoft.com/office/mac/drawingml/2011/main" xmlns="" val="1"/>
+              <ma14:wrappingTextBoxFlag xmlns="" xmlns:ma14="http://schemas.microsoft.com/office/mac/drawingml/2011/main" val="1"/>
             </a:ext>
           </a:extLst>
         </p:spPr>
@@ -30342,6 +31051,11 @@
   <p:clrMapOvr>
     <a:masterClrMapping/>
   </p:clrMapOvr>
+  <p:extLst>
+    <p:ext uri="{6950BFC3-D8DA-4A85-94F7-54DA5524770B}">
+      <p188:commentRel xmlns:p188="http://schemas.microsoft.com/office/powerpoint/2018/8/main" r:id="rId2"/>
+    </p:ext>
+  </p:extLst>
 </p:sld>
 </file>
 
@@ -30968,7 +31682,7 @@
           </a:ln>
           <a:extLst>
             <a:ext uri="{C572A759-6A51-4108-AA02-DFA0A04FC94B}">
-              <ma14:wrappingTextBoxFlag xmlns:ma14="http://schemas.microsoft.com/office/mac/drawingml/2011/main" xmlns="" val="1"/>
+              <ma14:wrappingTextBoxFlag xmlns="" xmlns:ma14="http://schemas.microsoft.com/office/mac/drawingml/2011/main" val="1"/>
             </a:ext>
           </a:extLst>
         </p:spPr>
@@ -31530,7 +32244,7 @@
           </a:ln>
           <a:extLst>
             <a:ext uri="{C572A759-6A51-4108-AA02-DFA0A04FC94B}">
-              <ma14:wrappingTextBoxFlag xmlns:ma14="http://schemas.microsoft.com/office/mac/drawingml/2011/main" xmlns="" val="1"/>
+              <ma14:wrappingTextBoxFlag xmlns="" xmlns:ma14="http://schemas.microsoft.com/office/mac/drawingml/2011/main" val="1"/>
             </a:ext>
           </a:extLst>
         </p:spPr>
@@ -31870,7 +32584,7 @@
           </a:ln>
           <a:extLst>
             <a:ext uri="{C572A759-6A51-4108-AA02-DFA0A04FC94B}">
-              <ma14:wrappingTextBoxFlag xmlns:ma14="http://schemas.microsoft.com/office/mac/drawingml/2011/main" xmlns="" val="1"/>
+              <ma14:wrappingTextBoxFlag xmlns="" xmlns:ma14="http://schemas.microsoft.com/office/mac/drawingml/2011/main" val="1"/>
             </a:ext>
           </a:extLst>
         </p:spPr>
@@ -33113,7 +33827,7 @@
           <a:p>
             <a:r>
               <a:rPr lang="en-US" dirty="0"/>
-              <a:t>An Object is simply a collection of data (variables) and methods (functions) that act on this data. A class is a blueprint for the object. We can create many objects from a class. An object is also called an instance of a class.</a:t>
+              <a:t>An Object is a collection of data (variables) and methods (functions) that act on this data. A class is a blueprint for the object. We can create many objects from a class. An object is also called an instance of a class.</a:t>
             </a:r>
           </a:p>
           <a:p>
@@ -33137,8 +33851,8 @@
         </p:nvSpPr>
         <p:spPr>
           <a:xfrm>
-            <a:off x="1164352" y="3708119"/>
-            <a:ext cx="4931648" cy="2506895"/>
+            <a:off x="1164351" y="3708119"/>
+            <a:ext cx="9298997" cy="2506895"/>
           </a:xfrm>
           <a:prstGeom prst="rect">
             <a:avLst/>
@@ -33151,7 +33865,7 @@
           </a:ln>
           <a:extLst>
             <a:ext uri="{C572A759-6A51-4108-AA02-DFA0A04FC94B}">
-              <ma14:wrappingTextBoxFlag xmlns:ma14="http://schemas.microsoft.com/office/mac/drawingml/2011/main" xmlns="" val="1"/>
+              <ma14:wrappingTextBoxFlag xmlns="" xmlns:ma14="http://schemas.microsoft.com/office/mac/drawingml/2011/main" val="1"/>
             </a:ext>
           </a:extLst>
         </p:spPr>
@@ -33443,7 +34157,7 @@
                 </a:solidFill>
                 <a:latin typeface="Consolas" panose="020B0609020204030204" pitchFamily="49" charset="0"/>
               </a:rPr>
-              <a:t>#Like function definitions begin with the keyword </a:t>
+              <a:t># Like function definitions begin with the keyword </a:t>
             </a:r>
             <a:r>
               <a:rPr lang="en-US" sz="1600" b="1" u="sng" dirty="0">
@@ -33461,7 +34175,24 @@
                 </a:solidFill>
                 <a:latin typeface="Consolas" panose="020B0609020204030204" pitchFamily="49" charset="0"/>
               </a:rPr>
-              <a:t>, in Python, we define a class using the keyword </a:t>
+              <a:t>,</a:t>
+            </a:r>
+            <a:br>
+              <a:rPr lang="en-US" sz="1600" dirty="0">
+                <a:solidFill>
+                  <a:srgbClr val="008000"/>
+                </a:solidFill>
+                <a:latin typeface="Consolas" panose="020B0609020204030204" pitchFamily="49" charset="0"/>
+              </a:rPr>
+            </a:br>
+            <a:r>
+              <a:rPr lang="en-US" sz="1600" dirty="0">
+                <a:solidFill>
+                  <a:srgbClr val="008000"/>
+                </a:solidFill>
+                <a:latin typeface="Consolas" panose="020B0609020204030204" pitchFamily="49" charset="0"/>
+              </a:rPr>
+              <a:t># we define a class using the keyword </a:t>
             </a:r>
             <a:r>
               <a:rPr lang="en-US" sz="1600" b="1" u="sng" dirty="0">
@@ -33493,7 +34224,25 @@
                 </a:solidFill>
                 <a:latin typeface="Consolas" panose="020B0609020204030204" pitchFamily="49" charset="0"/>
               </a:rPr>
-              <a:t>Here is a simple class definition:</a:t>
+              <a:t># Here is a simple class definition named </a:t>
+            </a:r>
+            <a:r>
+              <a:rPr lang="en-US" sz="1600" dirty="0" err="1">
+                <a:solidFill>
+                  <a:srgbClr val="008000"/>
+                </a:solidFill>
+                <a:latin typeface="Consolas" panose="020B0609020204030204" pitchFamily="49" charset="0"/>
+              </a:rPr>
+              <a:t>MyNewClass</a:t>
+            </a:r>
+            <a:r>
+              <a:rPr lang="en-US" sz="1600" dirty="0">
+                <a:solidFill>
+                  <a:srgbClr val="008000"/>
+                </a:solidFill>
+                <a:latin typeface="Consolas" panose="020B0609020204030204" pitchFamily="49" charset="0"/>
+              </a:rPr>
+              <a:t>:</a:t>
             </a:r>
           </a:p>
           <a:p>
@@ -33501,81 +34250,75 @@
               <a:buFont typeface="Arial"/>
               <a:buNone/>
             </a:pPr>
-            <a:endParaRPr lang="en-US" sz="1600" dirty="0">
+            <a:r>
+              <a:rPr lang="en-US" sz="1600" b="0" i="0" dirty="0">
+                <a:solidFill>
+                  <a:srgbClr val="0000CD"/>
+                </a:solidFill>
+                <a:effectLst/>
+                <a:latin typeface="Consolas" panose="020B0609020204030204" pitchFamily="49" charset="0"/>
+              </a:rPr>
+              <a:t>class</a:t>
+            </a:r>
+            <a:r>
+              <a:rPr lang="en-US" sz="1600" b="0" i="0" dirty="0">
+                <a:solidFill>
+                  <a:srgbClr val="000000"/>
+                </a:solidFill>
+                <a:effectLst/>
+                <a:latin typeface="Consolas" panose="020B0609020204030204" pitchFamily="49" charset="0"/>
+              </a:rPr>
+              <a:t> </a:t>
+            </a:r>
+            <a:r>
+              <a:rPr lang="en-US" sz="1600" b="0" i="0" dirty="0" err="1">
+                <a:solidFill>
+                  <a:srgbClr val="000000"/>
+                </a:solidFill>
+                <a:effectLst/>
+                <a:latin typeface="Consolas" panose="020B0609020204030204" pitchFamily="49" charset="0"/>
+              </a:rPr>
+              <a:t>MyNewClass</a:t>
+            </a:r>
+            <a:r>
+              <a:rPr lang="en-US" sz="1600" b="0" i="0" dirty="0">
+                <a:solidFill>
+                  <a:srgbClr val="000000"/>
+                </a:solidFill>
+                <a:effectLst/>
+                <a:latin typeface="Consolas" panose="020B0609020204030204" pitchFamily="49" charset="0"/>
+              </a:rPr>
+              <a:t>:</a:t>
+            </a:r>
+            <a:br>
+              <a:rPr lang="en-US" sz="1600" dirty="0"/>
+            </a:br>
+            <a:r>
+              <a:rPr lang="en-US" sz="1600" b="0" i="0" dirty="0">
+                <a:solidFill>
+                  <a:srgbClr val="000000"/>
+                </a:solidFill>
+                <a:effectLst/>
+                <a:latin typeface="Consolas" panose="020B0609020204030204" pitchFamily="49" charset="0"/>
+              </a:rPr>
+              <a:t>  </a:t>
+            </a:r>
+            <a:r>
+              <a:rPr lang="en-US" sz="1600" dirty="0">
+                <a:solidFill>
+                  <a:srgbClr val="0000CD"/>
+                </a:solidFill>
+                <a:latin typeface="Consolas" panose="020B0609020204030204" pitchFamily="49" charset="0"/>
+              </a:rPr>
+              <a:t># …</a:t>
+            </a:r>
+            <a:endParaRPr lang="en-US" sz="1600" b="0" i="0" dirty="0">
               <a:solidFill>
                 <a:srgbClr val="0000CD"/>
               </a:solidFill>
+              <a:effectLst/>
               <a:latin typeface="Consolas" panose="020B0609020204030204" pitchFamily="49" charset="0"/>
             </a:endParaRPr>
-          </a:p>
-          <a:p>
-            <a:pPr marL="0" indent="0" hangingPunct="1">
-              <a:buFont typeface="Arial"/>
-              <a:buNone/>
-            </a:pPr>
-            <a:r>
-              <a:rPr lang="en-US" sz="1600" b="0" i="0" dirty="0">
-                <a:solidFill>
-                  <a:srgbClr val="0000CD"/>
-                </a:solidFill>
-                <a:effectLst/>
-                <a:latin typeface="Consolas" panose="020B0609020204030204" pitchFamily="49" charset="0"/>
-              </a:rPr>
-              <a:t>class</a:t>
-            </a:r>
-            <a:r>
-              <a:rPr lang="en-US" sz="1600" b="0" i="0" dirty="0">
-                <a:solidFill>
-                  <a:srgbClr val="000000"/>
-                </a:solidFill>
-                <a:effectLst/>
-                <a:latin typeface="Consolas" panose="020B0609020204030204" pitchFamily="49" charset="0"/>
-              </a:rPr>
-              <a:t> </a:t>
-            </a:r>
-            <a:r>
-              <a:rPr lang="en-US" sz="1600" b="0" i="0" dirty="0" err="1">
-                <a:solidFill>
-                  <a:srgbClr val="000000"/>
-                </a:solidFill>
-                <a:effectLst/>
-                <a:latin typeface="Consolas" panose="020B0609020204030204" pitchFamily="49" charset="0"/>
-              </a:rPr>
-              <a:t>MyNewClass</a:t>
-            </a:r>
-            <a:r>
-              <a:rPr lang="en-US" sz="1600" b="0" i="0" dirty="0">
-                <a:solidFill>
-                  <a:srgbClr val="000000"/>
-                </a:solidFill>
-                <a:effectLst/>
-                <a:latin typeface="Consolas" panose="020B0609020204030204" pitchFamily="49" charset="0"/>
-              </a:rPr>
-              <a:t>:</a:t>
-            </a:r>
-            <a:br>
-              <a:rPr lang="en-US" sz="1600" dirty="0"/>
-            </a:br>
-            <a:r>
-              <a:rPr lang="en-US" sz="1600" b="0" i="0" dirty="0">
-                <a:solidFill>
-                  <a:srgbClr val="000000"/>
-                </a:solidFill>
-                <a:effectLst/>
-                <a:latin typeface="Consolas" panose="020B0609020204030204" pitchFamily="49" charset="0"/>
-              </a:rPr>
-              <a:t>  </a:t>
-            </a:r>
-            <a:r>
-              <a:rPr lang="en-US" sz="1600" b="0" i="0" dirty="0">
-                <a:solidFill>
-                  <a:srgbClr val="0000CD"/>
-                </a:solidFill>
-                <a:effectLst/>
-                <a:latin typeface="Consolas" panose="020B0609020204030204" pitchFamily="49" charset="0"/>
-              </a:rPr>
-              <a:t>pass</a:t>
-            </a:r>
           </a:p>
           <a:p>
             <a:pPr marL="0" indent="0" hangingPunct="1">
@@ -33881,7 +34624,7 @@
               <a:buNone/>
             </a:pPr>
             <a:r>
-              <a:rPr lang="en-US" sz="1600">
+              <a:rPr lang="en-US" sz="1600" dirty="0">
                 <a:solidFill>
                   <a:srgbClr val="0000CD"/>
                 </a:solidFill>
@@ -33890,7 +34633,7 @@
               <a:t>class</a:t>
             </a:r>
             <a:r>
-              <a:rPr lang="en-US" sz="1600">
+              <a:rPr lang="en-US" sz="1600" dirty="0">
                 <a:solidFill>
                   <a:srgbClr val="000000"/>
                 </a:solidFill>
@@ -33905,7 +34648,7 @@
               <a:buNone/>
             </a:pPr>
             <a:r>
-              <a:rPr lang="en-US" sz="1600">
+              <a:rPr lang="en-US" sz="1600" dirty="0">
                 <a:solidFill>
                   <a:srgbClr val="008000"/>
                 </a:solidFill>
@@ -33914,10 +34657,10 @@
               <a:t>  </a:t>
             </a:r>
             <a:br>
-              <a:rPr lang="en-US" sz="1600"/>
+              <a:rPr lang="en-US" sz="1600" dirty="0"/>
             </a:br>
             <a:r>
-              <a:rPr lang="en-US" sz="1600">
+              <a:rPr lang="en-US" sz="1600" dirty="0">
                 <a:solidFill>
                   <a:srgbClr val="000000"/>
                 </a:solidFill>
@@ -33926,7 +34669,7 @@
               <a:t>  </a:t>
             </a:r>
             <a:r>
-              <a:rPr lang="en-US" sz="1600">
+              <a:rPr lang="en-US" sz="1600" dirty="0">
                 <a:solidFill>
                   <a:srgbClr val="0000CD"/>
                 </a:solidFill>
@@ -33935,7 +34678,7 @@
               <a:t>def</a:t>
             </a:r>
             <a:r>
-              <a:rPr lang="en-US" sz="1600">
+              <a:rPr lang="en-US" sz="1600" dirty="0">
                 <a:solidFill>
                   <a:srgbClr val="000000"/>
                 </a:solidFill>
@@ -33944,10 +34687,10 @@
               <a:t> basic(self):</a:t>
             </a:r>
             <a:br>
-              <a:rPr lang="en-US" sz="1600"/>
+              <a:rPr lang="en-US" sz="1600" dirty="0"/>
             </a:br>
             <a:r>
-              <a:rPr lang="en-US" sz="1600">
+              <a:rPr lang="en-US" sz="1600" dirty="0">
                 <a:solidFill>
                   <a:srgbClr val="000000"/>
                 </a:solidFill>
@@ -33956,7 +34699,7 @@
               <a:t>    print(</a:t>
             </a:r>
             <a:r>
-              <a:rPr lang="en-US" sz="1600">
+              <a:rPr lang="en-US" sz="1600" dirty="0">
                 <a:solidFill>
                   <a:srgbClr val="A52A2A"/>
                 </a:solidFill>
@@ -33965,7 +34708,7 @@
               <a:t>“This is a class“</a:t>
             </a:r>
             <a:r>
-              <a:rPr lang="en-US" sz="1600">
+              <a:rPr lang="en-US" sz="1600" dirty="0">
                 <a:latin typeface="Consolas" panose="020B0609020204030204" pitchFamily="49" charset="0"/>
               </a:rPr>
               <a:t>)</a:t>
@@ -33977,7 +34720,7 @@
               <a:buNone/>
             </a:pPr>
             <a:r>
-              <a:rPr lang="en-US" sz="1600">
+              <a:rPr lang="en-US" sz="1600" dirty="0">
                 <a:solidFill>
                   <a:srgbClr val="000000"/>
                 </a:solidFill>
@@ -33986,7 +34729,7 @@
               <a:t>  </a:t>
             </a:r>
             <a:r>
-              <a:rPr lang="en-US" sz="1600">
+              <a:rPr lang="en-US" sz="1600" dirty="0">
                 <a:solidFill>
                   <a:srgbClr val="0000CD"/>
                 </a:solidFill>
@@ -33995,19 +34738,37 @@
               <a:t>def</a:t>
             </a:r>
             <a:r>
-              <a:rPr lang="en-US" sz="1600">
-                <a:solidFill>
-                  <a:srgbClr val="000000"/>
-                </a:solidFill>
-                <a:latin typeface="Consolas" panose="020B0609020204030204" pitchFamily="49" charset="0"/>
-              </a:rPr>
-              <a:t> add(self,a):</a:t>
+              <a:rPr lang="en-US" sz="1600" dirty="0">
+                <a:solidFill>
+                  <a:srgbClr val="000000"/>
+                </a:solidFill>
+                <a:latin typeface="Consolas" panose="020B0609020204030204" pitchFamily="49" charset="0"/>
+              </a:rPr>
+              <a:t> add(</a:t>
+            </a:r>
+            <a:r>
+              <a:rPr lang="en-US" sz="1600" dirty="0" err="1">
+                <a:solidFill>
+                  <a:srgbClr val="000000"/>
+                </a:solidFill>
+                <a:latin typeface="Consolas" panose="020B0609020204030204" pitchFamily="49" charset="0"/>
+              </a:rPr>
+              <a:t>self,a</a:t>
+            </a:r>
+            <a:r>
+              <a:rPr lang="en-US" sz="1600" dirty="0">
+                <a:solidFill>
+                  <a:srgbClr val="000000"/>
+                </a:solidFill>
+                <a:latin typeface="Consolas" panose="020B0609020204030204" pitchFamily="49" charset="0"/>
+              </a:rPr>
+              <a:t>):</a:t>
             </a:r>
             <a:br>
-              <a:rPr lang="en-US" sz="1600"/>
+              <a:rPr lang="en-US" sz="1600" dirty="0"/>
             </a:br>
             <a:r>
-              <a:rPr lang="en-US" sz="1600">
+              <a:rPr lang="en-US" sz="1600" dirty="0">
                 <a:solidFill>
                   <a:srgbClr val="000000"/>
                 </a:solidFill>
@@ -34016,14 +34777,14 @@
               <a:t>    add = a + 10</a:t>
             </a:r>
             <a:br>
-              <a:rPr lang="en-US" sz="1600"/>
+              <a:rPr lang="en-US" sz="1600" dirty="0"/>
             </a:br>
             <a:r>
-              <a:rPr lang="en-US" sz="1600"/>
+              <a:rPr lang="en-US" sz="1600" dirty="0"/>
               <a:t>       </a:t>
             </a:r>
             <a:r>
-              <a:rPr lang="en-US" sz="1600">
+              <a:rPr lang="en-US" sz="1600" dirty="0">
                 <a:solidFill>
                   <a:srgbClr val="000000"/>
                 </a:solidFill>
@@ -34032,31 +34793,67 @@
               <a:t>print(</a:t>
             </a:r>
             <a:r>
-              <a:rPr lang="en-US" sz="1600">
+              <a:rPr lang="en-US" sz="1600" dirty="0">
                 <a:latin typeface="Consolas" panose="020B0609020204030204" pitchFamily="49" charset="0"/>
               </a:rPr>
               <a:t>add)</a:t>
             </a:r>
             <a:br>
-              <a:rPr lang="en-US" sz="1600"/>
+              <a:rPr lang="en-US" sz="1600" dirty="0"/>
             </a:br>
             <a:br>
-              <a:rPr lang="en-US" sz="1600"/>
+              <a:rPr lang="en-US" sz="1600" dirty="0"/>
             </a:br>
             <a:r>
-              <a:rPr lang="en-US" sz="1600">
+              <a:rPr lang="en-US" sz="1600" dirty="0">
                 <a:solidFill>
                   <a:srgbClr val="008000"/>
                 </a:solidFill>
                 <a:latin typeface="Consolas" panose="020B0609020204030204" pitchFamily="49" charset="0"/>
               </a:rPr>
-              <a:t>#class method nameOfObject = nameOfClass()</a:t>
+              <a:t>#class method </a:t>
+            </a:r>
+            <a:r>
+              <a:rPr lang="en-US" sz="1600" dirty="0" err="1">
+                <a:solidFill>
+                  <a:srgbClr val="008000"/>
+                </a:solidFill>
+                <a:latin typeface="Consolas" panose="020B0609020204030204" pitchFamily="49" charset="0"/>
+              </a:rPr>
+              <a:t>nameOfObject</a:t>
+            </a:r>
+            <a:r>
+              <a:rPr lang="en-US" sz="1600" dirty="0">
+                <a:solidFill>
+                  <a:srgbClr val="008000"/>
+                </a:solidFill>
+                <a:latin typeface="Consolas" panose="020B0609020204030204" pitchFamily="49" charset="0"/>
+              </a:rPr>
+              <a:t> = </a:t>
+            </a:r>
+            <a:r>
+              <a:rPr lang="en-US" sz="1600" dirty="0" err="1">
+                <a:solidFill>
+                  <a:srgbClr val="008000"/>
+                </a:solidFill>
+                <a:latin typeface="Consolas" panose="020B0609020204030204" pitchFamily="49" charset="0"/>
+              </a:rPr>
+              <a:t>nameOfClass</a:t>
+            </a:r>
+            <a:r>
+              <a:rPr lang="en-US" sz="1600" dirty="0">
+                <a:solidFill>
+                  <a:srgbClr val="008000"/>
+                </a:solidFill>
+                <a:latin typeface="Consolas" panose="020B0609020204030204" pitchFamily="49" charset="0"/>
+              </a:rPr>
+              <a:t>()</a:t>
             </a:r>
             <a:br>
-              <a:rPr lang="en-US" sz="1600"/>
+              <a:rPr lang="en-US" sz="1600" dirty="0"/>
             </a:br>
             <a:r>
-              <a:rPr lang="en-US" sz="1600">
+              <a:rPr lang="en-US" sz="1600" dirty="0">
                 <a:solidFill>
                   <a:srgbClr val="000000"/>
                 </a:solidFill>
@@ -34065,15 +34862,33 @@
               <a:t>object = Names()</a:t>
             </a:r>
             <a:br>
-              <a:rPr lang="en-US" sz="1600">
+              <a:rPr lang="en-US" sz="1600" dirty="0">
                 <a:latin typeface="Consolas" panose="020B0609020204030204" pitchFamily="49" charset="0"/>
               </a:rPr>
             </a:br>
             <a:r>
-              <a:rPr lang="en-US" sz="1600">
-                <a:latin typeface="Consolas" panose="020B0609020204030204" pitchFamily="49" charset="0"/>
-              </a:rPr>
-              <a:t>object.basic()                                                 object.add(10)</a:t>
+              <a:rPr lang="en-US" sz="1600" dirty="0" err="1">
+                <a:latin typeface="Consolas" panose="020B0609020204030204" pitchFamily="49" charset="0"/>
+              </a:rPr>
+              <a:t>object.basic</a:t>
+            </a:r>
+            <a:r>
+              <a:rPr lang="en-US" sz="1600" dirty="0">
+                <a:latin typeface="Consolas" panose="020B0609020204030204" pitchFamily="49" charset="0"/>
+              </a:rPr>
+              <a:t>()                                                 </a:t>
+            </a:r>
+            <a:r>
+              <a:rPr lang="en-US" sz="1600" dirty="0" err="1">
+                <a:latin typeface="Consolas" panose="020B0609020204030204" pitchFamily="49" charset="0"/>
+              </a:rPr>
+              <a:t>object.add</a:t>
+            </a:r>
+            <a:r>
+              <a:rPr lang="en-US" sz="1600" dirty="0">
+                <a:latin typeface="Consolas" panose="020B0609020204030204" pitchFamily="49" charset="0"/>
+              </a:rPr>
+              <a:t>(10)</a:t>
             </a:r>
           </a:p>
           <a:p>
@@ -34081,7 +34896,7 @@
               <a:buFont typeface="Arial" panose="020B0604020202020204" pitchFamily="34" charset="0"/>
               <a:buNone/>
             </a:pPr>
-            <a:endParaRPr lang="en-US" sz="1600"/>
+            <a:endParaRPr lang="en-US" sz="1600" dirty="0"/>
           </a:p>
           <a:p>
             <a:pPr marL="0" indent="0">
@@ -34122,7 +34937,7 @@
           </a:ln>
           <a:extLst>
             <a:ext uri="{C572A759-6A51-4108-AA02-DFA0A04FC94B}">
-              <ma14:wrappingTextBoxFlag xmlns:ma14="http://schemas.microsoft.com/office/mac/drawingml/2011/main" xmlns="" val="1"/>
+              <ma14:wrappingTextBoxFlag xmlns="" xmlns:ma14="http://schemas.microsoft.com/office/mac/drawingml/2011/main" val="1"/>
             </a:ext>
           </a:extLst>
         </p:spPr>
@@ -34454,6 +35269,11 @@
   <p:clrMapOvr>
     <a:masterClrMapping/>
   </p:clrMapOvr>
+  <p:extLst>
+    <p:ext uri="{6950BFC3-D8DA-4A85-94F7-54DA5524770B}">
+      <p188:commentRel xmlns:p188="http://schemas.microsoft.com/office/powerpoint/2018/8/main" r:id="rId2"/>
+    </p:ext>
+  </p:extLst>
 </p:sld>
 </file>
 
@@ -34909,6 +35729,11 @@
   <p:clrMapOvr>
     <a:masterClrMapping/>
   </p:clrMapOvr>
+  <p:extLst>
+    <p:ext uri="{6950BFC3-D8DA-4A85-94F7-54DA5524770B}">
+      <p188:commentRel xmlns:p188="http://schemas.microsoft.com/office/powerpoint/2018/8/main" r:id="rId2"/>
+    </p:ext>
+  </p:extLst>
 </p:sld>
 </file>
 
@@ -35753,6 +36578,11 @@
   <p:clrMapOvr>
     <a:masterClrMapping/>
   </p:clrMapOvr>
+  <p:extLst>
+    <p:ext uri="{6950BFC3-D8DA-4A85-94F7-54DA5524770B}">
+      <p188:commentRel xmlns:p188="http://schemas.microsoft.com/office/powerpoint/2018/8/main" r:id="rId2"/>
+    </p:ext>
+  </p:extLst>
 </p:sld>
 </file>
 
@@ -35882,7 +36712,7 @@
           <p:nvPr/>
         </p:nvPicPr>
         <p:blipFill>
-          <a:blip r:embed="rId3">
+          <a:blip r:embed="rId4">
             <a:extLst>
               <a:ext uri="{28A0092B-C50C-407E-A947-70E740481C1C}">
                 <a14:useLocalDpi xmlns:a14="http://schemas.microsoft.com/office/drawing/2010/main" val="0"/>
@@ -35924,6 +36754,11 @@
   <p:clrMapOvr>
     <a:masterClrMapping/>
   </p:clrMapOvr>
+  <p:extLst>
+    <p:ext uri="{6950BFC3-D8DA-4A85-94F7-54DA5524770B}">
+      <p188:commentRel xmlns:p188="http://schemas.microsoft.com/office/powerpoint/2018/8/main" r:id="rId3"/>
+    </p:ext>
+  </p:extLst>
 </p:sld>
 </file>
 
@@ -36518,6 +37353,16 @@
 </file>
 
 <file path=customXml/item1.xml><?xml version="1.0" encoding="utf-8"?>
+<p:properties xmlns:p="http://schemas.microsoft.com/office/2006/metadata/properties" xmlns:xsi="http://www.w3.org/2001/XMLSchema-instance" xmlns:pc="http://schemas.microsoft.com/office/infopath/2007/PartnerControls">
+  <documentManagement>
+    <lcf76f155ced4ddcb4097134ff3c332f xmlns="9b614674-bb2d-4c45-94ea-39f42762d3ae">
+      <Terms xmlns="http://schemas.microsoft.com/office/infopath/2007/PartnerControls"/>
+    </lcf76f155ced4ddcb4097134ff3c332f>
+  </documentManagement>
+</p:properties>
+</file>
+
+<file path=customXml/item2.xml><?xml version="1.0" encoding="utf-8"?>
 <ct:contentTypeSchema xmlns:ct="http://schemas.microsoft.com/office/2006/metadata/contentType" xmlns:ma="http://schemas.microsoft.com/office/2006/metadata/properties/metaAttributes" ct:_="" ma:_="" ma:contentTypeName="Document" ma:contentTypeID="0x010100F1325F46957A7D4694A8ACC888AA2621" ma:contentTypeVersion="7" ma:contentTypeDescription="Een nieuw document maken." ma:contentTypeScope="" ma:versionID="14c5700b56297cf9c66eff42b9f64bd4">
   <xsd:schema xmlns:xsd="http://www.w3.org/2001/XMLSchema" xmlns:xs="http://www.w3.org/2001/XMLSchema" xmlns:p="http://schemas.microsoft.com/office/2006/metadata/properties" xmlns:ns2="9b614674-bb2d-4c45-94ea-39f42762d3ae" targetNamespace="http://schemas.microsoft.com/office/2006/metadata/properties" ma:root="true" ma:fieldsID="4e421ba7028bb8b9c0acf45abfb7d816" ns2:_="">
     <xsd:import namespace="9b614674-bb2d-4c45-94ea-39f42762d3ae"/>
@@ -36677,16 +37522,6 @@
 </ct:contentTypeSchema>
 </file>
 
-<file path=customXml/item2.xml><?xml version="1.0" encoding="utf-8"?>
-<p:properties xmlns:p="http://schemas.microsoft.com/office/2006/metadata/properties" xmlns:xsi="http://www.w3.org/2001/XMLSchema-instance" xmlns:pc="http://schemas.microsoft.com/office/infopath/2007/PartnerControls">
-  <documentManagement>
-    <lcf76f155ced4ddcb4097134ff3c332f xmlns="9b614674-bb2d-4c45-94ea-39f42762d3ae">
-      <Terms xmlns="http://schemas.microsoft.com/office/infopath/2007/PartnerControls"/>
-    </lcf76f155ced4ddcb4097134ff3c332f>
-  </documentManagement>
-</p:properties>
-</file>
-
 <file path=customXml/item3.xml><?xml version="1.0" encoding="utf-8"?>
 <?mso-contentType ?>
 <FormTemplates xmlns="http://schemas.microsoft.com/sharepoint/v3/contenttype/forms">
@@ -36697,6 +37532,16 @@
 </file>
 
 <file path=customXml/itemProps1.xml><?xml version="1.0" encoding="utf-8"?>
+<ds:datastoreItem xmlns:ds="http://schemas.openxmlformats.org/officeDocument/2006/customXml" ds:itemID="{4B4D6183-A0C2-41B9-BD62-0CD29AC5B1EF}">
+  <ds:schemaRefs>
+    <ds:schemaRef ds:uri="http://schemas.microsoft.com/office/2006/metadata/properties"/>
+    <ds:schemaRef ds:uri="http://schemas.microsoft.com/office/infopath/2007/PartnerControls"/>
+    <ds:schemaRef ds:uri="9b614674-bb2d-4c45-94ea-39f42762d3ae"/>
+  </ds:schemaRefs>
+</ds:datastoreItem>
+</file>
+
+<file path=customXml/itemProps2.xml><?xml version="1.0" encoding="utf-8"?>
 <ds:datastoreItem xmlns:ds="http://schemas.openxmlformats.org/officeDocument/2006/customXml" ds:itemID="{CDDBE3B0-F9E2-412D-9C85-6D1F6264D44A}">
   <ds:schemaRefs>
     <ds:schemaRef ds:uri="http://schemas.microsoft.com/office/2006/metadata/contentType"/>
@@ -36714,16 +37559,6 @@
 </ds:datastoreItem>
 </file>
 
-<file path=customXml/itemProps2.xml><?xml version="1.0" encoding="utf-8"?>
-<ds:datastoreItem xmlns:ds="http://schemas.openxmlformats.org/officeDocument/2006/customXml" ds:itemID="{4B4D6183-A0C2-41B9-BD62-0CD29AC5B1EF}">
-  <ds:schemaRefs>
-    <ds:schemaRef ds:uri="http://schemas.microsoft.com/office/2006/metadata/properties"/>
-    <ds:schemaRef ds:uri="http://schemas.microsoft.com/office/infopath/2007/PartnerControls"/>
-    <ds:schemaRef ds:uri="9b614674-bb2d-4c45-94ea-39f42762d3ae"/>
-  </ds:schemaRefs>
-</ds:datastoreItem>
-</file>
-
 <file path=customXml/itemProps3.xml><?xml version="1.0" encoding="utf-8"?>
 <ds:datastoreItem xmlns:ds="http://schemas.openxmlformats.org/officeDocument/2006/customXml" ds:itemID="{126BFA21-774C-45F5-BE3E-541B29302740}">
   <ds:schemaRefs>

--- a/02-inheritance_overriding/programming2_inheritance_overriding.pptx
+++ b/02-inheritance_overriding/programming2_inheritance_overriding.pptx
@@ -707,7 +707,7 @@
           <a:p>
             <a:fld id="{21D4D8AB-82A5-452A-8852-52C8026DDD64}" type="datetimeFigureOut">
               <a:rPr lang="en-US" smtClean="0"/>
-              <a:t>2/1/2023</a:t>
+              <a:t>2/12/2023</a:t>
             </a:fld>
             <a:endParaRPr lang="en-US"/>
           </a:p>
@@ -3987,7 +3987,7 @@
           <a:p>
             <a:fld id="{1CD1815E-B49F-43FE-B280-CDF6682C3964}" type="datetimeFigureOut">
               <a:rPr lang="nl-BE" smtClean="0"/>
-              <a:t>1/02/2023</a:t>
+              <a:t>12/02/2023</a:t>
             </a:fld>
             <a:endParaRPr lang="nl-BE"/>
           </a:p>
@@ -4187,7 +4187,7 @@
           <a:p>
             <a:fld id="{1CD1815E-B49F-43FE-B280-CDF6682C3964}" type="datetimeFigureOut">
               <a:rPr lang="nl-BE" smtClean="0"/>
-              <a:t>1/02/2023</a:t>
+              <a:t>12/02/2023</a:t>
             </a:fld>
             <a:endParaRPr lang="nl-BE"/>
           </a:p>
@@ -4397,7 +4397,7 @@
           <a:p>
             <a:fld id="{1CD1815E-B49F-43FE-B280-CDF6682C3964}" type="datetimeFigureOut">
               <a:rPr lang="nl-BE" smtClean="0"/>
-              <a:t>1/02/2023</a:t>
+              <a:t>12/02/2023</a:t>
             </a:fld>
             <a:endParaRPr lang="nl-BE"/>
           </a:p>
@@ -4539,7 +4539,7 @@
           <a:p>
             <a:fld id="{1CD1815E-B49F-43FE-B280-CDF6682C3964}" type="datetimeFigureOut">
               <a:rPr lang="nl-BE" smtClean="0"/>
-              <a:t>1/02/2023</a:t>
+              <a:t>12/02/2023</a:t>
             </a:fld>
             <a:endParaRPr lang="nl-BE"/>
           </a:p>
@@ -4739,7 +4739,7 @@
           <a:p>
             <a:fld id="{1CD1815E-B49F-43FE-B280-CDF6682C3964}" type="datetimeFigureOut">
               <a:rPr lang="nl-BE" smtClean="0"/>
-              <a:t>1/02/2023</a:t>
+              <a:t>12/02/2023</a:t>
             </a:fld>
             <a:endParaRPr lang="nl-BE"/>
           </a:p>
@@ -5015,7 +5015,7 @@
           <a:p>
             <a:fld id="{1CD1815E-B49F-43FE-B280-CDF6682C3964}" type="datetimeFigureOut">
               <a:rPr lang="nl-BE" smtClean="0"/>
-              <a:t>1/02/2023</a:t>
+              <a:t>12/02/2023</a:t>
             </a:fld>
             <a:endParaRPr lang="nl-BE"/>
           </a:p>
@@ -5283,7 +5283,7 @@
           <a:p>
             <a:fld id="{1CD1815E-B49F-43FE-B280-CDF6682C3964}" type="datetimeFigureOut">
               <a:rPr lang="nl-BE" smtClean="0"/>
-              <a:t>1/02/2023</a:t>
+              <a:t>12/02/2023</a:t>
             </a:fld>
             <a:endParaRPr lang="nl-BE"/>
           </a:p>
@@ -5698,7 +5698,7 @@
           <a:p>
             <a:fld id="{1CD1815E-B49F-43FE-B280-CDF6682C3964}" type="datetimeFigureOut">
               <a:rPr lang="nl-BE" smtClean="0"/>
-              <a:t>1/02/2023</a:t>
+              <a:t>12/02/2023</a:t>
             </a:fld>
             <a:endParaRPr lang="nl-BE"/>
           </a:p>
@@ -5840,7 +5840,7 @@
           <a:p>
             <a:fld id="{1CD1815E-B49F-43FE-B280-CDF6682C3964}" type="datetimeFigureOut">
               <a:rPr lang="nl-BE" smtClean="0"/>
-              <a:t>1/02/2023</a:t>
+              <a:t>12/02/2023</a:t>
             </a:fld>
             <a:endParaRPr lang="nl-BE"/>
           </a:p>
@@ -5953,7 +5953,7 @@
           <a:p>
             <a:fld id="{1CD1815E-B49F-43FE-B280-CDF6682C3964}" type="datetimeFigureOut">
               <a:rPr lang="nl-BE" smtClean="0"/>
-              <a:t>1/02/2023</a:t>
+              <a:t>12/02/2023</a:t>
             </a:fld>
             <a:endParaRPr lang="nl-BE"/>
           </a:p>
@@ -6266,7 +6266,7 @@
           <a:p>
             <a:fld id="{1CD1815E-B49F-43FE-B280-CDF6682C3964}" type="datetimeFigureOut">
               <a:rPr lang="nl-BE" smtClean="0"/>
-              <a:t>1/02/2023</a:t>
+              <a:t>12/02/2023</a:t>
             </a:fld>
             <a:endParaRPr lang="nl-BE"/>
           </a:p>
@@ -6509,7 +6509,7 @@
           <a:p>
             <a:fld id="{1CD1815E-B49F-43FE-B280-CDF6682C3964}" type="datetimeFigureOut">
               <a:rPr lang="nl-BE" smtClean="0"/>
-              <a:t>1/02/2023</a:t>
+              <a:t>12/02/2023</a:t>
             </a:fld>
             <a:endParaRPr lang="nl-BE"/>
           </a:p>
@@ -7644,7 +7644,7 @@
           </a:ln>
           <a:extLst>
             <a:ext uri="{C572A759-6A51-4108-AA02-DFA0A04FC94B}">
-              <ma14:wrappingTextBoxFlag xmlns:ma14="http://schemas.microsoft.com/office/mac/drawingml/2011/main" xmlns="" val="1"/>
+              <ma14:wrappingTextBoxFlag xmlns="" xmlns:ma14="http://schemas.microsoft.com/office/mac/drawingml/2011/main" val="1"/>
             </a:ext>
           </a:extLst>
         </p:spPr>
@@ -10347,7 +10347,7 @@
           </a:ln>
           <a:extLst>
             <a:ext uri="{C572A759-6A51-4108-AA02-DFA0A04FC94B}">
-              <ma14:wrappingTextBoxFlag xmlns:ma14="http://schemas.microsoft.com/office/mac/drawingml/2011/main" xmlns="" val="1"/>
+              <ma14:wrappingTextBoxFlag xmlns="" xmlns:ma14="http://schemas.microsoft.com/office/mac/drawingml/2011/main" val="1"/>
             </a:ext>
           </a:extLst>
         </p:spPr>
@@ -10687,7 +10687,7 @@
           </a:ln>
           <a:extLst>
             <a:ext uri="{C572A759-6A51-4108-AA02-DFA0A04FC94B}">
-              <ma14:wrappingTextBoxFlag xmlns:ma14="http://schemas.microsoft.com/office/mac/drawingml/2011/main" xmlns="" val="1"/>
+              <ma14:wrappingTextBoxFlag xmlns="" xmlns:ma14="http://schemas.microsoft.com/office/mac/drawingml/2011/main" val="1"/>
             </a:ext>
           </a:extLst>
         </p:spPr>
@@ -11350,7 +11350,7 @@
           </a:ln>
           <a:extLst>
             <a:ext uri="{C572A759-6A51-4108-AA02-DFA0A04FC94B}">
-              <ma14:wrappingTextBoxFlag xmlns:ma14="http://schemas.microsoft.com/office/mac/drawingml/2011/main" xmlns="" val="1"/>
+              <ma14:wrappingTextBoxFlag xmlns="" xmlns:ma14="http://schemas.microsoft.com/office/mac/drawingml/2011/main" val="1"/>
             </a:ext>
           </a:extLst>
         </p:spPr>
@@ -11690,7 +11690,7 @@
           </a:ln>
           <a:extLst>
             <a:ext uri="{C572A759-6A51-4108-AA02-DFA0A04FC94B}">
-              <ma14:wrappingTextBoxFlag xmlns:ma14="http://schemas.microsoft.com/office/mac/drawingml/2011/main" xmlns="" val="1"/>
+              <ma14:wrappingTextBoxFlag xmlns="" xmlns:ma14="http://schemas.microsoft.com/office/mac/drawingml/2011/main" val="1"/>
             </a:ext>
           </a:extLst>
         </p:spPr>
@@ -12335,7 +12335,7 @@
           </a:ln>
           <a:extLst>
             <a:ext uri="{C572A759-6A51-4108-AA02-DFA0A04FC94B}">
-              <ma14:wrappingTextBoxFlag xmlns:ma14="http://schemas.microsoft.com/office/mac/drawingml/2011/main" xmlns="" val="1"/>
+              <ma14:wrappingTextBoxFlag xmlns="" xmlns:ma14="http://schemas.microsoft.com/office/mac/drawingml/2011/main" val="1"/>
             </a:ext>
           </a:extLst>
         </p:spPr>
@@ -13480,7 +13480,7 @@
           </a:ln>
           <a:extLst>
             <a:ext uri="{C572A759-6A51-4108-AA02-DFA0A04FC94B}">
-              <ma14:wrappingTextBoxFlag xmlns="" xmlns:ma14="http://schemas.microsoft.com/office/mac/drawingml/2011/main" val="1"/>
+              <ma14:wrappingTextBoxFlag xmlns:ma14="http://schemas.microsoft.com/office/mac/drawingml/2011/main" xmlns="" val="1"/>
             </a:ext>
           </a:extLst>
         </p:spPr>
@@ -13820,7 +13820,7 @@
           </a:ln>
           <a:extLst>
             <a:ext uri="{C572A759-6A51-4108-AA02-DFA0A04FC94B}">
-              <ma14:wrappingTextBoxFlag xmlns="" xmlns:ma14="http://schemas.microsoft.com/office/mac/drawingml/2011/main" val="1"/>
+              <ma14:wrappingTextBoxFlag xmlns:ma14="http://schemas.microsoft.com/office/mac/drawingml/2011/main" xmlns="" val="1"/>
             </a:ext>
           </a:extLst>
         </p:spPr>
@@ -14483,7 +14483,7 @@
           </a:ln>
           <a:extLst>
             <a:ext uri="{C572A759-6A51-4108-AA02-DFA0A04FC94B}">
-              <ma14:wrappingTextBoxFlag xmlns="" xmlns:ma14="http://schemas.microsoft.com/office/mac/drawingml/2011/main" val="1"/>
+              <ma14:wrappingTextBoxFlag xmlns:ma14="http://schemas.microsoft.com/office/mac/drawingml/2011/main" xmlns="" val="1"/>
             </a:ext>
           </a:extLst>
         </p:spPr>
@@ -14823,7 +14823,7 @@
           </a:ln>
           <a:extLst>
             <a:ext uri="{C572A759-6A51-4108-AA02-DFA0A04FC94B}">
-              <ma14:wrappingTextBoxFlag xmlns="" xmlns:ma14="http://schemas.microsoft.com/office/mac/drawingml/2011/main" val="1"/>
+              <ma14:wrappingTextBoxFlag xmlns:ma14="http://schemas.microsoft.com/office/mac/drawingml/2011/main" xmlns="" val="1"/>
             </a:ext>
           </a:extLst>
         </p:spPr>
@@ -15468,7 +15468,7 @@
           </a:ln>
           <a:extLst>
             <a:ext uri="{C572A759-6A51-4108-AA02-DFA0A04FC94B}">
-              <ma14:wrappingTextBoxFlag xmlns="" xmlns:ma14="http://schemas.microsoft.com/office/mac/drawingml/2011/main" val="1"/>
+              <ma14:wrappingTextBoxFlag xmlns:ma14="http://schemas.microsoft.com/office/mac/drawingml/2011/main" xmlns="" val="1"/>
             </a:ext>
           </a:extLst>
         </p:spPr>
@@ -15804,7 +15804,7 @@
           </a:ln>
           <a:extLst>
             <a:ext uri="{C572A759-6A51-4108-AA02-DFA0A04FC94B}">
-              <ma14:wrappingTextBoxFlag xmlns:ma14="http://schemas.microsoft.com/office/mac/drawingml/2011/main" xmlns="" val="1"/>
+              <ma14:wrappingTextBoxFlag xmlns="" xmlns:ma14="http://schemas.microsoft.com/office/mac/drawingml/2011/main" val="1"/>
             </a:ext>
           </a:extLst>
         </p:spPr>
@@ -16124,7 +16124,7 @@
           </a:ln>
           <a:extLst>
             <a:ext uri="{C572A759-6A51-4108-AA02-DFA0A04FC94B}">
-              <ma14:wrappingTextBoxFlag xmlns:ma14="http://schemas.microsoft.com/office/mac/drawingml/2011/main" xmlns="" val="1"/>
+              <ma14:wrappingTextBoxFlag xmlns="" xmlns:ma14="http://schemas.microsoft.com/office/mac/drawingml/2011/main" val="1"/>
             </a:ext>
           </a:extLst>
         </p:spPr>
@@ -17742,7 +17742,7 @@
           </a:ln>
           <a:extLst>
             <a:ext uri="{C572A759-6A51-4108-AA02-DFA0A04FC94B}">
-              <ma14:wrappingTextBoxFlag xmlns:ma14="http://schemas.microsoft.com/office/mac/drawingml/2011/main" xmlns="" val="1"/>
+              <ma14:wrappingTextBoxFlag xmlns="" xmlns:ma14="http://schemas.microsoft.com/office/mac/drawingml/2011/main" val="1"/>
             </a:ext>
           </a:extLst>
         </p:spPr>
@@ -18244,7 +18244,7 @@
           </a:ln>
           <a:extLst>
             <a:ext uri="{C572A759-6A51-4108-AA02-DFA0A04FC94B}">
-              <ma14:wrappingTextBoxFlag xmlns:ma14="http://schemas.microsoft.com/office/mac/drawingml/2011/main" xmlns="" val="1"/>
+              <ma14:wrappingTextBoxFlag xmlns="" xmlns:ma14="http://schemas.microsoft.com/office/mac/drawingml/2011/main" val="1"/>
             </a:ext>
           </a:extLst>
         </p:spPr>
@@ -18584,7 +18584,7 @@
           </a:ln>
           <a:extLst>
             <a:ext uri="{C572A759-6A51-4108-AA02-DFA0A04FC94B}">
-              <ma14:wrappingTextBoxFlag xmlns:ma14="http://schemas.microsoft.com/office/mac/drawingml/2011/main" xmlns="" val="1"/>
+              <ma14:wrappingTextBoxFlag xmlns="" xmlns:ma14="http://schemas.microsoft.com/office/mac/drawingml/2011/main" val="1"/>
             </a:ext>
           </a:extLst>
         </p:spPr>
@@ -19733,7 +19733,7 @@
           </a:ln>
           <a:extLst>
             <a:ext uri="{C572A759-6A51-4108-AA02-DFA0A04FC94B}">
-              <ma14:wrappingTextBoxFlag xmlns:ma14="http://schemas.microsoft.com/office/mac/drawingml/2011/main" xmlns="" val="1"/>
+              <ma14:wrappingTextBoxFlag xmlns="" xmlns:ma14="http://schemas.microsoft.com/office/mac/drawingml/2011/main" val="1"/>
             </a:ext>
           </a:extLst>
         </p:spPr>
@@ -20441,7 +20441,7 @@
           </a:ln>
           <a:extLst>
             <a:ext uri="{C572A759-6A51-4108-AA02-DFA0A04FC94B}">
-              <ma14:wrappingTextBoxFlag xmlns:ma14="http://schemas.microsoft.com/office/mac/drawingml/2011/main" xmlns="" val="1"/>
+              <ma14:wrappingTextBoxFlag xmlns="" xmlns:ma14="http://schemas.microsoft.com/office/mac/drawingml/2011/main" val="1"/>
             </a:ext>
           </a:extLst>
         </p:spPr>
@@ -20781,7 +20781,7 @@
           </a:ln>
           <a:extLst>
             <a:ext uri="{C572A759-6A51-4108-AA02-DFA0A04FC94B}">
-              <ma14:wrappingTextBoxFlag xmlns:ma14="http://schemas.microsoft.com/office/mac/drawingml/2011/main" xmlns="" val="1"/>
+              <ma14:wrappingTextBoxFlag xmlns="" xmlns:ma14="http://schemas.microsoft.com/office/mac/drawingml/2011/main" val="1"/>
             </a:ext>
           </a:extLst>
         </p:spPr>
@@ -21938,7 +21938,7 @@
           </a:ln>
           <a:extLst>
             <a:ext uri="{C572A759-6A51-4108-AA02-DFA0A04FC94B}">
-              <ma14:wrappingTextBoxFlag xmlns:ma14="http://schemas.microsoft.com/office/mac/drawingml/2011/main" xmlns="" val="1"/>
+              <ma14:wrappingTextBoxFlag xmlns="" xmlns:ma14="http://schemas.microsoft.com/office/mac/drawingml/2011/main" val="1"/>
             </a:ext>
           </a:extLst>
         </p:spPr>
@@ -22646,7 +22646,7 @@
           </a:ln>
           <a:extLst>
             <a:ext uri="{C572A759-6A51-4108-AA02-DFA0A04FC94B}">
-              <ma14:wrappingTextBoxFlag xmlns:ma14="http://schemas.microsoft.com/office/mac/drawingml/2011/main" xmlns="" val="1"/>
+              <ma14:wrappingTextBoxFlag xmlns="" xmlns:ma14="http://schemas.microsoft.com/office/mac/drawingml/2011/main" val="1"/>
             </a:ext>
           </a:extLst>
         </p:spPr>
@@ -22986,7 +22986,7 @@
           </a:ln>
           <a:extLst>
             <a:ext uri="{C572A759-6A51-4108-AA02-DFA0A04FC94B}">
-              <ma14:wrappingTextBoxFlag xmlns:ma14="http://schemas.microsoft.com/office/mac/drawingml/2011/main" xmlns="" val="1"/>
+              <ma14:wrappingTextBoxFlag xmlns="" xmlns:ma14="http://schemas.microsoft.com/office/mac/drawingml/2011/main" val="1"/>
             </a:ext>
           </a:extLst>
         </p:spPr>
@@ -23406,7 +23406,7 @@
           </a:ln>
           <a:extLst>
             <a:ext uri="{C572A759-6A51-4108-AA02-DFA0A04FC94B}">
-              <ma14:wrappingTextBoxFlag xmlns:ma14="http://schemas.microsoft.com/office/mac/drawingml/2011/main" xmlns="" val="1"/>
+              <ma14:wrappingTextBoxFlag xmlns="" xmlns:ma14="http://schemas.microsoft.com/office/mac/drawingml/2011/main" val="1"/>
             </a:ext>
           </a:extLst>
         </p:spPr>
@@ -26402,7 +26402,7 @@
           </a:ln>
           <a:extLst>
             <a:ext uri="{C572A759-6A51-4108-AA02-DFA0A04FC94B}">
-              <ma14:wrappingTextBoxFlag xmlns="" xmlns:ma14="http://schemas.microsoft.com/office/mac/drawingml/2011/main" val="1"/>
+              <ma14:wrappingTextBoxFlag xmlns:ma14="http://schemas.microsoft.com/office/mac/drawingml/2011/main" xmlns="" val="1"/>
             </a:ext>
           </a:extLst>
         </p:spPr>
@@ -29542,7 +29542,7 @@
           </a:ln>
           <a:extLst>
             <a:ext uri="{C572A759-6A51-4108-AA02-DFA0A04FC94B}">
-              <ma14:wrappingTextBoxFlag xmlns:ma14="http://schemas.microsoft.com/office/mac/drawingml/2011/main" xmlns="" val="1"/>
+              <ma14:wrappingTextBoxFlag xmlns="" xmlns:ma14="http://schemas.microsoft.com/office/mac/drawingml/2011/main" val="1"/>
             </a:ext>
           </a:extLst>
         </p:spPr>
@@ -30983,7 +30983,7 @@
           </a:ln>
           <a:extLst>
             <a:ext uri="{C572A759-6A51-4108-AA02-DFA0A04FC94B}">
-              <ma14:wrappingTextBoxFlag xmlns:ma14="http://schemas.microsoft.com/office/mac/drawingml/2011/main" xmlns="" val="1"/>
+              <ma14:wrappingTextBoxFlag xmlns="" xmlns:ma14="http://schemas.microsoft.com/office/mac/drawingml/2011/main" val="1"/>
             </a:ext>
           </a:extLst>
         </p:spPr>
@@ -31545,7 +31545,7 @@
           </a:ln>
           <a:extLst>
             <a:ext uri="{C572A759-6A51-4108-AA02-DFA0A04FC94B}">
-              <ma14:wrappingTextBoxFlag xmlns:ma14="http://schemas.microsoft.com/office/mac/drawingml/2011/main" xmlns="" val="1"/>
+              <ma14:wrappingTextBoxFlag xmlns="" xmlns:ma14="http://schemas.microsoft.com/office/mac/drawingml/2011/main" val="1"/>
             </a:ext>
           </a:extLst>
         </p:spPr>
@@ -31885,7 +31885,7 @@
           </a:ln>
           <a:extLst>
             <a:ext uri="{C572A759-6A51-4108-AA02-DFA0A04FC94B}">
-              <ma14:wrappingTextBoxFlag xmlns:ma14="http://schemas.microsoft.com/office/mac/drawingml/2011/main" xmlns="" val="1"/>
+              <ma14:wrappingTextBoxFlag xmlns="" xmlns:ma14="http://schemas.microsoft.com/office/mac/drawingml/2011/main" val="1"/>
             </a:ext>
           </a:extLst>
         </p:spPr>
@@ -32688,7 +32688,7 @@
         </p:spPr>
         <p:txBody>
           <a:bodyPr>
-            <a:normAutofit/>
+            <a:normAutofit fontScale="92500" lnSpcReduction="10000"/>
           </a:bodyPr>
           <a:lstStyle>
             <a:lvl1pPr marL="228600" indent="-228600" algn="l" defTabSz="914400" rtl="0" eaLnBrk="1" latinLnBrk="0" hangingPunct="1">
@@ -32855,144 +32855,149 @@
             </a:lvl9pPr>
           </a:lstStyle>
           <a:p>
-            <a:r>
-              <a:rPr lang="nl-BE" dirty="0" err="1"/>
-              <a:t>What</a:t>
-            </a:r>
-            <a:r>
-              <a:rPr lang="nl-BE" dirty="0"/>
-              <a:t> is </a:t>
-            </a:r>
-            <a:r>
-              <a:rPr lang="nl-BE" dirty="0" err="1"/>
-              <a:t>inheritance</a:t>
-            </a:r>
-            <a:r>
-              <a:rPr lang="nl-BE" dirty="0"/>
-              <a:t>?</a:t>
-            </a:r>
-          </a:p>
-          <a:p>
-            <a:r>
-              <a:rPr lang="nl-BE" dirty="0"/>
-              <a:t>How </a:t>
-            </a:r>
-            <a:r>
-              <a:rPr lang="nl-BE" dirty="0" err="1"/>
-              <a:t>can</a:t>
-            </a:r>
-            <a:r>
-              <a:rPr lang="nl-BE" dirty="0"/>
-              <a:t> </a:t>
-            </a:r>
-            <a:r>
-              <a:rPr lang="nl-BE" dirty="0" err="1"/>
-              <a:t>you</a:t>
-            </a:r>
-            <a:r>
-              <a:rPr lang="nl-BE" dirty="0"/>
-              <a:t> inherent a class in python?</a:t>
-            </a:r>
-          </a:p>
-          <a:p>
-            <a:r>
-              <a:rPr lang="nl-BE" dirty="0" err="1"/>
-              <a:t>What</a:t>
-            </a:r>
-            <a:r>
-              <a:rPr lang="nl-BE" dirty="0"/>
-              <a:t> is </a:t>
-            </a:r>
-            <a:r>
-              <a:rPr lang="nl-BE" dirty="0" err="1"/>
-              <a:t>the</a:t>
-            </a:r>
-            <a:r>
-              <a:rPr lang="nl-BE" dirty="0"/>
-              <a:t> benefit of </a:t>
-            </a:r>
-            <a:r>
-              <a:rPr lang="nl-BE" dirty="0" err="1"/>
-              <a:t>using</a:t>
-            </a:r>
-            <a:r>
-              <a:rPr lang="nl-BE" dirty="0"/>
-              <a:t> </a:t>
-            </a:r>
-            <a:r>
-              <a:rPr lang="nl-BE" dirty="0" err="1"/>
-              <a:t>inheritance</a:t>
-            </a:r>
-            <a:r>
-              <a:rPr lang="nl-BE" dirty="0"/>
-              <a:t>?</a:t>
-            </a:r>
-          </a:p>
-          <a:p>
-            <a:r>
-              <a:rPr lang="nl-BE" dirty="0" err="1"/>
-              <a:t>What</a:t>
-            </a:r>
-            <a:r>
-              <a:rPr lang="nl-BE" dirty="0"/>
-              <a:t> is multiple </a:t>
-            </a:r>
-            <a:r>
-              <a:rPr lang="nl-BE" dirty="0" err="1"/>
-              <a:t>inheritance</a:t>
-            </a:r>
-            <a:r>
-              <a:rPr lang="nl-BE" dirty="0"/>
-              <a:t>?</a:t>
-            </a:r>
-          </a:p>
-          <a:p>
-            <a:r>
-              <a:rPr lang="nl-BE" dirty="0" err="1"/>
-              <a:t>What</a:t>
-            </a:r>
-            <a:r>
-              <a:rPr lang="nl-BE" dirty="0"/>
-              <a:t> is </a:t>
-            </a:r>
-            <a:r>
-              <a:rPr lang="nl-BE" dirty="0" err="1"/>
-              <a:t>meant</a:t>
-            </a:r>
-            <a:r>
-              <a:rPr lang="nl-BE" dirty="0"/>
-              <a:t> </a:t>
-            </a:r>
-            <a:r>
-              <a:rPr lang="nl-BE" dirty="0" err="1"/>
-              <a:t>with</a:t>
-            </a:r>
-            <a:r>
-              <a:rPr lang="nl-BE" dirty="0"/>
-              <a:t> </a:t>
-            </a:r>
-            <a:r>
-              <a:rPr lang="nl-BE" dirty="0" err="1"/>
-              <a:t>overriding</a:t>
-            </a:r>
-            <a:r>
-              <a:rPr lang="nl-BE" dirty="0"/>
-              <a:t> of </a:t>
-            </a:r>
-            <a:r>
-              <a:rPr lang="nl-BE" dirty="0" err="1"/>
-              <a:t>functions</a:t>
-            </a:r>
-            <a:r>
-              <a:rPr lang="nl-BE" dirty="0"/>
-              <a:t>?</a:t>
-            </a:r>
-          </a:p>
-          <a:p>
+            <a:pPr algn="just">
+              <a:buFont typeface="+mj-lt"/>
+              <a:buAutoNum type="arabicPeriod"/>
+            </a:pPr>
+            <a:r>
+              <a:rPr lang="en-US" b="0" i="0" dirty="0">
+                <a:solidFill>
+                  <a:srgbClr val="374151"/>
+                </a:solidFill>
+                <a:effectLst/>
+                <a:latin typeface="Söhne"/>
+              </a:rPr>
+              <a:t>What is inheritance in Python?</a:t>
+            </a:r>
+          </a:p>
+          <a:p>
+            <a:pPr algn="just">
+              <a:buFont typeface="+mj-lt"/>
+              <a:buAutoNum type="arabicPeriod"/>
+            </a:pPr>
+            <a:r>
+              <a:rPr lang="en-US" b="0" i="0" dirty="0">
+                <a:solidFill>
+                  <a:srgbClr val="374151"/>
+                </a:solidFill>
+                <a:effectLst/>
+                <a:latin typeface="Söhne"/>
+              </a:rPr>
+              <a:t>How can you use inheritance to create a new class based on an existing one in Python?</a:t>
+            </a:r>
+          </a:p>
+          <a:p>
+            <a:pPr algn="just">
+              <a:buFont typeface="+mj-lt"/>
+              <a:buAutoNum type="arabicPeriod"/>
+            </a:pPr>
+            <a:r>
+              <a:rPr lang="en-US" b="0" i="0" dirty="0">
+                <a:solidFill>
+                  <a:srgbClr val="374151"/>
+                </a:solidFill>
+                <a:effectLst/>
+                <a:latin typeface="Söhne"/>
+              </a:rPr>
+              <a:t>What are some benefits of using inheritance when designing classes in Python?</a:t>
+            </a:r>
+          </a:p>
+          <a:p>
+            <a:pPr algn="just">
+              <a:buFont typeface="+mj-lt"/>
+              <a:buAutoNum type="arabicPeriod"/>
+            </a:pPr>
+            <a:r>
+              <a:rPr lang="en-US" b="0" i="0" dirty="0">
+                <a:solidFill>
+                  <a:srgbClr val="374151"/>
+                </a:solidFill>
+                <a:effectLst/>
+                <a:latin typeface="Söhne"/>
+              </a:rPr>
+              <a:t>What is multiple inheritance in Python and how does it differ from single inheritance?</a:t>
+            </a:r>
+          </a:p>
+          <a:p>
+            <a:pPr algn="just">
+              <a:buFont typeface="+mj-lt"/>
+              <a:buAutoNum type="arabicPeriod"/>
+            </a:pPr>
+            <a:r>
+              <a:rPr lang="en-US" b="0" i="0" dirty="0">
+                <a:solidFill>
+                  <a:srgbClr val="374151"/>
+                </a:solidFill>
+                <a:effectLst/>
+                <a:latin typeface="Söhne"/>
+              </a:rPr>
+              <a:t>What does it mean to override a method or function in Python, and how is it useful in inheritance?</a:t>
+            </a:r>
+          </a:p>
+          <a:p>
+            <a:pPr algn="just">
+              <a:buFont typeface="+mj-lt"/>
+              <a:buAutoNum type="arabicPeriod"/>
+            </a:pPr>
+            <a:r>
+              <a:rPr lang="en-US" b="0" i="0" dirty="0">
+                <a:solidFill>
+                  <a:srgbClr val="374151"/>
+                </a:solidFill>
+                <a:effectLst/>
+                <a:latin typeface="Söhne"/>
+              </a:rPr>
+              <a:t>What is a superclass in Python, and how does it relate to inheritance?</a:t>
+            </a:r>
+          </a:p>
+          <a:p>
+            <a:pPr algn="just">
+              <a:buFont typeface="+mj-lt"/>
+              <a:buAutoNum type="arabicPeriod"/>
+            </a:pPr>
+            <a:r>
+              <a:rPr lang="en-US" b="0" i="0" dirty="0">
+                <a:solidFill>
+                  <a:srgbClr val="374151"/>
+                </a:solidFill>
+                <a:effectLst/>
+                <a:latin typeface="Söhne"/>
+              </a:rPr>
+              <a:t>Can a subclass inherit from multiple </a:t>
+            </a:r>
+            <a:r>
+              <a:rPr lang="en-US" b="0" i="0" dirty="0" err="1">
+                <a:solidFill>
+                  <a:srgbClr val="374151"/>
+                </a:solidFill>
+                <a:effectLst/>
+                <a:latin typeface="Söhne"/>
+              </a:rPr>
+              <a:t>superclasses</a:t>
+            </a:r>
+            <a:r>
+              <a:rPr lang="en-US" b="0" i="0" dirty="0">
+                <a:solidFill>
+                  <a:srgbClr val="374151"/>
+                </a:solidFill>
+                <a:effectLst/>
+                <a:latin typeface="Söhne"/>
+              </a:rPr>
+              <a:t> in Python? If so, how?</a:t>
+            </a:r>
+          </a:p>
+          <a:p>
+            <a:pPr marL="0" indent="0" algn="just">
+              <a:buNone/>
+            </a:pPr>
+            <a:endParaRPr lang="nl-BE" dirty="0"/>
+          </a:p>
+          <a:p>
+            <a:pPr algn="just"/>
             <a:endParaRPr lang="en-US" dirty="0"/>
           </a:p>
           <a:p>
-            <a:pPr marL="0" indent="0">
+            <a:pPr marL="0" indent="0" algn="just">
               <a:buNone/>
             </a:pPr>
             <a:endParaRPr lang="en-US" dirty="0"/>
@@ -33567,7 +33572,7 @@
           </a:ln>
           <a:extLst>
             <a:ext uri="{C572A759-6A51-4108-AA02-DFA0A04FC94B}">
-              <ma14:wrappingTextBoxFlag xmlns:ma14="http://schemas.microsoft.com/office/mac/drawingml/2011/main" xmlns="" val="1"/>
+              <ma14:wrappingTextBoxFlag xmlns="" xmlns:ma14="http://schemas.microsoft.com/office/mac/drawingml/2011/main" val="1"/>
             </a:ext>
           </a:extLst>
         </p:spPr>
@@ -34528,7 +34533,7 @@
           </a:ln>
           <a:extLst>
             <a:ext uri="{C572A759-6A51-4108-AA02-DFA0A04FC94B}">
-              <ma14:wrappingTextBoxFlag xmlns:ma14="http://schemas.microsoft.com/office/mac/drawingml/2011/main" xmlns="" val="1"/>
+              <ma14:wrappingTextBoxFlag xmlns="" xmlns:ma14="http://schemas.microsoft.com/office/mac/drawingml/2011/main" val="1"/>
             </a:ext>
           </a:extLst>
         </p:spPr>
@@ -36886,15 +36891,6 @@
 </file>
 
 <file path=customXml/item1.xml><?xml version="1.0" encoding="utf-8"?>
-<?mso-contentType ?>
-<FormTemplates xmlns="http://schemas.microsoft.com/sharepoint/v3/contenttype/forms">
-  <Display>DocumentLibraryForm</Display>
-  <Edit>DocumentLibraryForm</Edit>
-  <New>DocumentLibraryForm</New>
-</FormTemplates>
-</file>
-
-<file path=customXml/item2.xml><?xml version="1.0" encoding="utf-8"?>
 <ct:contentTypeSchema xmlns:ct="http://schemas.microsoft.com/office/2006/metadata/contentType" xmlns:ma="http://schemas.microsoft.com/office/2006/metadata/properties/metaAttributes" ct:_="" ma:_="" ma:contentTypeName="Document" ma:contentTypeID="0x010100F1325F46957A7D4694A8ACC888AA2621" ma:contentTypeVersion="7" ma:contentTypeDescription="Een nieuw document maken." ma:contentTypeScope="" ma:versionID="14c5700b56297cf9c66eff42b9f64bd4">
   <xsd:schema xmlns:xsd="http://www.w3.org/2001/XMLSchema" xmlns:xs="http://www.w3.org/2001/XMLSchema" xmlns:p="http://schemas.microsoft.com/office/2006/metadata/properties" xmlns:ns2="9b614674-bb2d-4c45-94ea-39f42762d3ae" targetNamespace="http://schemas.microsoft.com/office/2006/metadata/properties" ma:root="true" ma:fieldsID="4e421ba7028bb8b9c0acf45abfb7d816" ns2:_="">
     <xsd:import namespace="9b614674-bb2d-4c45-94ea-39f42762d3ae"/>
@@ -37054,6 +37050,15 @@
 </ct:contentTypeSchema>
 </file>
 
+<file path=customXml/item2.xml><?xml version="1.0" encoding="utf-8"?>
+<?mso-contentType ?>
+<FormTemplates xmlns="http://schemas.microsoft.com/sharepoint/v3/contenttype/forms">
+  <Display>DocumentLibraryForm</Display>
+  <Edit>DocumentLibraryForm</Edit>
+  <New>DocumentLibraryForm</New>
+</FormTemplates>
+</file>
+
 <file path=customXml/item3.xml><?xml version="1.0" encoding="utf-8"?>
 <p:properties xmlns:p="http://schemas.microsoft.com/office/2006/metadata/properties" xmlns:xsi="http://www.w3.org/2001/XMLSchema-instance" xmlns:pc="http://schemas.microsoft.com/office/infopath/2007/PartnerControls">
   <documentManagement>
@@ -37065,14 +37070,6 @@
 </file>
 
 <file path=customXml/itemProps1.xml><?xml version="1.0" encoding="utf-8"?>
-<ds:datastoreItem xmlns:ds="http://schemas.openxmlformats.org/officeDocument/2006/customXml" ds:itemID="{126BFA21-774C-45F5-BE3E-541B29302740}">
-  <ds:schemaRefs>
-    <ds:schemaRef ds:uri="http://schemas.microsoft.com/sharepoint/v3/contenttype/forms"/>
-  </ds:schemaRefs>
-</ds:datastoreItem>
-</file>
-
-<file path=customXml/itemProps2.xml><?xml version="1.0" encoding="utf-8"?>
 <ds:datastoreItem xmlns:ds="http://schemas.openxmlformats.org/officeDocument/2006/customXml" ds:itemID="{CDDBE3B0-F9E2-412D-9C85-6D1F6264D44A}">
   <ds:schemaRefs>
     <ds:schemaRef ds:uri="http://schemas.microsoft.com/office/2006/metadata/contentType"/>
@@ -37090,6 +37087,14 @@
 </ds:datastoreItem>
 </file>
 
+<file path=customXml/itemProps2.xml><?xml version="1.0" encoding="utf-8"?>
+<ds:datastoreItem xmlns:ds="http://schemas.openxmlformats.org/officeDocument/2006/customXml" ds:itemID="{126BFA21-774C-45F5-BE3E-541B29302740}">
+  <ds:schemaRefs>
+    <ds:schemaRef ds:uri="http://schemas.microsoft.com/sharepoint/v3/contenttype/forms"/>
+  </ds:schemaRefs>
+</ds:datastoreItem>
+</file>
+
 <file path=customXml/itemProps3.xml><?xml version="1.0" encoding="utf-8"?>
 <ds:datastoreItem xmlns:ds="http://schemas.openxmlformats.org/officeDocument/2006/customXml" ds:itemID="{4B4D6183-A0C2-41B9-BD62-0CD29AC5B1EF}">
   <ds:schemaRefs>
